--- a/06-testing_resources_in_recipes.pptx
+++ b/06-testing_resources_in_recipes.pptx
@@ -300,7 +300,7 @@
               <a:pPr>
                 <a:defRPr/>
               </a:pPr>
-              <a:t>2016-02-26</a:t>
+              <a:t>2016-02-27</a:t>
             </a:fld>
             <a:endParaRPr lang="en-US" dirty="0"/>
           </a:p>
@@ -483,7 +483,7 @@
               <a:pPr>
                 <a:defRPr/>
               </a:pPr>
-              <a:t>2016-02-26</a:t>
+              <a:t>2016-02-27</a:t>
             </a:fld>
             <a:endParaRPr lang="en-US" dirty="0"/>
           </a:p>
@@ -3673,7 +3673,6 @@
               <a:rPr lang="en-US" baseline="0" dirty="0" smtClean="0"/>
               <a:t>All of the resources within our recipes have expectations. Now it is time to see the value of the examples that we have defined by returning to the recipes we wrote and introduce a new requirement: using node attributes.</a:t>
             </a:r>
-            <a:endParaRPr lang="en-US" baseline="0" dirty="0" smtClean="0"/>
           </a:p>
         </p:txBody>
       </p:sp>
@@ -4557,7 +4556,6 @@
               <a:rPr lang="en-US" baseline="0" dirty="0" smtClean="0"/>
               <a:t>'.</a:t>
             </a:r>
-            <a:endParaRPr lang="en-US" baseline="0" dirty="0" smtClean="0"/>
           </a:p>
         </p:txBody>
       </p:sp>
@@ -4693,49 +4691,25 @@
           <a:p>
             <a:r>
               <a:rPr lang="en-US" baseline="0" dirty="0" smtClean="0"/>
-              <a:t>Expressing an expectation for the state </a:t>
-            </a:r>
+              <a:t>Expressing an expectation for the state of resources in the 'Resource Collection' uses a particular matcher. Express the name of the action joined together with the type of the resource and has the parameter that is the name of the resource.</a:t>
+            </a:r>
+          </a:p>
+          <a:p>
+            <a:endParaRPr lang="en-US" baseline="0" dirty="0" smtClean="0"/>
+          </a:p>
+          <a:p>
             <a:r>
               <a:rPr lang="en-US" baseline="0" dirty="0" smtClean="0"/>
-              <a:t>of resources in the 'Resource Collection</a:t>
-            </a:r>
+              <a:t>The expectation defined here is slightly different than the previous example. In the first example the expect uses braces. This is Ruby's shorthand notation to represent a block. The reason in this expectation we want to use a block is that if the chef run were to raise an error we need to catch it. Catching it requires that we wrap the code we want to execute within a block.</a:t>
+            </a:r>
+          </a:p>
+          <a:p>
+            <a:endParaRPr lang="en-US" baseline="0" dirty="0" smtClean="0"/>
+          </a:p>
+          <a:p>
             <a:r>
               <a:rPr lang="en-US" baseline="0" dirty="0" smtClean="0"/>
-              <a:t>' uses a particular matcher. Express </a:t>
-            </a:r>
-            <a:r>
-              <a:rPr lang="en-US" baseline="0" dirty="0" smtClean="0"/>
-              <a:t>the name of the action joined together with the type of the resource and has the parameter that is the name of the resource.</a:t>
-            </a:r>
-          </a:p>
-          <a:p>
-            <a:endParaRPr lang="en-US" baseline="0" dirty="0" smtClean="0"/>
-          </a:p>
-          <a:p>
-            <a:r>
-              <a:rPr lang="en-US" baseline="0" dirty="0" smtClean="0"/>
-              <a:t>The </a:t>
-            </a:r>
-            <a:r>
-              <a:rPr lang="en-US" baseline="0" dirty="0" smtClean="0"/>
-              <a:t>expectation defined here is slightly different than the previous example. In the first example the expect uses braces. This is Ruby's shorthand notation to represent a block. The reason in this expectation we want to use a block is that if the chef run were to raise an error we need to catch it. Catching it requires that we wrap the code we want to execute within a </a:t>
-            </a:r>
-            <a:r>
-              <a:rPr lang="en-US" baseline="0" dirty="0" smtClean="0"/>
-              <a:t>block.</a:t>
-            </a:r>
-          </a:p>
-          <a:p>
-            <a:endParaRPr lang="en-US" baseline="0" dirty="0" smtClean="0"/>
-          </a:p>
-          <a:p>
-            <a:r>
-              <a:rPr lang="en-US" baseline="0" dirty="0" smtClean="0"/>
-              <a:t>Using </a:t>
-            </a:r>
-            <a:r>
-              <a:rPr lang="en-US" baseline="0" dirty="0" smtClean="0"/>
-              <a:t>the parenthesis is passing the '</a:t>
+              <a:t>Using the parenthesis is passing the '</a:t>
             </a:r>
             <a:r>
               <a:rPr lang="en-US" baseline="0" dirty="0" err="1" smtClean="0"/>
@@ -4743,13 +4717,8 @@
             </a:r>
             <a:r>
               <a:rPr lang="en-US" baseline="0" dirty="0" smtClean="0"/>
-              <a:t>' helper as a parameter to the 'expect' method. In this instance we do not expect an error to take place and instead want to make assertions on the state of the chef run</a:t>
-            </a:r>
-            <a:r>
-              <a:rPr lang="en-US" baseline="0" dirty="0" smtClean="0"/>
-              <a:t>. If an error were to be raised the expectation would not catch it and instead of the expectation failing you would see an error message.</a:t>
-            </a:r>
-            <a:endParaRPr lang="en-US" baseline="0" dirty="0" smtClean="0"/>
+              <a:t>' helper as a parameter to the 'expect' method. In this instance we do not expect an error to take place and instead want to make assertions on the state of the chef run. If an error were to be raised the expectation would not catch it and instead of the expectation failing you would see an error message.</a:t>
+            </a:r>
           </a:p>
         </p:txBody>
       </p:sp>
@@ -5091,7 +5060,7 @@
               <a:buFont typeface="Arial" pitchFamily="34" charset="0"/>
               <a:buNone/>
               <a:tabLst/>
-              <a:defRPr sz="2800">
+              <a:defRPr sz="2800" b="1">
                 <a:latin typeface="Courier New" panose="02070309020205020404" pitchFamily="49" charset="0"/>
                 <a:cs typeface="Courier New" panose="02070309020205020404" pitchFamily="49" charset="0"/>
               </a:defRPr>
@@ -6093,7 +6062,1638 @@
 </file>
 
 <file path=ppt/slideLayouts/slideLayout13.xml><?xml version="1.0" encoding="utf-8"?>
-<p:sldLayout xmlns:a="http://schemas.openxmlformats.org/drawingml/2006/main" xmlns:r="http://schemas.openxmlformats.org/officeDocument/2006/relationships" xmlns:p="http://schemas.openxmlformats.org/presentationml/2006/main" userDrawn="1">
+<p:sldLayout xmlns:a="http://schemas.openxmlformats.org/drawingml/2006/main" xmlns:r="http://schemas.openxmlformats.org/officeDocument/2006/relationships" xmlns:p="http://schemas.openxmlformats.org/presentationml/2006/main" preserve="1" userDrawn="1">
+  <p:cSld name="Motivation">
+    <p:spTree>
+      <p:nvGrpSpPr>
+        <p:cNvPr id="1" name=""/>
+        <p:cNvGrpSpPr/>
+        <p:nvPr/>
+      </p:nvGrpSpPr>
+      <p:grpSpPr>
+        <a:xfrm>
+          <a:off x="0" y="0"/>
+          <a:ext cx="0" cy="0"/>
+          <a:chOff x="0" y="0"/>
+          <a:chExt cx="0" cy="0"/>
+        </a:xfrm>
+      </p:grpSpPr>
+      <p:sp>
+        <p:nvSpPr>
+          <p:cNvPr id="5" name="TextBox 4"/>
+          <p:cNvSpPr txBox="1"/>
+          <p:nvPr/>
+        </p:nvSpPr>
+        <p:spPr bwMode="white">
+          <a:xfrm>
+            <a:off x="136960" y="128323"/>
+            <a:ext cx="13979932" cy="2378219"/>
+          </a:xfrm>
+          <a:prstGeom prst="rect">
+            <a:avLst/>
+          </a:prstGeom>
+          <a:noFill/>
+          <a:ln>
+            <a:noFill/>
+          </a:ln>
+          <a:effectLst/>
+        </p:spPr>
+        <p:txBody>
+          <a:bodyPr lIns="121920" tIns="121920" rIns="121920" bIns="121920" anchor="ctr"/>
+          <a:lstStyle/>
+          <a:p>
+            <a:pPr defTabSz="1219120" fontAlgn="auto">
+              <a:spcBef>
+                <a:spcPts val="0"/>
+              </a:spcBef>
+              <a:spcAft>
+                <a:spcPts val="0"/>
+              </a:spcAft>
+              <a:defRPr/>
+            </a:pPr>
+            <a:r>
+              <a:rPr lang="en-US" sz="16933" dirty="0">
+                <a:ln w="18415" cmpd="sng">
+                  <a:solidFill>
+                    <a:srgbClr val="FFFFFF"/>
+                  </a:solidFill>
+                  <a:prstDash val="solid"/>
+                </a:ln>
+                <a:solidFill>
+                  <a:schemeClr val="bg2">
+                    <a:lumMod val="95000"/>
+                    <a:alpha val="50000"/>
+                  </a:schemeClr>
+                </a:solidFill>
+                <a:latin typeface="+mn-lt"/>
+                <a:ea typeface="+mn-ea"/>
+                <a:cs typeface="+mn-cs"/>
+              </a:rPr>
+              <a:t>MOTIVATION</a:t>
+            </a:r>
+          </a:p>
+        </p:txBody>
+      </p:sp>
+      <p:pic>
+        <p:nvPicPr>
+          <p:cNvPr id="2" name="Picture 1" descr="gift.gif"/>
+          <p:cNvPicPr>
+            <a:picLocks noChangeAspect="1"/>
+          </p:cNvPicPr>
+          <p:nvPr userDrawn="1"/>
+        </p:nvPicPr>
+        <p:blipFill>
+          <a:blip r:embed="rId2">
+            <a:extLst>
+              <a:ext uri="{28A0092B-C50C-407E-A947-70E740481C1C}">
+                <a14:useLocalDpi xmlns:a14="http://schemas.microsoft.com/office/drawing/2010/main" val="0"/>
+              </a:ext>
+            </a:extLst>
+          </a:blip>
+          <a:stretch>
+            <a:fillRect/>
+          </a:stretch>
+        </p:blipFill>
+        <p:spPr>
+          <a:xfrm>
+            <a:off x="13257264" y="215274"/>
+            <a:ext cx="2441471" cy="2407901"/>
+          </a:xfrm>
+          <a:prstGeom prst="rect">
+            <a:avLst/>
+          </a:prstGeom>
+        </p:spPr>
+      </p:pic>
+      <p:sp>
+        <p:nvSpPr>
+          <p:cNvPr id="6" name="Title 1"/>
+          <p:cNvSpPr>
+            <a:spLocks noGrp="1"/>
+          </p:cNvSpPr>
+          <p:nvPr>
+            <p:ph type="ctrTitle" hasCustomPrompt="1"/>
+          </p:nvPr>
+        </p:nvSpPr>
+        <p:spPr bwMode="white">
+          <a:xfrm>
+            <a:off x="1680252" y="2304144"/>
+            <a:ext cx="12310386" cy="852712"/>
+          </a:xfrm>
+        </p:spPr>
+        <p:txBody>
+          <a:bodyPr lIns="91440" tIns="91440" rIns="91440" bIns="91440" anchor="ctr"/>
+          <a:lstStyle>
+            <a:lvl1pPr>
+              <a:lnSpc>
+                <a:spcPct val="90000"/>
+              </a:lnSpc>
+              <a:defRPr sz="6400" b="1" spc="0" baseline="0">
+                <a:solidFill>
+                  <a:schemeClr val="accent1"/>
+                </a:solidFill>
+              </a:defRPr>
+            </a:lvl1pPr>
+          </a:lstStyle>
+          <a:p>
+            <a:r>
+              <a:rPr lang="en-US" dirty="0" smtClean="0"/>
+              <a:t>Motivation</a:t>
+            </a:r>
+            <a:endParaRPr lang="en-US" dirty="0"/>
+          </a:p>
+        </p:txBody>
+      </p:sp>
+      <p:sp>
+        <p:nvSpPr>
+          <p:cNvPr id="14" name="Subtitle 2"/>
+          <p:cNvSpPr>
+            <a:spLocks noGrp="1"/>
+          </p:cNvSpPr>
+          <p:nvPr>
+            <p:ph type="subTitle" idx="1"/>
+          </p:nvPr>
+        </p:nvSpPr>
+        <p:spPr bwMode="white">
+          <a:xfrm>
+            <a:off x="1672167" y="3283868"/>
+            <a:ext cx="12315718" cy="4770049"/>
+          </a:xfrm>
+          <a:prstGeom prst="rect">
+            <a:avLst/>
+          </a:prstGeom>
+        </p:spPr>
+        <p:txBody>
+          <a:bodyPr lIns="91440" tIns="91440" rIns="91440" bIns="91440">
+            <a:noAutofit/>
+          </a:bodyPr>
+          <a:lstStyle>
+            <a:lvl1pPr marL="0" indent="0" algn="l">
+              <a:lnSpc>
+                <a:spcPct val="100000"/>
+              </a:lnSpc>
+              <a:spcBef>
+                <a:spcPts val="0"/>
+              </a:spcBef>
+              <a:buNone/>
+              <a:defRPr sz="2800" baseline="0">
+                <a:solidFill>
+                  <a:schemeClr val="accent3">
+                    <a:lumMod val="50000"/>
+                  </a:schemeClr>
+                </a:solidFill>
+              </a:defRPr>
+            </a:lvl1pPr>
+            <a:lvl2pPr marL="609561" indent="0" algn="ctr">
+              <a:buNone/>
+              <a:defRPr>
+                <a:solidFill>
+                  <a:schemeClr val="tx1">
+                    <a:tint val="75000"/>
+                  </a:schemeClr>
+                </a:solidFill>
+              </a:defRPr>
+            </a:lvl2pPr>
+            <a:lvl3pPr marL="1219120" indent="0" algn="ctr">
+              <a:buNone/>
+              <a:defRPr>
+                <a:solidFill>
+                  <a:schemeClr val="tx1">
+                    <a:tint val="75000"/>
+                  </a:schemeClr>
+                </a:solidFill>
+              </a:defRPr>
+            </a:lvl3pPr>
+            <a:lvl4pPr marL="1828681" indent="0" algn="ctr">
+              <a:buNone/>
+              <a:defRPr>
+                <a:solidFill>
+                  <a:schemeClr val="tx1">
+                    <a:tint val="75000"/>
+                  </a:schemeClr>
+                </a:solidFill>
+              </a:defRPr>
+            </a:lvl4pPr>
+            <a:lvl5pPr marL="2438242" indent="0" algn="ctr">
+              <a:buNone/>
+              <a:defRPr>
+                <a:solidFill>
+                  <a:schemeClr val="tx1">
+                    <a:tint val="75000"/>
+                  </a:schemeClr>
+                </a:solidFill>
+              </a:defRPr>
+            </a:lvl5pPr>
+            <a:lvl6pPr marL="3047802" indent="0" algn="ctr">
+              <a:buNone/>
+              <a:defRPr>
+                <a:solidFill>
+                  <a:schemeClr val="tx1">
+                    <a:tint val="75000"/>
+                  </a:schemeClr>
+                </a:solidFill>
+              </a:defRPr>
+            </a:lvl6pPr>
+            <a:lvl7pPr marL="3657362" indent="0" algn="ctr">
+              <a:buNone/>
+              <a:defRPr>
+                <a:solidFill>
+                  <a:schemeClr val="tx1">
+                    <a:tint val="75000"/>
+                  </a:schemeClr>
+                </a:solidFill>
+              </a:defRPr>
+            </a:lvl7pPr>
+            <a:lvl8pPr marL="4266923" indent="0" algn="ctr">
+              <a:buNone/>
+              <a:defRPr>
+                <a:solidFill>
+                  <a:schemeClr val="tx1">
+                    <a:tint val="75000"/>
+                  </a:schemeClr>
+                </a:solidFill>
+              </a:defRPr>
+            </a:lvl8pPr>
+            <a:lvl9pPr marL="4876483" indent="0" algn="ctr">
+              <a:buNone/>
+              <a:defRPr>
+                <a:solidFill>
+                  <a:schemeClr val="tx1">
+                    <a:tint val="75000"/>
+                  </a:schemeClr>
+                </a:solidFill>
+              </a:defRPr>
+            </a:lvl9pPr>
+          </a:lstStyle>
+          <a:p>
+            <a:r>
+              <a:rPr lang="en-US" dirty="0" smtClean="0"/>
+              <a:t>Click to edit Master subtitle style</a:t>
+            </a:r>
+          </a:p>
+        </p:txBody>
+      </p:sp>
+    </p:spTree>
+    <p:extLst>
+      <p:ext uri="{BB962C8B-B14F-4D97-AF65-F5344CB8AC3E}">
+        <p14:creationId xmlns:p14="http://schemas.microsoft.com/office/powerpoint/2010/main" val="2947928335"/>
+      </p:ext>
+    </p:extLst>
+  </p:cSld>
+  <p:clrMapOvr>
+    <a:masterClrMapping/>
+  </p:clrMapOvr>
+  <p:transition spd="med">
+    <p:fade/>
+  </p:transition>
+</p:sldLayout>
+</file>
+
+<file path=ppt/slideLayouts/slideLayout14.xml><?xml version="1.0" encoding="utf-8"?>
+<p:sldLayout xmlns:a="http://schemas.openxmlformats.org/drawingml/2006/main" xmlns:r="http://schemas.openxmlformats.org/officeDocument/2006/relationships" xmlns:p="http://schemas.openxmlformats.org/presentationml/2006/main" preserve="1" userDrawn="1">
+  <p:cSld name="Problem">
+    <p:spTree>
+      <p:nvGrpSpPr>
+        <p:cNvPr id="1" name=""/>
+        <p:cNvGrpSpPr/>
+        <p:nvPr/>
+      </p:nvGrpSpPr>
+      <p:grpSpPr>
+        <a:xfrm>
+          <a:off x="0" y="0"/>
+          <a:ext cx="0" cy="0"/>
+          <a:chOff x="0" y="0"/>
+          <a:chExt cx="0" cy="0"/>
+        </a:xfrm>
+      </p:grpSpPr>
+      <p:sp>
+        <p:nvSpPr>
+          <p:cNvPr id="5" name="TextBox 4"/>
+          <p:cNvSpPr txBox="1"/>
+          <p:nvPr/>
+        </p:nvSpPr>
+        <p:spPr bwMode="white">
+          <a:xfrm>
+            <a:off x="136960" y="149489"/>
+            <a:ext cx="11781799" cy="2378219"/>
+          </a:xfrm>
+          <a:prstGeom prst="rect">
+            <a:avLst/>
+          </a:prstGeom>
+          <a:noFill/>
+          <a:ln>
+            <a:noFill/>
+          </a:ln>
+          <a:effectLst/>
+        </p:spPr>
+        <p:txBody>
+          <a:bodyPr lIns="121920" tIns="121920" rIns="121920" bIns="121920" anchor="ctr"/>
+          <a:lstStyle/>
+          <a:p>
+            <a:pPr defTabSz="1219120" fontAlgn="auto">
+              <a:spcBef>
+                <a:spcPts val="0"/>
+              </a:spcBef>
+              <a:spcAft>
+                <a:spcPts val="0"/>
+              </a:spcAft>
+              <a:defRPr/>
+            </a:pPr>
+            <a:r>
+              <a:rPr lang="en-US" sz="16933" dirty="0">
+                <a:ln w="18415" cmpd="sng">
+                  <a:solidFill>
+                    <a:srgbClr val="FFFFFF"/>
+                  </a:solidFill>
+                  <a:prstDash val="solid"/>
+                </a:ln>
+                <a:solidFill>
+                  <a:schemeClr val="bg2">
+                    <a:lumMod val="95000"/>
+                    <a:alpha val="50000"/>
+                  </a:schemeClr>
+                </a:solidFill>
+                <a:latin typeface="+mn-lt"/>
+                <a:ea typeface="+mn-ea"/>
+                <a:cs typeface="+mn-cs"/>
+              </a:rPr>
+              <a:t>PROBLEM</a:t>
+            </a:r>
+          </a:p>
+        </p:txBody>
+      </p:sp>
+      <p:pic>
+        <p:nvPicPr>
+          <p:cNvPr id="2" name="Picture 1" descr="splat.gif"/>
+          <p:cNvPicPr>
+            <a:picLocks noChangeAspect="1"/>
+          </p:cNvPicPr>
+          <p:nvPr userDrawn="1"/>
+        </p:nvPicPr>
+        <p:blipFill>
+          <a:blip r:embed="rId2">
+            <a:extLst>
+              <a:ext uri="{28A0092B-C50C-407E-A947-70E740481C1C}">
+                <a14:useLocalDpi xmlns:a14="http://schemas.microsoft.com/office/drawing/2010/main" val="0"/>
+              </a:ext>
+            </a:extLst>
+          </a:blip>
+          <a:stretch>
+            <a:fillRect/>
+          </a:stretch>
+        </p:blipFill>
+        <p:spPr>
+          <a:xfrm>
+            <a:off x="13153654" y="94879"/>
+            <a:ext cx="2648691" cy="2648691"/>
+          </a:xfrm>
+          <a:prstGeom prst="rect">
+            <a:avLst/>
+          </a:prstGeom>
+        </p:spPr>
+      </p:pic>
+      <p:sp>
+        <p:nvSpPr>
+          <p:cNvPr id="6" name="Title 1"/>
+          <p:cNvSpPr>
+            <a:spLocks noGrp="1"/>
+          </p:cNvSpPr>
+          <p:nvPr>
+            <p:ph type="ctrTitle" hasCustomPrompt="1"/>
+          </p:nvPr>
+        </p:nvSpPr>
+        <p:spPr bwMode="white">
+          <a:xfrm>
+            <a:off x="1671638" y="2294619"/>
+            <a:ext cx="12319000" cy="852712"/>
+          </a:xfrm>
+        </p:spPr>
+        <p:txBody>
+          <a:bodyPr lIns="91440" tIns="91440" rIns="91440" bIns="91440" anchor="ctr"/>
+          <a:lstStyle>
+            <a:lvl1pPr>
+              <a:lnSpc>
+                <a:spcPct val="90000"/>
+              </a:lnSpc>
+              <a:defRPr sz="6400" b="1" spc="0" baseline="0">
+                <a:solidFill>
+                  <a:schemeClr val="accent1"/>
+                </a:solidFill>
+              </a:defRPr>
+            </a:lvl1pPr>
+          </a:lstStyle>
+          <a:p>
+            <a:r>
+              <a:rPr lang="en-US" dirty="0" smtClean="0"/>
+              <a:t>Problem</a:t>
+            </a:r>
+            <a:endParaRPr lang="en-US" dirty="0"/>
+          </a:p>
+        </p:txBody>
+      </p:sp>
+      <p:sp>
+        <p:nvSpPr>
+          <p:cNvPr id="10" name="Subtitle 2"/>
+          <p:cNvSpPr>
+            <a:spLocks noGrp="1"/>
+          </p:cNvSpPr>
+          <p:nvPr>
+            <p:ph type="subTitle" idx="1"/>
+          </p:nvPr>
+        </p:nvSpPr>
+        <p:spPr bwMode="white">
+          <a:xfrm>
+            <a:off x="1671638" y="3271838"/>
+            <a:ext cx="12319000" cy="3346421"/>
+          </a:xfrm>
+          <a:prstGeom prst="rect">
+            <a:avLst/>
+          </a:prstGeom>
+        </p:spPr>
+        <p:txBody>
+          <a:bodyPr lIns="91440" tIns="91440" rIns="91440" bIns="91440">
+            <a:noAutofit/>
+          </a:bodyPr>
+          <a:lstStyle>
+            <a:lvl1pPr marL="0" indent="0" algn="l">
+              <a:lnSpc>
+                <a:spcPct val="100000"/>
+              </a:lnSpc>
+              <a:spcBef>
+                <a:spcPts val="0"/>
+              </a:spcBef>
+              <a:buNone/>
+              <a:defRPr sz="2800" baseline="0">
+                <a:solidFill>
+                  <a:schemeClr val="accent3">
+                    <a:lumMod val="50000"/>
+                  </a:schemeClr>
+                </a:solidFill>
+              </a:defRPr>
+            </a:lvl1pPr>
+            <a:lvl2pPr marL="609561" indent="0" algn="ctr">
+              <a:buNone/>
+              <a:defRPr>
+                <a:solidFill>
+                  <a:schemeClr val="tx1">
+                    <a:tint val="75000"/>
+                  </a:schemeClr>
+                </a:solidFill>
+              </a:defRPr>
+            </a:lvl2pPr>
+            <a:lvl3pPr marL="1219120" indent="0" algn="ctr">
+              <a:buNone/>
+              <a:defRPr>
+                <a:solidFill>
+                  <a:schemeClr val="tx1">
+                    <a:tint val="75000"/>
+                  </a:schemeClr>
+                </a:solidFill>
+              </a:defRPr>
+            </a:lvl3pPr>
+            <a:lvl4pPr marL="1828681" indent="0" algn="ctr">
+              <a:buNone/>
+              <a:defRPr>
+                <a:solidFill>
+                  <a:schemeClr val="tx1">
+                    <a:tint val="75000"/>
+                  </a:schemeClr>
+                </a:solidFill>
+              </a:defRPr>
+            </a:lvl4pPr>
+            <a:lvl5pPr marL="2438242" indent="0" algn="ctr">
+              <a:buNone/>
+              <a:defRPr>
+                <a:solidFill>
+                  <a:schemeClr val="tx1">
+                    <a:tint val="75000"/>
+                  </a:schemeClr>
+                </a:solidFill>
+              </a:defRPr>
+            </a:lvl5pPr>
+            <a:lvl6pPr marL="3047802" indent="0" algn="ctr">
+              <a:buNone/>
+              <a:defRPr>
+                <a:solidFill>
+                  <a:schemeClr val="tx1">
+                    <a:tint val="75000"/>
+                  </a:schemeClr>
+                </a:solidFill>
+              </a:defRPr>
+            </a:lvl6pPr>
+            <a:lvl7pPr marL="3657362" indent="0" algn="ctr">
+              <a:buNone/>
+              <a:defRPr>
+                <a:solidFill>
+                  <a:schemeClr val="tx1">
+                    <a:tint val="75000"/>
+                  </a:schemeClr>
+                </a:solidFill>
+              </a:defRPr>
+            </a:lvl7pPr>
+            <a:lvl8pPr marL="4266923" indent="0" algn="ctr">
+              <a:buNone/>
+              <a:defRPr>
+                <a:solidFill>
+                  <a:schemeClr val="tx1">
+                    <a:tint val="75000"/>
+                  </a:schemeClr>
+                </a:solidFill>
+              </a:defRPr>
+            </a:lvl8pPr>
+            <a:lvl9pPr marL="4876483" indent="0" algn="ctr">
+              <a:buNone/>
+              <a:defRPr>
+                <a:solidFill>
+                  <a:schemeClr val="tx1">
+                    <a:tint val="75000"/>
+                  </a:schemeClr>
+                </a:solidFill>
+              </a:defRPr>
+            </a:lvl9pPr>
+          </a:lstStyle>
+          <a:p>
+            <a:r>
+              <a:rPr lang="en-US" dirty="0" smtClean="0"/>
+              <a:t>Click to edit Master subtitle style</a:t>
+            </a:r>
+          </a:p>
+        </p:txBody>
+      </p:sp>
+    </p:spTree>
+    <p:extLst>
+      <p:ext uri="{BB962C8B-B14F-4D97-AF65-F5344CB8AC3E}">
+        <p14:creationId xmlns:p14="http://schemas.microsoft.com/office/powerpoint/2010/main" val="247207333"/>
+      </p:ext>
+    </p:extLst>
+  </p:cSld>
+  <p:clrMapOvr>
+    <a:masterClrMapping/>
+  </p:clrMapOvr>
+  <p:transition spd="med">
+    <p:fade/>
+  </p:transition>
+</p:sldLayout>
+</file>
+
+<file path=ppt/slideLayouts/slideLayout15.xml><?xml version="1.0" encoding="utf-8"?>
+<p:sldLayout xmlns:a="http://schemas.openxmlformats.org/drawingml/2006/main" xmlns:r="http://schemas.openxmlformats.org/officeDocument/2006/relationships" xmlns:p="http://schemas.openxmlformats.org/presentationml/2006/main" preserve="1" userDrawn="1">
+  <p:cSld name="Docs">
+    <p:spTree>
+      <p:nvGrpSpPr>
+        <p:cNvPr id="1" name=""/>
+        <p:cNvGrpSpPr/>
+        <p:nvPr/>
+      </p:nvGrpSpPr>
+      <p:grpSpPr>
+        <a:xfrm>
+          <a:off x="0" y="0"/>
+          <a:ext cx="0" cy="0"/>
+          <a:chOff x="0" y="0"/>
+          <a:chExt cx="0" cy="0"/>
+        </a:xfrm>
+      </p:grpSpPr>
+      <p:sp>
+        <p:nvSpPr>
+          <p:cNvPr id="7" name="TextBox 6"/>
+          <p:cNvSpPr txBox="1"/>
+          <p:nvPr/>
+        </p:nvSpPr>
+        <p:spPr bwMode="white">
+          <a:xfrm>
+            <a:off x="136960" y="160072"/>
+            <a:ext cx="13917707" cy="2378219"/>
+          </a:xfrm>
+          <a:prstGeom prst="rect">
+            <a:avLst/>
+          </a:prstGeom>
+          <a:noFill/>
+          <a:ln>
+            <a:noFill/>
+          </a:ln>
+          <a:effectLst/>
+        </p:spPr>
+        <p:txBody>
+          <a:bodyPr lIns="121920" tIns="121920" rIns="121920" bIns="121920" anchor="ctr"/>
+          <a:lstStyle/>
+          <a:p>
+            <a:pPr defTabSz="1219120" fontAlgn="auto">
+              <a:spcBef>
+                <a:spcPts val="0"/>
+              </a:spcBef>
+              <a:spcAft>
+                <a:spcPts val="0"/>
+              </a:spcAft>
+              <a:defRPr/>
+            </a:pPr>
+            <a:r>
+              <a:rPr lang="en-US" sz="16933" dirty="0" smtClean="0">
+                <a:ln w="18415" cmpd="sng">
+                  <a:solidFill>
+                    <a:srgbClr val="FFFFFF"/>
+                  </a:solidFill>
+                  <a:prstDash val="solid"/>
+                </a:ln>
+                <a:solidFill>
+                  <a:schemeClr val="bg2">
+                    <a:lumMod val="95000"/>
+                    <a:alpha val="50000"/>
+                  </a:schemeClr>
+                </a:solidFill>
+                <a:latin typeface="+mn-lt"/>
+                <a:ea typeface="+mn-ea"/>
+                <a:cs typeface="+mn-cs"/>
+              </a:rPr>
+              <a:t>REFERENCE</a:t>
+            </a:r>
+            <a:endParaRPr lang="en-US" sz="16933" dirty="0">
+              <a:ln w="18415" cmpd="sng">
+                <a:solidFill>
+                  <a:srgbClr val="FFFFFF"/>
+                </a:solidFill>
+                <a:prstDash val="solid"/>
+              </a:ln>
+              <a:solidFill>
+                <a:schemeClr val="bg2">
+                  <a:lumMod val="95000"/>
+                  <a:alpha val="50000"/>
+                </a:schemeClr>
+              </a:solidFill>
+              <a:latin typeface="+mn-lt"/>
+              <a:ea typeface="+mn-ea"/>
+              <a:cs typeface="+mn-cs"/>
+            </a:endParaRPr>
+          </a:p>
+        </p:txBody>
+      </p:sp>
+      <p:pic>
+        <p:nvPicPr>
+          <p:cNvPr id="2" name="Picture 1" descr="reference.gif"/>
+          <p:cNvPicPr>
+            <a:picLocks noChangeAspect="1"/>
+          </p:cNvPicPr>
+          <p:nvPr userDrawn="1"/>
+        </p:nvPicPr>
+        <p:blipFill>
+          <a:blip r:embed="rId2">
+            <a:extLst>
+              <a:ext uri="{28A0092B-C50C-407E-A947-70E740481C1C}">
+                <a14:useLocalDpi xmlns:a14="http://schemas.microsoft.com/office/drawing/2010/main" val="0"/>
+              </a:ext>
+            </a:extLst>
+          </a:blip>
+          <a:stretch>
+            <a:fillRect/>
+          </a:stretch>
+        </p:blipFill>
+        <p:spPr>
+          <a:xfrm>
+            <a:off x="13383499" y="324724"/>
+            <a:ext cx="2189001" cy="2189001"/>
+          </a:xfrm>
+          <a:prstGeom prst="rect">
+            <a:avLst/>
+          </a:prstGeom>
+        </p:spPr>
+      </p:pic>
+      <p:sp>
+        <p:nvSpPr>
+          <p:cNvPr id="6" name="Title 1"/>
+          <p:cNvSpPr>
+            <a:spLocks noGrp="1"/>
+          </p:cNvSpPr>
+          <p:nvPr>
+            <p:ph type="ctrTitle" hasCustomPrompt="1"/>
+          </p:nvPr>
+        </p:nvSpPr>
+        <p:spPr bwMode="white">
+          <a:xfrm>
+            <a:off x="1671638" y="2294619"/>
+            <a:ext cx="12319000" cy="852712"/>
+          </a:xfrm>
+        </p:spPr>
+        <p:txBody>
+          <a:bodyPr lIns="91440" tIns="91440" rIns="91440" bIns="91440" anchor="ctr"/>
+          <a:lstStyle>
+            <a:lvl1pPr>
+              <a:lnSpc>
+                <a:spcPct val="90000"/>
+              </a:lnSpc>
+              <a:defRPr sz="6400" b="1" spc="0" baseline="0">
+                <a:solidFill>
+                  <a:schemeClr val="accent1"/>
+                </a:solidFill>
+              </a:defRPr>
+            </a:lvl1pPr>
+          </a:lstStyle>
+          <a:p>
+            <a:r>
+              <a:rPr lang="en-US" dirty="0" smtClean="0"/>
+              <a:t>Documentation</a:t>
+            </a:r>
+            <a:endParaRPr lang="en-US" dirty="0"/>
+          </a:p>
+        </p:txBody>
+      </p:sp>
+      <p:sp>
+        <p:nvSpPr>
+          <p:cNvPr id="12" name="Subtitle 2"/>
+          <p:cNvSpPr>
+            <a:spLocks noGrp="1"/>
+          </p:cNvSpPr>
+          <p:nvPr>
+            <p:ph type="subTitle" idx="1"/>
+          </p:nvPr>
+        </p:nvSpPr>
+        <p:spPr bwMode="white">
+          <a:xfrm>
+            <a:off x="1671638" y="3271838"/>
+            <a:ext cx="12319000" cy="3346421"/>
+          </a:xfrm>
+          <a:prstGeom prst="rect">
+            <a:avLst/>
+          </a:prstGeom>
+        </p:spPr>
+        <p:txBody>
+          <a:bodyPr lIns="91440" tIns="91440" rIns="91440" bIns="91440">
+            <a:noAutofit/>
+          </a:bodyPr>
+          <a:lstStyle>
+            <a:lvl1pPr marL="0" indent="0" algn="l">
+              <a:lnSpc>
+                <a:spcPct val="100000"/>
+              </a:lnSpc>
+              <a:spcBef>
+                <a:spcPts val="0"/>
+              </a:spcBef>
+              <a:buNone/>
+              <a:defRPr sz="2800" baseline="0">
+                <a:solidFill>
+                  <a:schemeClr val="accent3">
+                    <a:lumMod val="50000"/>
+                  </a:schemeClr>
+                </a:solidFill>
+              </a:defRPr>
+            </a:lvl1pPr>
+            <a:lvl2pPr marL="609561" indent="0" algn="ctr">
+              <a:buNone/>
+              <a:defRPr>
+                <a:solidFill>
+                  <a:schemeClr val="tx1">
+                    <a:tint val="75000"/>
+                  </a:schemeClr>
+                </a:solidFill>
+              </a:defRPr>
+            </a:lvl2pPr>
+            <a:lvl3pPr marL="1219120" indent="0" algn="ctr">
+              <a:buNone/>
+              <a:defRPr>
+                <a:solidFill>
+                  <a:schemeClr val="tx1">
+                    <a:tint val="75000"/>
+                  </a:schemeClr>
+                </a:solidFill>
+              </a:defRPr>
+            </a:lvl3pPr>
+            <a:lvl4pPr marL="1828681" indent="0" algn="ctr">
+              <a:buNone/>
+              <a:defRPr>
+                <a:solidFill>
+                  <a:schemeClr val="tx1">
+                    <a:tint val="75000"/>
+                  </a:schemeClr>
+                </a:solidFill>
+              </a:defRPr>
+            </a:lvl4pPr>
+            <a:lvl5pPr marL="2438242" indent="0" algn="ctr">
+              <a:buNone/>
+              <a:defRPr>
+                <a:solidFill>
+                  <a:schemeClr val="tx1">
+                    <a:tint val="75000"/>
+                  </a:schemeClr>
+                </a:solidFill>
+              </a:defRPr>
+            </a:lvl5pPr>
+            <a:lvl6pPr marL="3047802" indent="0" algn="ctr">
+              <a:buNone/>
+              <a:defRPr>
+                <a:solidFill>
+                  <a:schemeClr val="tx1">
+                    <a:tint val="75000"/>
+                  </a:schemeClr>
+                </a:solidFill>
+              </a:defRPr>
+            </a:lvl6pPr>
+            <a:lvl7pPr marL="3657362" indent="0" algn="ctr">
+              <a:buNone/>
+              <a:defRPr>
+                <a:solidFill>
+                  <a:schemeClr val="tx1">
+                    <a:tint val="75000"/>
+                  </a:schemeClr>
+                </a:solidFill>
+              </a:defRPr>
+            </a:lvl7pPr>
+            <a:lvl8pPr marL="4266923" indent="0" algn="ctr">
+              <a:buNone/>
+              <a:defRPr>
+                <a:solidFill>
+                  <a:schemeClr val="tx1">
+                    <a:tint val="75000"/>
+                  </a:schemeClr>
+                </a:solidFill>
+              </a:defRPr>
+            </a:lvl8pPr>
+            <a:lvl9pPr marL="4876483" indent="0" algn="ctr">
+              <a:buNone/>
+              <a:defRPr>
+                <a:solidFill>
+                  <a:schemeClr val="tx1">
+                    <a:tint val="75000"/>
+                  </a:schemeClr>
+                </a:solidFill>
+              </a:defRPr>
+            </a:lvl9pPr>
+          </a:lstStyle>
+          <a:p>
+            <a:r>
+              <a:rPr lang="en-US" dirty="0" smtClean="0"/>
+              <a:t>Click to edit Master subtitle style</a:t>
+            </a:r>
+          </a:p>
+        </p:txBody>
+      </p:sp>
+      <p:sp>
+        <p:nvSpPr>
+          <p:cNvPr id="10" name="Content Placeholder 3"/>
+          <p:cNvSpPr>
+            <a:spLocks noGrp="1"/>
+          </p:cNvSpPr>
+          <p:nvPr>
+            <p:ph sz="quarter" idx="13" hasCustomPrompt="1"/>
+          </p:nvPr>
+        </p:nvSpPr>
+        <p:spPr>
+          <a:xfrm>
+            <a:off x="3921498" y="7164200"/>
+            <a:ext cx="8917577" cy="524133"/>
+          </a:xfrm>
+          <a:prstGeom prst="rect">
+            <a:avLst/>
+          </a:prstGeom>
+        </p:spPr>
+        <p:txBody>
+          <a:bodyPr anchor="ctr"/>
+          <a:lstStyle>
+            <a:lvl1pPr marL="0" indent="0" algn="ctr">
+              <a:buNone/>
+              <a:defRPr sz="2400">
+                <a:solidFill>
+                  <a:schemeClr val="tx1"/>
+                </a:solidFill>
+              </a:defRPr>
+            </a:lvl1pPr>
+          </a:lstStyle>
+          <a:p>
+            <a:pPr lvl="0"/>
+            <a:r>
+              <a:rPr lang="en-US" dirty="0" smtClean="0"/>
+              <a:t>http://</a:t>
+            </a:r>
+            <a:r>
+              <a:rPr lang="en-US" dirty="0" err="1" smtClean="0"/>
+              <a:t>docs.chef.io</a:t>
+            </a:r>
+            <a:endParaRPr lang="en-US" dirty="0" smtClean="0"/>
+          </a:p>
+        </p:txBody>
+      </p:sp>
+    </p:spTree>
+    <p:extLst>
+      <p:ext uri="{BB962C8B-B14F-4D97-AF65-F5344CB8AC3E}">
+        <p14:creationId xmlns:p14="http://schemas.microsoft.com/office/powerpoint/2010/main" val="1970238568"/>
+      </p:ext>
+    </p:extLst>
+  </p:cSld>
+  <p:clrMapOvr>
+    <a:masterClrMapping/>
+  </p:clrMapOvr>
+  <p:transition spd="med">
+    <p:fade/>
+  </p:transition>
+</p:sldLayout>
+</file>
+
+<file path=ppt/slideLayouts/slideLayout16.xml><?xml version="1.0" encoding="utf-8"?>
+<p:sldLayout xmlns:a="http://schemas.openxmlformats.org/drawingml/2006/main" xmlns:r="http://schemas.openxmlformats.org/officeDocument/2006/relationships" xmlns:p="http://schemas.openxmlformats.org/presentationml/2006/main" preserve="1" userDrawn="1">
+  <p:cSld name="Concept">
+    <p:spTree>
+      <p:nvGrpSpPr>
+        <p:cNvPr id="1" name=""/>
+        <p:cNvGrpSpPr/>
+        <p:nvPr/>
+      </p:nvGrpSpPr>
+      <p:grpSpPr>
+        <a:xfrm>
+          <a:off x="0" y="0"/>
+          <a:ext cx="0" cy="0"/>
+          <a:chOff x="0" y="0"/>
+          <a:chExt cx="0" cy="0"/>
+        </a:xfrm>
+      </p:grpSpPr>
+      <p:sp>
+        <p:nvSpPr>
+          <p:cNvPr id="5" name="TextBox 4"/>
+          <p:cNvSpPr txBox="1"/>
+          <p:nvPr/>
+        </p:nvSpPr>
+        <p:spPr bwMode="white">
+          <a:xfrm>
+            <a:off x="136961" y="144390"/>
+            <a:ext cx="11554287" cy="2378219"/>
+          </a:xfrm>
+          <a:prstGeom prst="rect">
+            <a:avLst/>
+          </a:prstGeom>
+          <a:noFill/>
+          <a:ln>
+            <a:noFill/>
+          </a:ln>
+          <a:effectLst/>
+        </p:spPr>
+        <p:txBody>
+          <a:bodyPr lIns="121920" tIns="121920" rIns="121920" bIns="121920" anchor="ctr"/>
+          <a:lstStyle/>
+          <a:p>
+            <a:pPr defTabSz="1219120" fontAlgn="auto">
+              <a:spcBef>
+                <a:spcPts val="0"/>
+              </a:spcBef>
+              <a:spcAft>
+                <a:spcPts val="0"/>
+              </a:spcAft>
+              <a:defRPr/>
+            </a:pPr>
+            <a:r>
+              <a:rPr lang="en-US" sz="16933" dirty="0">
+                <a:ln w="18415" cmpd="sng">
+                  <a:solidFill>
+                    <a:srgbClr val="FFFFFF"/>
+                  </a:solidFill>
+                  <a:prstDash val="solid"/>
+                </a:ln>
+                <a:solidFill>
+                  <a:schemeClr val="bg2">
+                    <a:lumMod val="95000"/>
+                    <a:alpha val="50000"/>
+                  </a:schemeClr>
+                </a:solidFill>
+                <a:latin typeface="+mn-lt"/>
+                <a:ea typeface="+mn-ea"/>
+                <a:cs typeface="+mn-cs"/>
+              </a:rPr>
+              <a:t>CONCEPT</a:t>
+            </a:r>
+          </a:p>
+        </p:txBody>
+      </p:sp>
+      <p:pic>
+        <p:nvPicPr>
+          <p:cNvPr id="2" name="Picture 1" descr="concept.gif"/>
+          <p:cNvPicPr>
+            <a:picLocks noChangeAspect="1"/>
+          </p:cNvPicPr>
+          <p:nvPr userDrawn="1"/>
+        </p:nvPicPr>
+        <p:blipFill>
+          <a:blip r:embed="rId2">
+            <a:extLst>
+              <a:ext uri="{28A0092B-C50C-407E-A947-70E740481C1C}">
+                <a14:useLocalDpi xmlns:a14="http://schemas.microsoft.com/office/drawing/2010/main" val="0"/>
+              </a:ext>
+            </a:extLst>
+          </a:blip>
+          <a:stretch>
+            <a:fillRect/>
+          </a:stretch>
+        </p:blipFill>
+        <p:spPr>
+          <a:xfrm>
+            <a:off x="13119426" y="324724"/>
+            <a:ext cx="2717146" cy="2189001"/>
+          </a:xfrm>
+          <a:prstGeom prst="rect">
+            <a:avLst/>
+          </a:prstGeom>
+        </p:spPr>
+      </p:pic>
+      <p:sp>
+        <p:nvSpPr>
+          <p:cNvPr id="6" name="Title 1"/>
+          <p:cNvSpPr>
+            <a:spLocks noGrp="1"/>
+          </p:cNvSpPr>
+          <p:nvPr>
+            <p:ph type="ctrTitle" hasCustomPrompt="1"/>
+          </p:nvPr>
+        </p:nvSpPr>
+        <p:spPr bwMode="white">
+          <a:xfrm>
+            <a:off x="1671638" y="2294619"/>
+            <a:ext cx="12319000" cy="852712"/>
+          </a:xfrm>
+        </p:spPr>
+        <p:txBody>
+          <a:bodyPr lIns="91440" tIns="91440" rIns="91440" bIns="91440" anchor="ctr"/>
+          <a:lstStyle>
+            <a:lvl1pPr>
+              <a:lnSpc>
+                <a:spcPct val="90000"/>
+              </a:lnSpc>
+              <a:defRPr sz="6400" b="1" spc="0" baseline="0">
+                <a:solidFill>
+                  <a:schemeClr val="accent1"/>
+                </a:solidFill>
+              </a:defRPr>
+            </a:lvl1pPr>
+          </a:lstStyle>
+          <a:p>
+            <a:r>
+              <a:rPr lang="en-US" dirty="0" smtClean="0"/>
+              <a:t>Concept</a:t>
+            </a:r>
+            <a:endParaRPr lang="en-US" dirty="0"/>
+          </a:p>
+        </p:txBody>
+      </p:sp>
+      <p:sp>
+        <p:nvSpPr>
+          <p:cNvPr id="10" name="Subtitle 2"/>
+          <p:cNvSpPr>
+            <a:spLocks noGrp="1"/>
+          </p:cNvSpPr>
+          <p:nvPr>
+            <p:ph type="subTitle" idx="1"/>
+          </p:nvPr>
+        </p:nvSpPr>
+        <p:spPr bwMode="white">
+          <a:xfrm>
+            <a:off x="1671638" y="3271838"/>
+            <a:ext cx="12319000" cy="3346421"/>
+          </a:xfrm>
+          <a:prstGeom prst="rect">
+            <a:avLst/>
+          </a:prstGeom>
+        </p:spPr>
+        <p:txBody>
+          <a:bodyPr lIns="91440" tIns="91440" rIns="91440" bIns="91440">
+            <a:noAutofit/>
+          </a:bodyPr>
+          <a:lstStyle>
+            <a:lvl1pPr marL="0" indent="0" algn="l">
+              <a:lnSpc>
+                <a:spcPct val="100000"/>
+              </a:lnSpc>
+              <a:spcBef>
+                <a:spcPts val="0"/>
+              </a:spcBef>
+              <a:buNone/>
+              <a:defRPr sz="2800" baseline="0">
+                <a:solidFill>
+                  <a:schemeClr val="accent3">
+                    <a:lumMod val="50000"/>
+                  </a:schemeClr>
+                </a:solidFill>
+              </a:defRPr>
+            </a:lvl1pPr>
+            <a:lvl2pPr marL="609561" indent="0" algn="ctr">
+              <a:buNone/>
+              <a:defRPr>
+                <a:solidFill>
+                  <a:schemeClr val="tx1">
+                    <a:tint val="75000"/>
+                  </a:schemeClr>
+                </a:solidFill>
+              </a:defRPr>
+            </a:lvl2pPr>
+            <a:lvl3pPr marL="1219120" indent="0" algn="ctr">
+              <a:buNone/>
+              <a:defRPr>
+                <a:solidFill>
+                  <a:schemeClr val="tx1">
+                    <a:tint val="75000"/>
+                  </a:schemeClr>
+                </a:solidFill>
+              </a:defRPr>
+            </a:lvl3pPr>
+            <a:lvl4pPr marL="1828681" indent="0" algn="ctr">
+              <a:buNone/>
+              <a:defRPr>
+                <a:solidFill>
+                  <a:schemeClr val="tx1">
+                    <a:tint val="75000"/>
+                  </a:schemeClr>
+                </a:solidFill>
+              </a:defRPr>
+            </a:lvl4pPr>
+            <a:lvl5pPr marL="2438242" indent="0" algn="ctr">
+              <a:buNone/>
+              <a:defRPr>
+                <a:solidFill>
+                  <a:schemeClr val="tx1">
+                    <a:tint val="75000"/>
+                  </a:schemeClr>
+                </a:solidFill>
+              </a:defRPr>
+            </a:lvl5pPr>
+            <a:lvl6pPr marL="3047802" indent="0" algn="ctr">
+              <a:buNone/>
+              <a:defRPr>
+                <a:solidFill>
+                  <a:schemeClr val="tx1">
+                    <a:tint val="75000"/>
+                  </a:schemeClr>
+                </a:solidFill>
+              </a:defRPr>
+            </a:lvl6pPr>
+            <a:lvl7pPr marL="3657362" indent="0" algn="ctr">
+              <a:buNone/>
+              <a:defRPr>
+                <a:solidFill>
+                  <a:schemeClr val="tx1">
+                    <a:tint val="75000"/>
+                  </a:schemeClr>
+                </a:solidFill>
+              </a:defRPr>
+            </a:lvl7pPr>
+            <a:lvl8pPr marL="4266923" indent="0" algn="ctr">
+              <a:buNone/>
+              <a:defRPr>
+                <a:solidFill>
+                  <a:schemeClr val="tx1">
+                    <a:tint val="75000"/>
+                  </a:schemeClr>
+                </a:solidFill>
+              </a:defRPr>
+            </a:lvl8pPr>
+            <a:lvl9pPr marL="4876483" indent="0" algn="ctr">
+              <a:buNone/>
+              <a:defRPr>
+                <a:solidFill>
+                  <a:schemeClr val="tx1">
+                    <a:tint val="75000"/>
+                  </a:schemeClr>
+                </a:solidFill>
+              </a:defRPr>
+            </a:lvl9pPr>
+          </a:lstStyle>
+          <a:p>
+            <a:r>
+              <a:rPr lang="en-US" dirty="0" smtClean="0"/>
+              <a:t>Click to edit Master subtitle style</a:t>
+            </a:r>
+          </a:p>
+        </p:txBody>
+      </p:sp>
+    </p:spTree>
+    <p:extLst>
+      <p:ext uri="{BB962C8B-B14F-4D97-AF65-F5344CB8AC3E}">
+        <p14:creationId xmlns:p14="http://schemas.microsoft.com/office/powerpoint/2010/main" val="1995748560"/>
+      </p:ext>
+    </p:extLst>
+  </p:cSld>
+  <p:clrMapOvr>
+    <a:masterClrMapping/>
+  </p:clrMapOvr>
+  <p:transition spd="med">
+    <p:fade/>
+  </p:transition>
+</p:sldLayout>
+</file>
+
+<file path=ppt/slideLayouts/slideLayout17.xml><?xml version="1.0" encoding="utf-8"?>
+<p:sldLayout xmlns:a="http://schemas.openxmlformats.org/drawingml/2006/main" xmlns:r="http://schemas.openxmlformats.org/officeDocument/2006/relationships" xmlns:p="http://schemas.openxmlformats.org/presentationml/2006/main" preserve="1" userDrawn="1">
+  <p:cSld name="Group Exercise">
+    <p:spTree>
+      <p:nvGrpSpPr>
+        <p:cNvPr id="1" name=""/>
+        <p:cNvGrpSpPr/>
+        <p:nvPr/>
+      </p:nvGrpSpPr>
+      <p:grpSpPr>
+        <a:xfrm>
+          <a:off x="0" y="0"/>
+          <a:ext cx="0" cy="0"/>
+          <a:chOff x="0" y="0"/>
+          <a:chExt cx="0" cy="0"/>
+        </a:xfrm>
+      </p:grpSpPr>
+      <p:sp>
+        <p:nvSpPr>
+          <p:cNvPr id="7" name="TextBox 6"/>
+          <p:cNvSpPr txBox="1"/>
+          <p:nvPr userDrawn="1"/>
+        </p:nvSpPr>
+        <p:spPr bwMode="white">
+          <a:xfrm>
+            <a:off x="136960" y="144390"/>
+            <a:ext cx="12628487" cy="2378219"/>
+          </a:xfrm>
+          <a:prstGeom prst="rect">
+            <a:avLst/>
+          </a:prstGeom>
+          <a:noFill/>
+          <a:ln>
+            <a:noFill/>
+          </a:ln>
+          <a:effectLst/>
+        </p:spPr>
+        <p:txBody>
+          <a:bodyPr lIns="121920" tIns="121920" rIns="121920" bIns="121920" anchor="ctr"/>
+          <a:lstStyle/>
+          <a:p>
+            <a:pPr defTabSz="1219120" fontAlgn="auto">
+              <a:spcBef>
+                <a:spcPts val="0"/>
+              </a:spcBef>
+              <a:spcAft>
+                <a:spcPts val="0"/>
+              </a:spcAft>
+              <a:defRPr/>
+            </a:pPr>
+            <a:r>
+              <a:rPr lang="en-US" sz="16933" dirty="0">
+                <a:ln w="18415" cmpd="sng">
+                  <a:solidFill>
+                    <a:srgbClr val="FFFFFF"/>
+                  </a:solidFill>
+                  <a:prstDash val="solid"/>
+                </a:ln>
+                <a:solidFill>
+                  <a:schemeClr val="bg2">
+                    <a:lumMod val="95000"/>
+                    <a:alpha val="50000"/>
+                  </a:schemeClr>
+                </a:solidFill>
+                <a:latin typeface="+mn-lt"/>
+                <a:ea typeface="+mn-ea"/>
+                <a:cs typeface="+mn-cs"/>
+              </a:rPr>
+              <a:t>EXERCISE</a:t>
+            </a:r>
+          </a:p>
+        </p:txBody>
+      </p:sp>
+      <p:pic>
+        <p:nvPicPr>
+          <p:cNvPr id="3" name="Picture 2" descr="chef.gif"/>
+          <p:cNvPicPr>
+            <a:picLocks noChangeAspect="1"/>
+          </p:cNvPicPr>
+          <p:nvPr userDrawn="1"/>
+        </p:nvPicPr>
+        <p:blipFill>
+          <a:blip r:embed="rId2">
+            <a:extLst>
+              <a:ext uri="{28A0092B-C50C-407E-A947-70E740481C1C}">
+                <a14:useLocalDpi xmlns:a14="http://schemas.microsoft.com/office/drawing/2010/main" val="0"/>
+              </a:ext>
+            </a:extLst>
+          </a:blip>
+          <a:stretch>
+            <a:fillRect/>
+          </a:stretch>
+        </p:blipFill>
+        <p:spPr>
+          <a:xfrm>
+            <a:off x="13399010" y="324724"/>
+            <a:ext cx="2157980" cy="2189001"/>
+          </a:xfrm>
+          <a:prstGeom prst="rect">
+            <a:avLst/>
+          </a:prstGeom>
+        </p:spPr>
+      </p:pic>
+      <p:sp>
+        <p:nvSpPr>
+          <p:cNvPr id="6" name="Title 1"/>
+          <p:cNvSpPr>
+            <a:spLocks noGrp="1"/>
+          </p:cNvSpPr>
+          <p:nvPr>
+            <p:ph type="ctrTitle" hasCustomPrompt="1"/>
+          </p:nvPr>
+        </p:nvSpPr>
+        <p:spPr bwMode="white">
+          <a:xfrm>
+            <a:off x="1671637" y="2292126"/>
+            <a:ext cx="12319001" cy="852712"/>
+          </a:xfrm>
+        </p:spPr>
+        <p:txBody>
+          <a:bodyPr lIns="91440" tIns="91440" rIns="91440" bIns="91440" anchor="ctr"/>
+          <a:lstStyle>
+            <a:lvl1pPr>
+              <a:lnSpc>
+                <a:spcPct val="90000"/>
+              </a:lnSpc>
+              <a:defRPr sz="6400" b="1" spc="0" baseline="0">
+                <a:solidFill>
+                  <a:schemeClr val="accent1"/>
+                </a:solidFill>
+              </a:defRPr>
+            </a:lvl1pPr>
+          </a:lstStyle>
+          <a:p>
+            <a:r>
+              <a:rPr lang="en-US" dirty="0" smtClean="0"/>
+              <a:t>Group Exercise</a:t>
+            </a:r>
+            <a:endParaRPr lang="en-US" dirty="0"/>
+          </a:p>
+        </p:txBody>
+      </p:sp>
+      <p:sp>
+        <p:nvSpPr>
+          <p:cNvPr id="13" name="Content Placeholder 12"/>
+          <p:cNvSpPr>
+            <a:spLocks noGrp="1"/>
+          </p:cNvSpPr>
+          <p:nvPr>
+            <p:ph sz="quarter" idx="11"/>
+          </p:nvPr>
+        </p:nvSpPr>
+        <p:spPr>
+          <a:xfrm>
+            <a:off x="1671638" y="3260725"/>
+            <a:ext cx="12319000" cy="1528233"/>
+          </a:xfrm>
+          <a:prstGeom prst="rect">
+            <a:avLst/>
+          </a:prstGeom>
+        </p:spPr>
+        <p:txBody>
+          <a:bodyPr anchor="ctr">
+            <a:normAutofit/>
+          </a:bodyPr>
+          <a:lstStyle>
+            <a:lvl1pPr marL="121917" indent="0">
+              <a:spcBef>
+                <a:spcPts val="800"/>
+              </a:spcBef>
+              <a:buNone/>
+              <a:defRPr sz="2800" i="1" baseline="0">
+                <a:solidFill>
+                  <a:schemeClr val="bg1">
+                    <a:lumMod val="50000"/>
+                  </a:schemeClr>
+                </a:solidFill>
+              </a:defRPr>
+            </a:lvl1pPr>
+          </a:lstStyle>
+          <a:p>
+            <a:pPr lvl="0"/>
+            <a:r>
+              <a:rPr lang="en-US" dirty="0" smtClean="0"/>
+              <a:t>Click to edit Master text styles</a:t>
+            </a:r>
+          </a:p>
+        </p:txBody>
+      </p:sp>
+      <p:sp>
+        <p:nvSpPr>
+          <p:cNvPr id="10" name="TextBox 11"/>
+          <p:cNvSpPr txBox="1">
+            <a:spLocks noChangeArrowheads="1"/>
+          </p:cNvSpPr>
+          <p:nvPr/>
+        </p:nvSpPr>
+        <p:spPr bwMode="white">
+          <a:xfrm>
+            <a:off x="1671638" y="4917547"/>
+            <a:ext cx="11777663" cy="785812"/>
+          </a:xfrm>
+          <a:prstGeom prst="rect">
+            <a:avLst/>
+          </a:prstGeom>
+          <a:noFill/>
+          <a:ln>
+            <a:noFill/>
+          </a:ln>
+          <a:extLst>
+            <a:ext uri="{909E8E84-426E-40dd-AFC4-6F175D3DCCD1}">
+              <a14:hiddenFill xmlns="" xmlns:a14="http://schemas.microsoft.com/office/drawing/2010/main">
+                <a:solidFill>
+                  <a:srgbClr val="FFFFFF"/>
+                </a:solidFill>
+              </a14:hiddenFill>
+            </a:ext>
+            <a:ext uri="{91240B29-F687-4f45-9708-019B960494DF}">
+              <a14:hiddenLine xmlns="" xmlns:a14="http://schemas.microsoft.com/office/drawing/2010/main" w="9525">
+                <a:solidFill>
+                  <a:srgbClr val="000000"/>
+                </a:solidFill>
+                <a:miter lim="800000"/>
+                <a:headEnd/>
+                <a:tailEnd/>
+              </a14:hiddenLine>
+            </a:ext>
+          </a:extLst>
+        </p:spPr>
+        <p:txBody>
+          <a:bodyPr lIns="121920" tIns="121920" rIns="121920" bIns="121920"/>
+          <a:lstStyle>
+            <a:lvl1pPr>
+              <a:defRPr sz="2400">
+                <a:solidFill>
+                  <a:schemeClr val="tx1"/>
+                </a:solidFill>
+                <a:latin typeface="Arial" charset="0"/>
+                <a:ea typeface="ＭＳ Ｐゴシック" charset="0"/>
+                <a:cs typeface="ＭＳ Ｐゴシック" charset="0"/>
+              </a:defRPr>
+            </a:lvl1pPr>
+            <a:lvl2pPr marL="742950" indent="-285750">
+              <a:defRPr sz="2400">
+                <a:solidFill>
+                  <a:schemeClr val="tx1"/>
+                </a:solidFill>
+                <a:latin typeface="Arial" charset="0"/>
+                <a:ea typeface="ＭＳ Ｐゴシック" charset="0"/>
+              </a:defRPr>
+            </a:lvl2pPr>
+            <a:lvl3pPr marL="1143000" indent="-228600">
+              <a:defRPr sz="2400">
+                <a:solidFill>
+                  <a:schemeClr val="tx1"/>
+                </a:solidFill>
+                <a:latin typeface="Arial" charset="0"/>
+                <a:ea typeface="ＭＳ Ｐゴシック" charset="0"/>
+              </a:defRPr>
+            </a:lvl3pPr>
+            <a:lvl4pPr marL="1600200" indent="-228600">
+              <a:defRPr sz="2400">
+                <a:solidFill>
+                  <a:schemeClr val="tx1"/>
+                </a:solidFill>
+                <a:latin typeface="Arial" charset="0"/>
+                <a:ea typeface="ＭＳ Ｐゴシック" charset="0"/>
+              </a:defRPr>
+            </a:lvl4pPr>
+            <a:lvl5pPr marL="2057400" indent="-228600">
+              <a:defRPr sz="2400">
+                <a:solidFill>
+                  <a:schemeClr val="tx1"/>
+                </a:solidFill>
+                <a:latin typeface="Arial" charset="0"/>
+                <a:ea typeface="ＭＳ Ｐゴシック" charset="0"/>
+              </a:defRPr>
+            </a:lvl5pPr>
+            <a:lvl6pPr marL="2514600" indent="-228600" defTabSz="1217613" fontAlgn="base">
+              <a:spcBef>
+                <a:spcPct val="0"/>
+              </a:spcBef>
+              <a:spcAft>
+                <a:spcPct val="0"/>
+              </a:spcAft>
+              <a:defRPr sz="2400">
+                <a:solidFill>
+                  <a:schemeClr val="tx1"/>
+                </a:solidFill>
+                <a:latin typeface="Arial" charset="0"/>
+                <a:ea typeface="ＭＳ Ｐゴシック" charset="0"/>
+              </a:defRPr>
+            </a:lvl6pPr>
+            <a:lvl7pPr marL="2971800" indent="-228600" defTabSz="1217613" fontAlgn="base">
+              <a:spcBef>
+                <a:spcPct val="0"/>
+              </a:spcBef>
+              <a:spcAft>
+                <a:spcPct val="0"/>
+              </a:spcAft>
+              <a:defRPr sz="2400">
+                <a:solidFill>
+                  <a:schemeClr val="tx1"/>
+                </a:solidFill>
+                <a:latin typeface="Arial" charset="0"/>
+                <a:ea typeface="ＭＳ Ｐゴシック" charset="0"/>
+              </a:defRPr>
+            </a:lvl7pPr>
+            <a:lvl8pPr marL="3429000" indent="-228600" defTabSz="1217613" fontAlgn="base">
+              <a:spcBef>
+                <a:spcPct val="0"/>
+              </a:spcBef>
+              <a:spcAft>
+                <a:spcPct val="0"/>
+              </a:spcAft>
+              <a:defRPr sz="2400">
+                <a:solidFill>
+                  <a:schemeClr val="tx1"/>
+                </a:solidFill>
+                <a:latin typeface="Arial" charset="0"/>
+                <a:ea typeface="ＭＳ Ｐゴシック" charset="0"/>
+              </a:defRPr>
+            </a:lvl8pPr>
+            <a:lvl9pPr marL="3886200" indent="-228600" defTabSz="1217613" fontAlgn="base">
+              <a:spcBef>
+                <a:spcPct val="0"/>
+              </a:spcBef>
+              <a:spcAft>
+                <a:spcPct val="0"/>
+              </a:spcAft>
+              <a:defRPr sz="2400">
+                <a:solidFill>
+                  <a:schemeClr val="tx1"/>
+                </a:solidFill>
+                <a:latin typeface="Arial" charset="0"/>
+                <a:ea typeface="ＭＳ Ｐゴシック" charset="0"/>
+              </a:defRPr>
+            </a:lvl9pPr>
+          </a:lstStyle>
+          <a:p>
+            <a:r>
+              <a:rPr lang="en-US" sz="3200" b="1" dirty="0"/>
+              <a:t>Objective:</a:t>
+            </a:r>
+          </a:p>
+        </p:txBody>
+      </p:sp>
+      <p:sp>
+        <p:nvSpPr>
+          <p:cNvPr id="9" name="Text Placeholder 8"/>
+          <p:cNvSpPr>
+            <a:spLocks noGrp="1"/>
+          </p:cNvSpPr>
+          <p:nvPr>
+            <p:ph type="body" sz="quarter" idx="10"/>
+          </p:nvPr>
+        </p:nvSpPr>
+        <p:spPr>
+          <a:xfrm>
+            <a:off x="1671638" y="5650764"/>
+            <a:ext cx="12319000" cy="2445486"/>
+          </a:xfrm>
+          <a:prstGeom prst="rect">
+            <a:avLst/>
+          </a:prstGeom>
+        </p:spPr>
+        <p:txBody>
+          <a:bodyPr/>
+          <a:lstStyle>
+            <a:lvl1pPr marL="0" indent="0">
+              <a:buFont typeface="Wingdings" charset="2"/>
+              <a:buNone/>
+              <a:defRPr sz="2400" baseline="0"/>
+            </a:lvl1pPr>
+          </a:lstStyle>
+          <a:p>
+            <a:pPr lvl="0"/>
+            <a:r>
+              <a:rPr lang="en-US" dirty="0" smtClean="0"/>
+              <a:t>Click to edit Master text styles</a:t>
+            </a:r>
+          </a:p>
+          <a:p>
+            <a:pPr lvl="1"/>
+            <a:r>
+              <a:rPr lang="en-US" dirty="0" smtClean="0"/>
+              <a:t>Second level</a:t>
+            </a:r>
+          </a:p>
+          <a:p>
+            <a:pPr lvl="2"/>
+            <a:r>
+              <a:rPr lang="en-US" dirty="0" smtClean="0"/>
+              <a:t>Third level</a:t>
+            </a:r>
+          </a:p>
+          <a:p>
+            <a:pPr lvl="3"/>
+            <a:r>
+              <a:rPr lang="en-US" dirty="0" smtClean="0"/>
+              <a:t>Fourth level</a:t>
+            </a:r>
+          </a:p>
+        </p:txBody>
+      </p:sp>
+    </p:spTree>
+    <p:extLst>
+      <p:ext uri="{BB962C8B-B14F-4D97-AF65-F5344CB8AC3E}">
+        <p14:creationId xmlns:p14="http://schemas.microsoft.com/office/powerpoint/2010/main" val="1211677136"/>
+      </p:ext>
+    </p:extLst>
+  </p:cSld>
+  <p:clrMapOvr>
+    <a:masterClrMapping/>
+  </p:clrMapOvr>
+  <p:transition spd="med">
+    <p:fade/>
+  </p:transition>
+</p:sldLayout>
+</file>
+
+<file path=ppt/slideLayouts/slideLayout18.xml><?xml version="1.0" encoding="utf-8"?>
+<p:sldLayout xmlns:a="http://schemas.openxmlformats.org/drawingml/2006/main" xmlns:r="http://schemas.openxmlformats.org/officeDocument/2006/relationships" xmlns:p="http://schemas.openxmlformats.org/presentationml/2006/main" preserve="1" userDrawn="1">
   <p:cSld name="Lab">
     <p:spTree>
       <p:nvGrpSpPr>
@@ -6367,7 +7967,7 @@
     </p:spTree>
     <p:extLst>
       <p:ext uri="{BB962C8B-B14F-4D97-AF65-F5344CB8AC3E}">
-        <p14:creationId xmlns:p14="http://schemas.microsoft.com/office/powerpoint/2010/main" val="1106072416"/>
+        <p14:creationId xmlns:p14="http://schemas.microsoft.com/office/powerpoint/2010/main" val="952892369"/>
       </p:ext>
     </p:extLst>
   </p:cSld>
@@ -6380,9 +7980,9 @@
 </p:sldLayout>
 </file>
 
-<file path=ppt/slideLayouts/slideLayout14.xml><?xml version="1.0" encoding="utf-8"?>
+<file path=ppt/slideLayouts/slideLayout19.xml><?xml version="1.0" encoding="utf-8"?>
 <p:sldLayout xmlns:a="http://schemas.openxmlformats.org/drawingml/2006/main" xmlns:r="http://schemas.openxmlformats.org/officeDocument/2006/relationships" xmlns:p="http://schemas.openxmlformats.org/presentationml/2006/main" preserve="1" userDrawn="1">
-  <p:cSld name="Motivation">
+  <p:cSld name="Version Control">
     <p:spTree>
       <p:nvGrpSpPr>
         <p:cNvPr id="1" name=""/>
@@ -6405,8 +8005,8 @@
         </p:nvSpPr>
         <p:spPr bwMode="white">
           <a:xfrm>
-            <a:off x="136960" y="128323"/>
-            <a:ext cx="13979932" cy="2378219"/>
+            <a:off x="136961" y="144390"/>
+            <a:ext cx="12824551" cy="2378219"/>
           </a:xfrm>
           <a:prstGeom prst="rect">
             <a:avLst/>
@@ -6448,14 +8048,14 @@
                 <a:ea typeface="+mn-ea"/>
                 <a:cs typeface="+mn-cs"/>
               </a:rPr>
-              <a:t>MOTIVATION</a:t>
+              <a:t>COMMIT</a:t>
             </a:r>
           </a:p>
         </p:txBody>
       </p:sp>
       <p:pic>
         <p:nvPicPr>
-          <p:cNvPr id="2" name="Picture 1" descr="gift.gif"/>
+          <p:cNvPr id="2" name="Picture 1" descr="commit.gif"/>
           <p:cNvPicPr>
             <a:picLocks noChangeAspect="1"/>
           </p:cNvPicPr>
@@ -6475,8 +8075,8 @@
         </p:blipFill>
         <p:spPr>
           <a:xfrm>
-            <a:off x="13257264" y="215274"/>
-            <a:ext cx="2441471" cy="2407901"/>
+            <a:off x="13275968" y="-183233"/>
+            <a:ext cx="2404063" cy="3204916"/>
           </a:xfrm>
           <a:prstGeom prst="rect">
             <a:avLst/>
@@ -6495,8 +8095,8 @@
         </p:nvSpPr>
         <p:spPr bwMode="white">
           <a:xfrm>
-            <a:off x="1680252" y="2304144"/>
-            <a:ext cx="12310386" cy="852712"/>
+            <a:off x="1660524" y="2294619"/>
+            <a:ext cx="12330113" cy="852712"/>
           </a:xfrm>
         </p:spPr>
         <p:txBody>
@@ -6516,7 +8116,7 @@
           <a:p>
             <a:r>
               <a:rPr lang="en-US" dirty="0" smtClean="0"/>
-              <a:t>Motivation</a:t>
+              <a:t>Commit</a:t>
             </a:r>
             <a:endParaRPr lang="en-US" dirty="0"/>
           </a:p>
@@ -6524,18 +8124,18 @@
       </p:sp>
       <p:sp>
         <p:nvSpPr>
-          <p:cNvPr id="14" name="Subtitle 2"/>
-          <p:cNvSpPr>
-            <a:spLocks noGrp="1"/>
-          </p:cNvSpPr>
-          <p:nvPr>
-            <p:ph type="subTitle" idx="1"/>
+          <p:cNvPr id="10" name="Subtitle 2"/>
+          <p:cNvSpPr>
+            <a:spLocks noGrp="1"/>
+          </p:cNvSpPr>
+          <p:nvPr>
+            <p:ph type="subTitle" idx="1" hasCustomPrompt="1"/>
           </p:nvPr>
         </p:nvSpPr>
         <p:spPr bwMode="white">
           <a:xfrm>
-            <a:off x="1672167" y="3283868"/>
-            <a:ext cx="12315718" cy="4770049"/>
+            <a:off x="1660524" y="3273285"/>
+            <a:ext cx="12330113" cy="3346421"/>
           </a:xfrm>
           <a:prstGeom prst="rect">
             <a:avLst/>
@@ -6560,6 +8160,8 @@
                     <a:lumMod val="50000"/>
                   </a:schemeClr>
                 </a:solidFill>
+                <a:latin typeface="Courier New" panose="02070309020205020404" pitchFamily="49" charset="0"/>
+                <a:cs typeface="Courier New" panose="02070309020205020404" pitchFamily="49" charset="0"/>
               </a:defRPr>
             </a:lvl1pPr>
             <a:lvl2pPr marL="609561" indent="0" algn="ctr">
@@ -6646,7 +8248,30 @@
           <a:p>
             <a:r>
               <a:rPr lang="en-US" dirty="0" smtClean="0"/>
-              <a:t>Click to edit Master subtitle style</a:t>
+              <a:t>$ cd repo</a:t>
+            </a:r>
+          </a:p>
+          <a:p>
+            <a:r>
+              <a:rPr lang="en-US" dirty="0" smtClean="0"/>
+              <a:t>$ git </a:t>
+            </a:r>
+            <a:r>
+              <a:rPr lang="en-US" dirty="0" err="1" smtClean="0"/>
+              <a:t>init</a:t>
+            </a:r>
+            <a:endParaRPr lang="en-US" dirty="0" smtClean="0"/>
+          </a:p>
+          <a:p>
+            <a:r>
+              <a:rPr lang="en-US" dirty="0" smtClean="0"/>
+              <a:t>$ git add .</a:t>
+            </a:r>
+          </a:p>
+          <a:p>
+            <a:r>
+              <a:rPr lang="en-US" dirty="0" smtClean="0"/>
+              <a:t>$ git commit -m "Work Complete"</a:t>
             </a:r>
           </a:p>
         </p:txBody>
@@ -6654,1639 +8279,7 @@
     </p:spTree>
     <p:extLst>
       <p:ext uri="{BB962C8B-B14F-4D97-AF65-F5344CB8AC3E}">
-        <p14:creationId xmlns:p14="http://schemas.microsoft.com/office/powerpoint/2010/main" val="2947928335"/>
-      </p:ext>
-    </p:extLst>
-  </p:cSld>
-  <p:clrMapOvr>
-    <a:masterClrMapping/>
-  </p:clrMapOvr>
-  <p:transition spd="med">
-    <p:fade/>
-  </p:transition>
-</p:sldLayout>
-</file>
-
-<file path=ppt/slideLayouts/slideLayout15.xml><?xml version="1.0" encoding="utf-8"?>
-<p:sldLayout xmlns:a="http://schemas.openxmlformats.org/drawingml/2006/main" xmlns:r="http://schemas.openxmlformats.org/officeDocument/2006/relationships" xmlns:p="http://schemas.openxmlformats.org/presentationml/2006/main" preserve="1" userDrawn="1">
-  <p:cSld name="Problem">
-    <p:spTree>
-      <p:nvGrpSpPr>
-        <p:cNvPr id="1" name=""/>
-        <p:cNvGrpSpPr/>
-        <p:nvPr/>
-      </p:nvGrpSpPr>
-      <p:grpSpPr>
-        <a:xfrm>
-          <a:off x="0" y="0"/>
-          <a:ext cx="0" cy="0"/>
-          <a:chOff x="0" y="0"/>
-          <a:chExt cx="0" cy="0"/>
-        </a:xfrm>
-      </p:grpSpPr>
-      <p:sp>
-        <p:nvSpPr>
-          <p:cNvPr id="5" name="TextBox 4"/>
-          <p:cNvSpPr txBox="1"/>
-          <p:nvPr/>
-        </p:nvSpPr>
-        <p:spPr bwMode="white">
-          <a:xfrm>
-            <a:off x="136960" y="149489"/>
-            <a:ext cx="11781799" cy="2378219"/>
-          </a:xfrm>
-          <a:prstGeom prst="rect">
-            <a:avLst/>
-          </a:prstGeom>
-          <a:noFill/>
-          <a:ln>
-            <a:noFill/>
-          </a:ln>
-          <a:effectLst/>
-        </p:spPr>
-        <p:txBody>
-          <a:bodyPr lIns="121920" tIns="121920" rIns="121920" bIns="121920" anchor="ctr"/>
-          <a:lstStyle/>
-          <a:p>
-            <a:pPr defTabSz="1219120" fontAlgn="auto">
-              <a:spcBef>
-                <a:spcPts val="0"/>
-              </a:spcBef>
-              <a:spcAft>
-                <a:spcPts val="0"/>
-              </a:spcAft>
-              <a:defRPr/>
-            </a:pPr>
-            <a:r>
-              <a:rPr lang="en-US" sz="16933" dirty="0">
-                <a:ln w="18415" cmpd="sng">
-                  <a:solidFill>
-                    <a:srgbClr val="FFFFFF"/>
-                  </a:solidFill>
-                  <a:prstDash val="solid"/>
-                </a:ln>
-                <a:solidFill>
-                  <a:schemeClr val="bg2">
-                    <a:lumMod val="95000"/>
-                    <a:alpha val="50000"/>
-                  </a:schemeClr>
-                </a:solidFill>
-                <a:latin typeface="+mn-lt"/>
-                <a:ea typeface="+mn-ea"/>
-                <a:cs typeface="+mn-cs"/>
-              </a:rPr>
-              <a:t>PROBLEM</a:t>
-            </a:r>
-          </a:p>
-        </p:txBody>
-      </p:sp>
-      <p:pic>
-        <p:nvPicPr>
-          <p:cNvPr id="2" name="Picture 1" descr="splat.gif"/>
-          <p:cNvPicPr>
-            <a:picLocks noChangeAspect="1"/>
-          </p:cNvPicPr>
-          <p:nvPr userDrawn="1"/>
-        </p:nvPicPr>
-        <p:blipFill>
-          <a:blip r:embed="rId2">
-            <a:extLst>
-              <a:ext uri="{28A0092B-C50C-407E-A947-70E740481C1C}">
-                <a14:useLocalDpi xmlns:a14="http://schemas.microsoft.com/office/drawing/2010/main" val="0"/>
-              </a:ext>
-            </a:extLst>
-          </a:blip>
-          <a:stretch>
-            <a:fillRect/>
-          </a:stretch>
-        </p:blipFill>
-        <p:spPr>
-          <a:xfrm>
-            <a:off x="13153654" y="94879"/>
-            <a:ext cx="2648691" cy="2648691"/>
-          </a:xfrm>
-          <a:prstGeom prst="rect">
-            <a:avLst/>
-          </a:prstGeom>
-        </p:spPr>
-      </p:pic>
-      <p:sp>
-        <p:nvSpPr>
-          <p:cNvPr id="6" name="Title 1"/>
-          <p:cNvSpPr>
-            <a:spLocks noGrp="1"/>
-          </p:cNvSpPr>
-          <p:nvPr>
-            <p:ph type="ctrTitle" hasCustomPrompt="1"/>
-          </p:nvPr>
-        </p:nvSpPr>
-        <p:spPr bwMode="white">
-          <a:xfrm>
-            <a:off x="1671638" y="2294619"/>
-            <a:ext cx="12319000" cy="852712"/>
-          </a:xfrm>
-        </p:spPr>
-        <p:txBody>
-          <a:bodyPr lIns="91440" tIns="91440" rIns="91440" bIns="91440" anchor="ctr"/>
-          <a:lstStyle>
-            <a:lvl1pPr>
-              <a:lnSpc>
-                <a:spcPct val="90000"/>
-              </a:lnSpc>
-              <a:defRPr sz="6400" b="1" spc="0" baseline="0">
-                <a:solidFill>
-                  <a:schemeClr val="accent1"/>
-                </a:solidFill>
-              </a:defRPr>
-            </a:lvl1pPr>
-          </a:lstStyle>
-          <a:p>
-            <a:r>
-              <a:rPr lang="en-US" dirty="0" smtClean="0"/>
-              <a:t>Problem</a:t>
-            </a:r>
-            <a:endParaRPr lang="en-US" dirty="0"/>
-          </a:p>
-        </p:txBody>
-      </p:sp>
-      <p:sp>
-        <p:nvSpPr>
-          <p:cNvPr id="10" name="Subtitle 2"/>
-          <p:cNvSpPr>
-            <a:spLocks noGrp="1"/>
-          </p:cNvSpPr>
-          <p:nvPr>
-            <p:ph type="subTitle" idx="1"/>
-          </p:nvPr>
-        </p:nvSpPr>
-        <p:spPr bwMode="white">
-          <a:xfrm>
-            <a:off x="1671638" y="3271838"/>
-            <a:ext cx="12319000" cy="3346421"/>
-          </a:xfrm>
-          <a:prstGeom prst="rect">
-            <a:avLst/>
-          </a:prstGeom>
-        </p:spPr>
-        <p:txBody>
-          <a:bodyPr lIns="91440" tIns="91440" rIns="91440" bIns="91440">
-            <a:noAutofit/>
-          </a:bodyPr>
-          <a:lstStyle>
-            <a:lvl1pPr marL="0" indent="0" algn="l">
-              <a:lnSpc>
-                <a:spcPct val="100000"/>
-              </a:lnSpc>
-              <a:spcBef>
-                <a:spcPts val="0"/>
-              </a:spcBef>
-              <a:buNone/>
-              <a:defRPr sz="2800" baseline="0">
-                <a:solidFill>
-                  <a:schemeClr val="accent3">
-                    <a:lumMod val="50000"/>
-                  </a:schemeClr>
-                </a:solidFill>
-              </a:defRPr>
-            </a:lvl1pPr>
-            <a:lvl2pPr marL="609561" indent="0" algn="ctr">
-              <a:buNone/>
-              <a:defRPr>
-                <a:solidFill>
-                  <a:schemeClr val="tx1">
-                    <a:tint val="75000"/>
-                  </a:schemeClr>
-                </a:solidFill>
-              </a:defRPr>
-            </a:lvl2pPr>
-            <a:lvl3pPr marL="1219120" indent="0" algn="ctr">
-              <a:buNone/>
-              <a:defRPr>
-                <a:solidFill>
-                  <a:schemeClr val="tx1">
-                    <a:tint val="75000"/>
-                  </a:schemeClr>
-                </a:solidFill>
-              </a:defRPr>
-            </a:lvl3pPr>
-            <a:lvl4pPr marL="1828681" indent="0" algn="ctr">
-              <a:buNone/>
-              <a:defRPr>
-                <a:solidFill>
-                  <a:schemeClr val="tx1">
-                    <a:tint val="75000"/>
-                  </a:schemeClr>
-                </a:solidFill>
-              </a:defRPr>
-            </a:lvl4pPr>
-            <a:lvl5pPr marL="2438242" indent="0" algn="ctr">
-              <a:buNone/>
-              <a:defRPr>
-                <a:solidFill>
-                  <a:schemeClr val="tx1">
-                    <a:tint val="75000"/>
-                  </a:schemeClr>
-                </a:solidFill>
-              </a:defRPr>
-            </a:lvl5pPr>
-            <a:lvl6pPr marL="3047802" indent="0" algn="ctr">
-              <a:buNone/>
-              <a:defRPr>
-                <a:solidFill>
-                  <a:schemeClr val="tx1">
-                    <a:tint val="75000"/>
-                  </a:schemeClr>
-                </a:solidFill>
-              </a:defRPr>
-            </a:lvl6pPr>
-            <a:lvl7pPr marL="3657362" indent="0" algn="ctr">
-              <a:buNone/>
-              <a:defRPr>
-                <a:solidFill>
-                  <a:schemeClr val="tx1">
-                    <a:tint val="75000"/>
-                  </a:schemeClr>
-                </a:solidFill>
-              </a:defRPr>
-            </a:lvl7pPr>
-            <a:lvl8pPr marL="4266923" indent="0" algn="ctr">
-              <a:buNone/>
-              <a:defRPr>
-                <a:solidFill>
-                  <a:schemeClr val="tx1">
-                    <a:tint val="75000"/>
-                  </a:schemeClr>
-                </a:solidFill>
-              </a:defRPr>
-            </a:lvl8pPr>
-            <a:lvl9pPr marL="4876483" indent="0" algn="ctr">
-              <a:buNone/>
-              <a:defRPr>
-                <a:solidFill>
-                  <a:schemeClr val="tx1">
-                    <a:tint val="75000"/>
-                  </a:schemeClr>
-                </a:solidFill>
-              </a:defRPr>
-            </a:lvl9pPr>
-          </a:lstStyle>
-          <a:p>
-            <a:r>
-              <a:rPr lang="en-US" dirty="0" smtClean="0"/>
-              <a:t>Click to edit Master subtitle style</a:t>
-            </a:r>
-          </a:p>
-        </p:txBody>
-      </p:sp>
-    </p:spTree>
-    <p:extLst>
-      <p:ext uri="{BB962C8B-B14F-4D97-AF65-F5344CB8AC3E}">
-        <p14:creationId xmlns:p14="http://schemas.microsoft.com/office/powerpoint/2010/main" val="247207333"/>
-      </p:ext>
-    </p:extLst>
-  </p:cSld>
-  <p:clrMapOvr>
-    <a:masterClrMapping/>
-  </p:clrMapOvr>
-  <p:transition spd="med">
-    <p:fade/>
-  </p:transition>
-</p:sldLayout>
-</file>
-
-<file path=ppt/slideLayouts/slideLayout16.xml><?xml version="1.0" encoding="utf-8"?>
-<p:sldLayout xmlns:a="http://schemas.openxmlformats.org/drawingml/2006/main" xmlns:r="http://schemas.openxmlformats.org/officeDocument/2006/relationships" xmlns:p="http://schemas.openxmlformats.org/presentationml/2006/main" preserve="1" userDrawn="1">
-  <p:cSld name="Docs">
-    <p:spTree>
-      <p:nvGrpSpPr>
-        <p:cNvPr id="1" name=""/>
-        <p:cNvGrpSpPr/>
-        <p:nvPr/>
-      </p:nvGrpSpPr>
-      <p:grpSpPr>
-        <a:xfrm>
-          <a:off x="0" y="0"/>
-          <a:ext cx="0" cy="0"/>
-          <a:chOff x="0" y="0"/>
-          <a:chExt cx="0" cy="0"/>
-        </a:xfrm>
-      </p:grpSpPr>
-      <p:sp>
-        <p:nvSpPr>
-          <p:cNvPr id="7" name="TextBox 6"/>
-          <p:cNvSpPr txBox="1"/>
-          <p:nvPr/>
-        </p:nvSpPr>
-        <p:spPr bwMode="white">
-          <a:xfrm>
-            <a:off x="136960" y="160072"/>
-            <a:ext cx="13917707" cy="2378219"/>
-          </a:xfrm>
-          <a:prstGeom prst="rect">
-            <a:avLst/>
-          </a:prstGeom>
-          <a:noFill/>
-          <a:ln>
-            <a:noFill/>
-          </a:ln>
-          <a:effectLst/>
-        </p:spPr>
-        <p:txBody>
-          <a:bodyPr lIns="121920" tIns="121920" rIns="121920" bIns="121920" anchor="ctr"/>
-          <a:lstStyle/>
-          <a:p>
-            <a:pPr defTabSz="1219120" fontAlgn="auto">
-              <a:spcBef>
-                <a:spcPts val="0"/>
-              </a:spcBef>
-              <a:spcAft>
-                <a:spcPts val="0"/>
-              </a:spcAft>
-              <a:defRPr/>
-            </a:pPr>
-            <a:r>
-              <a:rPr lang="en-US" sz="16933" dirty="0" smtClean="0">
-                <a:ln w="18415" cmpd="sng">
-                  <a:solidFill>
-                    <a:srgbClr val="FFFFFF"/>
-                  </a:solidFill>
-                  <a:prstDash val="solid"/>
-                </a:ln>
-                <a:solidFill>
-                  <a:schemeClr val="bg2">
-                    <a:lumMod val="95000"/>
-                    <a:alpha val="50000"/>
-                  </a:schemeClr>
-                </a:solidFill>
-                <a:latin typeface="+mn-lt"/>
-                <a:ea typeface="+mn-ea"/>
-                <a:cs typeface="+mn-cs"/>
-              </a:rPr>
-              <a:t>REFERENCE</a:t>
-            </a:r>
-            <a:endParaRPr lang="en-US" sz="16933" dirty="0">
-              <a:ln w="18415" cmpd="sng">
-                <a:solidFill>
-                  <a:srgbClr val="FFFFFF"/>
-                </a:solidFill>
-                <a:prstDash val="solid"/>
-              </a:ln>
-              <a:solidFill>
-                <a:schemeClr val="bg2">
-                  <a:lumMod val="95000"/>
-                  <a:alpha val="50000"/>
-                </a:schemeClr>
-              </a:solidFill>
-              <a:latin typeface="+mn-lt"/>
-              <a:ea typeface="+mn-ea"/>
-              <a:cs typeface="+mn-cs"/>
-            </a:endParaRPr>
-          </a:p>
-        </p:txBody>
-      </p:sp>
-      <p:pic>
-        <p:nvPicPr>
-          <p:cNvPr id="2" name="Picture 1" descr="reference.gif"/>
-          <p:cNvPicPr>
-            <a:picLocks noChangeAspect="1"/>
-          </p:cNvPicPr>
-          <p:nvPr userDrawn="1"/>
-        </p:nvPicPr>
-        <p:blipFill>
-          <a:blip r:embed="rId2">
-            <a:extLst>
-              <a:ext uri="{28A0092B-C50C-407E-A947-70E740481C1C}">
-                <a14:useLocalDpi xmlns:a14="http://schemas.microsoft.com/office/drawing/2010/main" val="0"/>
-              </a:ext>
-            </a:extLst>
-          </a:blip>
-          <a:stretch>
-            <a:fillRect/>
-          </a:stretch>
-        </p:blipFill>
-        <p:spPr>
-          <a:xfrm>
-            <a:off x="13383499" y="324724"/>
-            <a:ext cx="2189001" cy="2189001"/>
-          </a:xfrm>
-          <a:prstGeom prst="rect">
-            <a:avLst/>
-          </a:prstGeom>
-        </p:spPr>
-      </p:pic>
-      <p:sp>
-        <p:nvSpPr>
-          <p:cNvPr id="6" name="Title 1"/>
-          <p:cNvSpPr>
-            <a:spLocks noGrp="1"/>
-          </p:cNvSpPr>
-          <p:nvPr>
-            <p:ph type="ctrTitle" hasCustomPrompt="1"/>
-          </p:nvPr>
-        </p:nvSpPr>
-        <p:spPr bwMode="white">
-          <a:xfrm>
-            <a:off x="1671638" y="2294619"/>
-            <a:ext cx="12319000" cy="852712"/>
-          </a:xfrm>
-        </p:spPr>
-        <p:txBody>
-          <a:bodyPr lIns="91440" tIns="91440" rIns="91440" bIns="91440" anchor="ctr"/>
-          <a:lstStyle>
-            <a:lvl1pPr>
-              <a:lnSpc>
-                <a:spcPct val="90000"/>
-              </a:lnSpc>
-              <a:defRPr sz="6400" b="1" spc="0" baseline="0">
-                <a:solidFill>
-                  <a:schemeClr val="accent1"/>
-                </a:solidFill>
-              </a:defRPr>
-            </a:lvl1pPr>
-          </a:lstStyle>
-          <a:p>
-            <a:r>
-              <a:rPr lang="en-US" dirty="0" smtClean="0"/>
-              <a:t>Documentation</a:t>
-            </a:r>
-            <a:endParaRPr lang="en-US" dirty="0"/>
-          </a:p>
-        </p:txBody>
-      </p:sp>
-      <p:sp>
-        <p:nvSpPr>
-          <p:cNvPr id="12" name="Subtitle 2"/>
-          <p:cNvSpPr>
-            <a:spLocks noGrp="1"/>
-          </p:cNvSpPr>
-          <p:nvPr>
-            <p:ph type="subTitle" idx="1"/>
-          </p:nvPr>
-        </p:nvSpPr>
-        <p:spPr bwMode="white">
-          <a:xfrm>
-            <a:off x="1671638" y="3271838"/>
-            <a:ext cx="12319000" cy="3346421"/>
-          </a:xfrm>
-          <a:prstGeom prst="rect">
-            <a:avLst/>
-          </a:prstGeom>
-        </p:spPr>
-        <p:txBody>
-          <a:bodyPr lIns="91440" tIns="91440" rIns="91440" bIns="91440">
-            <a:noAutofit/>
-          </a:bodyPr>
-          <a:lstStyle>
-            <a:lvl1pPr marL="0" indent="0" algn="l">
-              <a:lnSpc>
-                <a:spcPct val="100000"/>
-              </a:lnSpc>
-              <a:spcBef>
-                <a:spcPts val="0"/>
-              </a:spcBef>
-              <a:buNone/>
-              <a:defRPr sz="2800" baseline="0">
-                <a:solidFill>
-                  <a:schemeClr val="accent3">
-                    <a:lumMod val="50000"/>
-                  </a:schemeClr>
-                </a:solidFill>
-              </a:defRPr>
-            </a:lvl1pPr>
-            <a:lvl2pPr marL="609561" indent="0" algn="ctr">
-              <a:buNone/>
-              <a:defRPr>
-                <a:solidFill>
-                  <a:schemeClr val="tx1">
-                    <a:tint val="75000"/>
-                  </a:schemeClr>
-                </a:solidFill>
-              </a:defRPr>
-            </a:lvl2pPr>
-            <a:lvl3pPr marL="1219120" indent="0" algn="ctr">
-              <a:buNone/>
-              <a:defRPr>
-                <a:solidFill>
-                  <a:schemeClr val="tx1">
-                    <a:tint val="75000"/>
-                  </a:schemeClr>
-                </a:solidFill>
-              </a:defRPr>
-            </a:lvl3pPr>
-            <a:lvl4pPr marL="1828681" indent="0" algn="ctr">
-              <a:buNone/>
-              <a:defRPr>
-                <a:solidFill>
-                  <a:schemeClr val="tx1">
-                    <a:tint val="75000"/>
-                  </a:schemeClr>
-                </a:solidFill>
-              </a:defRPr>
-            </a:lvl4pPr>
-            <a:lvl5pPr marL="2438242" indent="0" algn="ctr">
-              <a:buNone/>
-              <a:defRPr>
-                <a:solidFill>
-                  <a:schemeClr val="tx1">
-                    <a:tint val="75000"/>
-                  </a:schemeClr>
-                </a:solidFill>
-              </a:defRPr>
-            </a:lvl5pPr>
-            <a:lvl6pPr marL="3047802" indent="0" algn="ctr">
-              <a:buNone/>
-              <a:defRPr>
-                <a:solidFill>
-                  <a:schemeClr val="tx1">
-                    <a:tint val="75000"/>
-                  </a:schemeClr>
-                </a:solidFill>
-              </a:defRPr>
-            </a:lvl6pPr>
-            <a:lvl7pPr marL="3657362" indent="0" algn="ctr">
-              <a:buNone/>
-              <a:defRPr>
-                <a:solidFill>
-                  <a:schemeClr val="tx1">
-                    <a:tint val="75000"/>
-                  </a:schemeClr>
-                </a:solidFill>
-              </a:defRPr>
-            </a:lvl7pPr>
-            <a:lvl8pPr marL="4266923" indent="0" algn="ctr">
-              <a:buNone/>
-              <a:defRPr>
-                <a:solidFill>
-                  <a:schemeClr val="tx1">
-                    <a:tint val="75000"/>
-                  </a:schemeClr>
-                </a:solidFill>
-              </a:defRPr>
-            </a:lvl8pPr>
-            <a:lvl9pPr marL="4876483" indent="0" algn="ctr">
-              <a:buNone/>
-              <a:defRPr>
-                <a:solidFill>
-                  <a:schemeClr val="tx1">
-                    <a:tint val="75000"/>
-                  </a:schemeClr>
-                </a:solidFill>
-              </a:defRPr>
-            </a:lvl9pPr>
-          </a:lstStyle>
-          <a:p>
-            <a:r>
-              <a:rPr lang="en-US" dirty="0" smtClean="0"/>
-              <a:t>Click to edit Master subtitle style</a:t>
-            </a:r>
-          </a:p>
-        </p:txBody>
-      </p:sp>
-      <p:sp>
-        <p:nvSpPr>
-          <p:cNvPr id="10" name="Content Placeholder 3"/>
-          <p:cNvSpPr>
-            <a:spLocks noGrp="1"/>
-          </p:cNvSpPr>
-          <p:nvPr>
-            <p:ph sz="quarter" idx="13" hasCustomPrompt="1"/>
-          </p:nvPr>
-        </p:nvSpPr>
-        <p:spPr>
-          <a:xfrm>
-            <a:off x="3921498" y="7164200"/>
-            <a:ext cx="8917577" cy="524133"/>
-          </a:xfrm>
-          <a:prstGeom prst="rect">
-            <a:avLst/>
-          </a:prstGeom>
-        </p:spPr>
-        <p:txBody>
-          <a:bodyPr anchor="ctr"/>
-          <a:lstStyle>
-            <a:lvl1pPr marL="0" indent="0" algn="ctr">
-              <a:buNone/>
-              <a:defRPr sz="2400">
-                <a:solidFill>
-                  <a:schemeClr val="tx1"/>
-                </a:solidFill>
-              </a:defRPr>
-            </a:lvl1pPr>
-          </a:lstStyle>
-          <a:p>
-            <a:pPr lvl="0"/>
-            <a:r>
-              <a:rPr lang="en-US" dirty="0" smtClean="0"/>
-              <a:t>http://</a:t>
-            </a:r>
-            <a:r>
-              <a:rPr lang="en-US" dirty="0" err="1" smtClean="0"/>
-              <a:t>docs.chef.io</a:t>
-            </a:r>
-            <a:endParaRPr lang="en-US" dirty="0" smtClean="0"/>
-          </a:p>
-        </p:txBody>
-      </p:sp>
-    </p:spTree>
-    <p:extLst>
-      <p:ext uri="{BB962C8B-B14F-4D97-AF65-F5344CB8AC3E}">
-        <p14:creationId xmlns:p14="http://schemas.microsoft.com/office/powerpoint/2010/main" val="1970238568"/>
-      </p:ext>
-    </p:extLst>
-  </p:cSld>
-  <p:clrMapOvr>
-    <a:masterClrMapping/>
-  </p:clrMapOvr>
-  <p:transition spd="med">
-    <p:fade/>
-  </p:transition>
-</p:sldLayout>
-</file>
-
-<file path=ppt/slideLayouts/slideLayout17.xml><?xml version="1.0" encoding="utf-8"?>
-<p:sldLayout xmlns:a="http://schemas.openxmlformats.org/drawingml/2006/main" xmlns:r="http://schemas.openxmlformats.org/officeDocument/2006/relationships" xmlns:p="http://schemas.openxmlformats.org/presentationml/2006/main" preserve="1" userDrawn="1">
-  <p:cSld name="Concept">
-    <p:spTree>
-      <p:nvGrpSpPr>
-        <p:cNvPr id="1" name=""/>
-        <p:cNvGrpSpPr/>
-        <p:nvPr/>
-      </p:nvGrpSpPr>
-      <p:grpSpPr>
-        <a:xfrm>
-          <a:off x="0" y="0"/>
-          <a:ext cx="0" cy="0"/>
-          <a:chOff x="0" y="0"/>
-          <a:chExt cx="0" cy="0"/>
-        </a:xfrm>
-      </p:grpSpPr>
-      <p:sp>
-        <p:nvSpPr>
-          <p:cNvPr id="5" name="TextBox 4"/>
-          <p:cNvSpPr txBox="1"/>
-          <p:nvPr/>
-        </p:nvSpPr>
-        <p:spPr bwMode="white">
-          <a:xfrm>
-            <a:off x="136961" y="144390"/>
-            <a:ext cx="11554287" cy="2378219"/>
-          </a:xfrm>
-          <a:prstGeom prst="rect">
-            <a:avLst/>
-          </a:prstGeom>
-          <a:noFill/>
-          <a:ln>
-            <a:noFill/>
-          </a:ln>
-          <a:effectLst/>
-        </p:spPr>
-        <p:txBody>
-          <a:bodyPr lIns="121920" tIns="121920" rIns="121920" bIns="121920" anchor="ctr"/>
-          <a:lstStyle/>
-          <a:p>
-            <a:pPr defTabSz="1219120" fontAlgn="auto">
-              <a:spcBef>
-                <a:spcPts val="0"/>
-              </a:spcBef>
-              <a:spcAft>
-                <a:spcPts val="0"/>
-              </a:spcAft>
-              <a:defRPr/>
-            </a:pPr>
-            <a:r>
-              <a:rPr lang="en-US" sz="16933" dirty="0">
-                <a:ln w="18415" cmpd="sng">
-                  <a:solidFill>
-                    <a:srgbClr val="FFFFFF"/>
-                  </a:solidFill>
-                  <a:prstDash val="solid"/>
-                </a:ln>
-                <a:solidFill>
-                  <a:schemeClr val="bg2">
-                    <a:lumMod val="95000"/>
-                    <a:alpha val="50000"/>
-                  </a:schemeClr>
-                </a:solidFill>
-                <a:latin typeface="+mn-lt"/>
-                <a:ea typeface="+mn-ea"/>
-                <a:cs typeface="+mn-cs"/>
-              </a:rPr>
-              <a:t>CONCEPT</a:t>
-            </a:r>
-          </a:p>
-        </p:txBody>
-      </p:sp>
-      <p:pic>
-        <p:nvPicPr>
-          <p:cNvPr id="2" name="Picture 1" descr="concept.gif"/>
-          <p:cNvPicPr>
-            <a:picLocks noChangeAspect="1"/>
-          </p:cNvPicPr>
-          <p:nvPr userDrawn="1"/>
-        </p:nvPicPr>
-        <p:blipFill>
-          <a:blip r:embed="rId2">
-            <a:extLst>
-              <a:ext uri="{28A0092B-C50C-407E-A947-70E740481C1C}">
-                <a14:useLocalDpi xmlns:a14="http://schemas.microsoft.com/office/drawing/2010/main" val="0"/>
-              </a:ext>
-            </a:extLst>
-          </a:blip>
-          <a:stretch>
-            <a:fillRect/>
-          </a:stretch>
-        </p:blipFill>
-        <p:spPr>
-          <a:xfrm>
-            <a:off x="13119426" y="324724"/>
-            <a:ext cx="2717146" cy="2189001"/>
-          </a:xfrm>
-          <a:prstGeom prst="rect">
-            <a:avLst/>
-          </a:prstGeom>
-        </p:spPr>
-      </p:pic>
-      <p:sp>
-        <p:nvSpPr>
-          <p:cNvPr id="6" name="Title 1"/>
-          <p:cNvSpPr>
-            <a:spLocks noGrp="1"/>
-          </p:cNvSpPr>
-          <p:nvPr>
-            <p:ph type="ctrTitle" hasCustomPrompt="1"/>
-          </p:nvPr>
-        </p:nvSpPr>
-        <p:spPr bwMode="white">
-          <a:xfrm>
-            <a:off x="1671638" y="2294619"/>
-            <a:ext cx="12319000" cy="852712"/>
-          </a:xfrm>
-        </p:spPr>
-        <p:txBody>
-          <a:bodyPr lIns="91440" tIns="91440" rIns="91440" bIns="91440" anchor="ctr"/>
-          <a:lstStyle>
-            <a:lvl1pPr>
-              <a:lnSpc>
-                <a:spcPct val="90000"/>
-              </a:lnSpc>
-              <a:defRPr sz="6400" b="1" spc="0" baseline="0">
-                <a:solidFill>
-                  <a:schemeClr val="accent1"/>
-                </a:solidFill>
-              </a:defRPr>
-            </a:lvl1pPr>
-          </a:lstStyle>
-          <a:p>
-            <a:r>
-              <a:rPr lang="en-US" dirty="0" smtClean="0"/>
-              <a:t>Concept</a:t>
-            </a:r>
-            <a:endParaRPr lang="en-US" dirty="0"/>
-          </a:p>
-        </p:txBody>
-      </p:sp>
-      <p:sp>
-        <p:nvSpPr>
-          <p:cNvPr id="10" name="Subtitle 2"/>
-          <p:cNvSpPr>
-            <a:spLocks noGrp="1"/>
-          </p:cNvSpPr>
-          <p:nvPr>
-            <p:ph type="subTitle" idx="1"/>
-          </p:nvPr>
-        </p:nvSpPr>
-        <p:spPr bwMode="white">
-          <a:xfrm>
-            <a:off x="1671638" y="3271838"/>
-            <a:ext cx="12319000" cy="3346421"/>
-          </a:xfrm>
-          <a:prstGeom prst="rect">
-            <a:avLst/>
-          </a:prstGeom>
-        </p:spPr>
-        <p:txBody>
-          <a:bodyPr lIns="91440" tIns="91440" rIns="91440" bIns="91440">
-            <a:noAutofit/>
-          </a:bodyPr>
-          <a:lstStyle>
-            <a:lvl1pPr marL="0" indent="0" algn="l">
-              <a:lnSpc>
-                <a:spcPct val="100000"/>
-              </a:lnSpc>
-              <a:spcBef>
-                <a:spcPts val="0"/>
-              </a:spcBef>
-              <a:buNone/>
-              <a:defRPr sz="2800" baseline="0">
-                <a:solidFill>
-                  <a:schemeClr val="accent3">
-                    <a:lumMod val="50000"/>
-                  </a:schemeClr>
-                </a:solidFill>
-              </a:defRPr>
-            </a:lvl1pPr>
-            <a:lvl2pPr marL="609561" indent="0" algn="ctr">
-              <a:buNone/>
-              <a:defRPr>
-                <a:solidFill>
-                  <a:schemeClr val="tx1">
-                    <a:tint val="75000"/>
-                  </a:schemeClr>
-                </a:solidFill>
-              </a:defRPr>
-            </a:lvl2pPr>
-            <a:lvl3pPr marL="1219120" indent="0" algn="ctr">
-              <a:buNone/>
-              <a:defRPr>
-                <a:solidFill>
-                  <a:schemeClr val="tx1">
-                    <a:tint val="75000"/>
-                  </a:schemeClr>
-                </a:solidFill>
-              </a:defRPr>
-            </a:lvl3pPr>
-            <a:lvl4pPr marL="1828681" indent="0" algn="ctr">
-              <a:buNone/>
-              <a:defRPr>
-                <a:solidFill>
-                  <a:schemeClr val="tx1">
-                    <a:tint val="75000"/>
-                  </a:schemeClr>
-                </a:solidFill>
-              </a:defRPr>
-            </a:lvl4pPr>
-            <a:lvl5pPr marL="2438242" indent="0" algn="ctr">
-              <a:buNone/>
-              <a:defRPr>
-                <a:solidFill>
-                  <a:schemeClr val="tx1">
-                    <a:tint val="75000"/>
-                  </a:schemeClr>
-                </a:solidFill>
-              </a:defRPr>
-            </a:lvl5pPr>
-            <a:lvl6pPr marL="3047802" indent="0" algn="ctr">
-              <a:buNone/>
-              <a:defRPr>
-                <a:solidFill>
-                  <a:schemeClr val="tx1">
-                    <a:tint val="75000"/>
-                  </a:schemeClr>
-                </a:solidFill>
-              </a:defRPr>
-            </a:lvl6pPr>
-            <a:lvl7pPr marL="3657362" indent="0" algn="ctr">
-              <a:buNone/>
-              <a:defRPr>
-                <a:solidFill>
-                  <a:schemeClr val="tx1">
-                    <a:tint val="75000"/>
-                  </a:schemeClr>
-                </a:solidFill>
-              </a:defRPr>
-            </a:lvl7pPr>
-            <a:lvl8pPr marL="4266923" indent="0" algn="ctr">
-              <a:buNone/>
-              <a:defRPr>
-                <a:solidFill>
-                  <a:schemeClr val="tx1">
-                    <a:tint val="75000"/>
-                  </a:schemeClr>
-                </a:solidFill>
-              </a:defRPr>
-            </a:lvl8pPr>
-            <a:lvl9pPr marL="4876483" indent="0" algn="ctr">
-              <a:buNone/>
-              <a:defRPr>
-                <a:solidFill>
-                  <a:schemeClr val="tx1">
-                    <a:tint val="75000"/>
-                  </a:schemeClr>
-                </a:solidFill>
-              </a:defRPr>
-            </a:lvl9pPr>
-          </a:lstStyle>
-          <a:p>
-            <a:r>
-              <a:rPr lang="en-US" dirty="0" smtClean="0"/>
-              <a:t>Click to edit Master subtitle style</a:t>
-            </a:r>
-          </a:p>
-        </p:txBody>
-      </p:sp>
-    </p:spTree>
-    <p:extLst>
-      <p:ext uri="{BB962C8B-B14F-4D97-AF65-F5344CB8AC3E}">
-        <p14:creationId xmlns:p14="http://schemas.microsoft.com/office/powerpoint/2010/main" val="1995748560"/>
-      </p:ext>
-    </p:extLst>
-  </p:cSld>
-  <p:clrMapOvr>
-    <a:masterClrMapping/>
-  </p:clrMapOvr>
-  <p:transition spd="med">
-    <p:fade/>
-  </p:transition>
-</p:sldLayout>
-</file>
-
-<file path=ppt/slideLayouts/slideLayout18.xml><?xml version="1.0" encoding="utf-8"?>
-<p:sldLayout xmlns:a="http://schemas.openxmlformats.org/drawingml/2006/main" xmlns:r="http://schemas.openxmlformats.org/officeDocument/2006/relationships" xmlns:p="http://schemas.openxmlformats.org/presentationml/2006/main" preserve="1" userDrawn="1">
-  <p:cSld name="Group Exercise">
-    <p:spTree>
-      <p:nvGrpSpPr>
-        <p:cNvPr id="1" name=""/>
-        <p:cNvGrpSpPr/>
-        <p:nvPr/>
-      </p:nvGrpSpPr>
-      <p:grpSpPr>
-        <a:xfrm>
-          <a:off x="0" y="0"/>
-          <a:ext cx="0" cy="0"/>
-          <a:chOff x="0" y="0"/>
-          <a:chExt cx="0" cy="0"/>
-        </a:xfrm>
-      </p:grpSpPr>
-      <p:sp>
-        <p:nvSpPr>
-          <p:cNvPr id="7" name="TextBox 6"/>
-          <p:cNvSpPr txBox="1"/>
-          <p:nvPr userDrawn="1"/>
-        </p:nvSpPr>
-        <p:spPr bwMode="white">
-          <a:xfrm>
-            <a:off x="136960" y="144390"/>
-            <a:ext cx="12628487" cy="2378219"/>
-          </a:xfrm>
-          <a:prstGeom prst="rect">
-            <a:avLst/>
-          </a:prstGeom>
-          <a:noFill/>
-          <a:ln>
-            <a:noFill/>
-          </a:ln>
-          <a:effectLst/>
-        </p:spPr>
-        <p:txBody>
-          <a:bodyPr lIns="121920" tIns="121920" rIns="121920" bIns="121920" anchor="ctr"/>
-          <a:lstStyle/>
-          <a:p>
-            <a:pPr defTabSz="1219120" fontAlgn="auto">
-              <a:spcBef>
-                <a:spcPts val="0"/>
-              </a:spcBef>
-              <a:spcAft>
-                <a:spcPts val="0"/>
-              </a:spcAft>
-              <a:defRPr/>
-            </a:pPr>
-            <a:r>
-              <a:rPr lang="en-US" sz="16933" dirty="0">
-                <a:ln w="18415" cmpd="sng">
-                  <a:solidFill>
-                    <a:srgbClr val="FFFFFF"/>
-                  </a:solidFill>
-                  <a:prstDash val="solid"/>
-                </a:ln>
-                <a:solidFill>
-                  <a:schemeClr val="bg2">
-                    <a:lumMod val="95000"/>
-                    <a:alpha val="50000"/>
-                  </a:schemeClr>
-                </a:solidFill>
-                <a:latin typeface="+mn-lt"/>
-                <a:ea typeface="+mn-ea"/>
-                <a:cs typeface="+mn-cs"/>
-              </a:rPr>
-              <a:t>EXERCISE</a:t>
-            </a:r>
-          </a:p>
-        </p:txBody>
-      </p:sp>
-      <p:pic>
-        <p:nvPicPr>
-          <p:cNvPr id="3" name="Picture 2" descr="chef.gif"/>
-          <p:cNvPicPr>
-            <a:picLocks noChangeAspect="1"/>
-          </p:cNvPicPr>
-          <p:nvPr userDrawn="1"/>
-        </p:nvPicPr>
-        <p:blipFill>
-          <a:blip r:embed="rId2">
-            <a:extLst>
-              <a:ext uri="{28A0092B-C50C-407E-A947-70E740481C1C}">
-                <a14:useLocalDpi xmlns:a14="http://schemas.microsoft.com/office/drawing/2010/main" val="0"/>
-              </a:ext>
-            </a:extLst>
-          </a:blip>
-          <a:stretch>
-            <a:fillRect/>
-          </a:stretch>
-        </p:blipFill>
-        <p:spPr>
-          <a:xfrm>
-            <a:off x="13399010" y="324724"/>
-            <a:ext cx="2157980" cy="2189001"/>
-          </a:xfrm>
-          <a:prstGeom prst="rect">
-            <a:avLst/>
-          </a:prstGeom>
-        </p:spPr>
-      </p:pic>
-      <p:sp>
-        <p:nvSpPr>
-          <p:cNvPr id="6" name="Title 1"/>
-          <p:cNvSpPr>
-            <a:spLocks noGrp="1"/>
-          </p:cNvSpPr>
-          <p:nvPr>
-            <p:ph type="ctrTitle" hasCustomPrompt="1"/>
-          </p:nvPr>
-        </p:nvSpPr>
-        <p:spPr bwMode="white">
-          <a:xfrm>
-            <a:off x="1671637" y="2292126"/>
-            <a:ext cx="12319001" cy="852712"/>
-          </a:xfrm>
-        </p:spPr>
-        <p:txBody>
-          <a:bodyPr lIns="91440" tIns="91440" rIns="91440" bIns="91440" anchor="ctr"/>
-          <a:lstStyle>
-            <a:lvl1pPr>
-              <a:lnSpc>
-                <a:spcPct val="90000"/>
-              </a:lnSpc>
-              <a:defRPr sz="6400" b="1" spc="0" baseline="0">
-                <a:solidFill>
-                  <a:schemeClr val="accent1"/>
-                </a:solidFill>
-              </a:defRPr>
-            </a:lvl1pPr>
-          </a:lstStyle>
-          <a:p>
-            <a:r>
-              <a:rPr lang="en-US" dirty="0" smtClean="0"/>
-              <a:t>Group Exercise</a:t>
-            </a:r>
-            <a:endParaRPr lang="en-US" dirty="0"/>
-          </a:p>
-        </p:txBody>
-      </p:sp>
-      <p:sp>
-        <p:nvSpPr>
-          <p:cNvPr id="13" name="Content Placeholder 12"/>
-          <p:cNvSpPr>
-            <a:spLocks noGrp="1"/>
-          </p:cNvSpPr>
-          <p:nvPr>
-            <p:ph sz="quarter" idx="11"/>
-          </p:nvPr>
-        </p:nvSpPr>
-        <p:spPr>
-          <a:xfrm>
-            <a:off x="1671638" y="3260725"/>
-            <a:ext cx="12319000" cy="1528233"/>
-          </a:xfrm>
-          <a:prstGeom prst="rect">
-            <a:avLst/>
-          </a:prstGeom>
-        </p:spPr>
-        <p:txBody>
-          <a:bodyPr anchor="ctr">
-            <a:normAutofit/>
-          </a:bodyPr>
-          <a:lstStyle>
-            <a:lvl1pPr marL="121917" indent="0">
-              <a:spcBef>
-                <a:spcPts val="800"/>
-              </a:spcBef>
-              <a:buNone/>
-              <a:defRPr sz="2800" i="1" baseline="0">
-                <a:solidFill>
-                  <a:schemeClr val="bg1">
-                    <a:lumMod val="50000"/>
-                  </a:schemeClr>
-                </a:solidFill>
-              </a:defRPr>
-            </a:lvl1pPr>
-          </a:lstStyle>
-          <a:p>
-            <a:pPr lvl="0"/>
-            <a:r>
-              <a:rPr lang="en-US" dirty="0" smtClean="0"/>
-              <a:t>Click to edit Master text styles</a:t>
-            </a:r>
-          </a:p>
-        </p:txBody>
-      </p:sp>
-      <p:sp>
-        <p:nvSpPr>
-          <p:cNvPr id="10" name="TextBox 11"/>
-          <p:cNvSpPr txBox="1">
-            <a:spLocks noChangeArrowheads="1"/>
-          </p:cNvSpPr>
-          <p:nvPr/>
-        </p:nvSpPr>
-        <p:spPr bwMode="white">
-          <a:xfrm>
-            <a:off x="1671638" y="4917547"/>
-            <a:ext cx="11777663" cy="785812"/>
-          </a:xfrm>
-          <a:prstGeom prst="rect">
-            <a:avLst/>
-          </a:prstGeom>
-          <a:noFill/>
-          <a:ln>
-            <a:noFill/>
-          </a:ln>
-          <a:extLst>
-            <a:ext uri="{909E8E84-426E-40dd-AFC4-6F175D3DCCD1}">
-              <a14:hiddenFill xmlns="" xmlns:a14="http://schemas.microsoft.com/office/drawing/2010/main">
-                <a:solidFill>
-                  <a:srgbClr val="FFFFFF"/>
-                </a:solidFill>
-              </a14:hiddenFill>
-            </a:ext>
-            <a:ext uri="{91240B29-F687-4f45-9708-019B960494DF}">
-              <a14:hiddenLine xmlns="" xmlns:a14="http://schemas.microsoft.com/office/drawing/2010/main" w="9525">
-                <a:solidFill>
-                  <a:srgbClr val="000000"/>
-                </a:solidFill>
-                <a:miter lim="800000"/>
-                <a:headEnd/>
-                <a:tailEnd/>
-              </a14:hiddenLine>
-            </a:ext>
-          </a:extLst>
-        </p:spPr>
-        <p:txBody>
-          <a:bodyPr lIns="121920" tIns="121920" rIns="121920" bIns="121920"/>
-          <a:lstStyle>
-            <a:lvl1pPr>
-              <a:defRPr sz="2400">
-                <a:solidFill>
-                  <a:schemeClr val="tx1"/>
-                </a:solidFill>
-                <a:latin typeface="Arial" charset="0"/>
-                <a:ea typeface="ＭＳ Ｐゴシック" charset="0"/>
-                <a:cs typeface="ＭＳ Ｐゴシック" charset="0"/>
-              </a:defRPr>
-            </a:lvl1pPr>
-            <a:lvl2pPr marL="742950" indent="-285750">
-              <a:defRPr sz="2400">
-                <a:solidFill>
-                  <a:schemeClr val="tx1"/>
-                </a:solidFill>
-                <a:latin typeface="Arial" charset="0"/>
-                <a:ea typeface="ＭＳ Ｐゴシック" charset="0"/>
-              </a:defRPr>
-            </a:lvl2pPr>
-            <a:lvl3pPr marL="1143000" indent="-228600">
-              <a:defRPr sz="2400">
-                <a:solidFill>
-                  <a:schemeClr val="tx1"/>
-                </a:solidFill>
-                <a:latin typeface="Arial" charset="0"/>
-                <a:ea typeface="ＭＳ Ｐゴシック" charset="0"/>
-              </a:defRPr>
-            </a:lvl3pPr>
-            <a:lvl4pPr marL="1600200" indent="-228600">
-              <a:defRPr sz="2400">
-                <a:solidFill>
-                  <a:schemeClr val="tx1"/>
-                </a:solidFill>
-                <a:latin typeface="Arial" charset="0"/>
-                <a:ea typeface="ＭＳ Ｐゴシック" charset="0"/>
-              </a:defRPr>
-            </a:lvl4pPr>
-            <a:lvl5pPr marL="2057400" indent="-228600">
-              <a:defRPr sz="2400">
-                <a:solidFill>
-                  <a:schemeClr val="tx1"/>
-                </a:solidFill>
-                <a:latin typeface="Arial" charset="0"/>
-                <a:ea typeface="ＭＳ Ｐゴシック" charset="0"/>
-              </a:defRPr>
-            </a:lvl5pPr>
-            <a:lvl6pPr marL="2514600" indent="-228600" defTabSz="1217613" fontAlgn="base">
-              <a:spcBef>
-                <a:spcPct val="0"/>
-              </a:spcBef>
-              <a:spcAft>
-                <a:spcPct val="0"/>
-              </a:spcAft>
-              <a:defRPr sz="2400">
-                <a:solidFill>
-                  <a:schemeClr val="tx1"/>
-                </a:solidFill>
-                <a:latin typeface="Arial" charset="0"/>
-                <a:ea typeface="ＭＳ Ｐゴシック" charset="0"/>
-              </a:defRPr>
-            </a:lvl6pPr>
-            <a:lvl7pPr marL="2971800" indent="-228600" defTabSz="1217613" fontAlgn="base">
-              <a:spcBef>
-                <a:spcPct val="0"/>
-              </a:spcBef>
-              <a:spcAft>
-                <a:spcPct val="0"/>
-              </a:spcAft>
-              <a:defRPr sz="2400">
-                <a:solidFill>
-                  <a:schemeClr val="tx1"/>
-                </a:solidFill>
-                <a:latin typeface="Arial" charset="0"/>
-                <a:ea typeface="ＭＳ Ｐゴシック" charset="0"/>
-              </a:defRPr>
-            </a:lvl7pPr>
-            <a:lvl8pPr marL="3429000" indent="-228600" defTabSz="1217613" fontAlgn="base">
-              <a:spcBef>
-                <a:spcPct val="0"/>
-              </a:spcBef>
-              <a:spcAft>
-                <a:spcPct val="0"/>
-              </a:spcAft>
-              <a:defRPr sz="2400">
-                <a:solidFill>
-                  <a:schemeClr val="tx1"/>
-                </a:solidFill>
-                <a:latin typeface="Arial" charset="0"/>
-                <a:ea typeface="ＭＳ Ｐゴシック" charset="0"/>
-              </a:defRPr>
-            </a:lvl8pPr>
-            <a:lvl9pPr marL="3886200" indent="-228600" defTabSz="1217613" fontAlgn="base">
-              <a:spcBef>
-                <a:spcPct val="0"/>
-              </a:spcBef>
-              <a:spcAft>
-                <a:spcPct val="0"/>
-              </a:spcAft>
-              <a:defRPr sz="2400">
-                <a:solidFill>
-                  <a:schemeClr val="tx1"/>
-                </a:solidFill>
-                <a:latin typeface="Arial" charset="0"/>
-                <a:ea typeface="ＭＳ Ｐゴシック" charset="0"/>
-              </a:defRPr>
-            </a:lvl9pPr>
-          </a:lstStyle>
-          <a:p>
-            <a:r>
-              <a:rPr lang="en-US" sz="3200" b="1" dirty="0"/>
-              <a:t>Objective:</a:t>
-            </a:r>
-          </a:p>
-        </p:txBody>
-      </p:sp>
-      <p:sp>
-        <p:nvSpPr>
-          <p:cNvPr id="9" name="Text Placeholder 8"/>
-          <p:cNvSpPr>
-            <a:spLocks noGrp="1"/>
-          </p:cNvSpPr>
-          <p:nvPr>
-            <p:ph type="body" sz="quarter" idx="10"/>
-          </p:nvPr>
-        </p:nvSpPr>
-        <p:spPr>
-          <a:xfrm>
-            <a:off x="1671638" y="5650764"/>
-            <a:ext cx="12319000" cy="2445486"/>
-          </a:xfrm>
-          <a:prstGeom prst="rect">
-            <a:avLst/>
-          </a:prstGeom>
-        </p:spPr>
-        <p:txBody>
-          <a:bodyPr/>
-          <a:lstStyle>
-            <a:lvl1pPr marL="0" indent="0">
-              <a:buFont typeface="Wingdings" charset="2"/>
-              <a:buNone/>
-              <a:defRPr sz="2400" baseline="0"/>
-            </a:lvl1pPr>
-          </a:lstStyle>
-          <a:p>
-            <a:pPr lvl="0"/>
-            <a:r>
-              <a:rPr lang="en-US" dirty="0" smtClean="0"/>
-              <a:t>Click to edit Master text styles</a:t>
-            </a:r>
-          </a:p>
-          <a:p>
-            <a:pPr lvl="1"/>
-            <a:r>
-              <a:rPr lang="en-US" dirty="0" smtClean="0"/>
-              <a:t>Second level</a:t>
-            </a:r>
-          </a:p>
-          <a:p>
-            <a:pPr lvl="2"/>
-            <a:r>
-              <a:rPr lang="en-US" dirty="0" smtClean="0"/>
-              <a:t>Third level</a:t>
-            </a:r>
-          </a:p>
-          <a:p>
-            <a:pPr lvl="3"/>
-            <a:r>
-              <a:rPr lang="en-US" dirty="0" smtClean="0"/>
-              <a:t>Fourth level</a:t>
-            </a:r>
-          </a:p>
-        </p:txBody>
-      </p:sp>
-    </p:spTree>
-    <p:extLst>
-      <p:ext uri="{BB962C8B-B14F-4D97-AF65-F5344CB8AC3E}">
-        <p14:creationId xmlns:p14="http://schemas.microsoft.com/office/powerpoint/2010/main" val="1211677136"/>
-      </p:ext>
-    </p:extLst>
-  </p:cSld>
-  <p:clrMapOvr>
-    <a:masterClrMapping/>
-  </p:clrMapOvr>
-  <p:transition spd="med">
-    <p:fade/>
-  </p:transition>
-</p:sldLayout>
-</file>
-
-<file path=ppt/slideLayouts/slideLayout19.xml><?xml version="1.0" encoding="utf-8"?>
-<p:sldLayout xmlns:a="http://schemas.openxmlformats.org/drawingml/2006/main" xmlns:r="http://schemas.openxmlformats.org/officeDocument/2006/relationships" xmlns:p="http://schemas.openxmlformats.org/presentationml/2006/main" preserve="1" userDrawn="1">
-  <p:cSld name="Lab">
-    <p:spTree>
-      <p:nvGrpSpPr>
-        <p:cNvPr id="1" name=""/>
-        <p:cNvGrpSpPr/>
-        <p:nvPr/>
-      </p:nvGrpSpPr>
-      <p:grpSpPr>
-        <a:xfrm>
-          <a:off x="0" y="0"/>
-          <a:ext cx="0" cy="0"/>
-          <a:chOff x="0" y="0"/>
-          <a:chExt cx="0" cy="0"/>
-        </a:xfrm>
-      </p:grpSpPr>
-      <p:sp>
-        <p:nvSpPr>
-          <p:cNvPr id="5" name="TextBox 4"/>
-          <p:cNvSpPr txBox="1"/>
-          <p:nvPr/>
-        </p:nvSpPr>
-        <p:spPr bwMode="white">
-          <a:xfrm>
-            <a:off x="136961" y="144390"/>
-            <a:ext cx="12824551" cy="2378219"/>
-          </a:xfrm>
-          <a:prstGeom prst="rect">
-            <a:avLst/>
-          </a:prstGeom>
-          <a:noFill/>
-          <a:ln>
-            <a:noFill/>
-          </a:ln>
-          <a:effectLst/>
-        </p:spPr>
-        <p:txBody>
-          <a:bodyPr lIns="121920" tIns="121920" rIns="121920" bIns="121920" anchor="ctr"/>
-          <a:lstStyle/>
-          <a:p>
-            <a:pPr defTabSz="1219120" fontAlgn="auto">
-              <a:spcBef>
-                <a:spcPts val="0"/>
-              </a:spcBef>
-              <a:spcAft>
-                <a:spcPts val="0"/>
-              </a:spcAft>
-              <a:defRPr/>
-            </a:pPr>
-            <a:r>
-              <a:rPr lang="en-US" sz="16933" dirty="0">
-                <a:ln w="18415" cmpd="sng">
-                  <a:solidFill>
-                    <a:srgbClr val="FFFFFF"/>
-                  </a:solidFill>
-                  <a:prstDash val="solid"/>
-                </a:ln>
-                <a:solidFill>
-                  <a:schemeClr val="bg2">
-                    <a:lumMod val="95000"/>
-                    <a:alpha val="50000"/>
-                  </a:schemeClr>
-                </a:solidFill>
-                <a:latin typeface="+mn-lt"/>
-                <a:ea typeface="+mn-ea"/>
-                <a:cs typeface="+mn-cs"/>
-              </a:rPr>
-              <a:t>LAB</a:t>
-            </a:r>
-          </a:p>
-        </p:txBody>
-      </p:sp>
-      <p:pic>
-        <p:nvPicPr>
-          <p:cNvPr id="2" name="Picture 1" descr="lab.gif"/>
-          <p:cNvPicPr>
-            <a:picLocks noChangeAspect="1"/>
-          </p:cNvPicPr>
-          <p:nvPr userDrawn="1"/>
-        </p:nvPicPr>
-        <p:blipFill>
-          <a:blip r:embed="rId2">
-            <a:extLst>
-              <a:ext uri="{28A0092B-C50C-407E-A947-70E740481C1C}">
-                <a14:useLocalDpi xmlns:a14="http://schemas.microsoft.com/office/drawing/2010/main" val="0"/>
-              </a:ext>
-            </a:extLst>
-          </a:blip>
-          <a:stretch>
-            <a:fillRect/>
-          </a:stretch>
-        </p:blipFill>
-        <p:spPr>
-          <a:xfrm>
-            <a:off x="13274049" y="215274"/>
-            <a:ext cx="2407901" cy="2407901"/>
-          </a:xfrm>
-          <a:prstGeom prst="rect">
-            <a:avLst/>
-          </a:prstGeom>
-        </p:spPr>
-      </p:pic>
-      <p:sp>
-        <p:nvSpPr>
-          <p:cNvPr id="6" name="Title 1"/>
-          <p:cNvSpPr>
-            <a:spLocks noGrp="1"/>
-          </p:cNvSpPr>
-          <p:nvPr>
-            <p:ph type="ctrTitle" hasCustomPrompt="1"/>
-          </p:nvPr>
-        </p:nvSpPr>
-        <p:spPr bwMode="white">
-          <a:xfrm>
-            <a:off x="1660524" y="2294619"/>
-            <a:ext cx="12330113" cy="852712"/>
-          </a:xfrm>
-        </p:spPr>
-        <p:txBody>
-          <a:bodyPr lIns="91440" tIns="91440" rIns="91440" bIns="91440" anchor="ctr"/>
-          <a:lstStyle>
-            <a:lvl1pPr>
-              <a:lnSpc>
-                <a:spcPct val="90000"/>
-              </a:lnSpc>
-              <a:defRPr sz="6400" b="1" spc="0" baseline="0">
-                <a:solidFill>
-                  <a:schemeClr val="accent1"/>
-                </a:solidFill>
-              </a:defRPr>
-            </a:lvl1pPr>
-          </a:lstStyle>
-          <a:p>
-            <a:r>
-              <a:rPr lang="en-US" dirty="0" smtClean="0"/>
-              <a:t>Lab</a:t>
-            </a:r>
-            <a:endParaRPr lang="en-US" dirty="0"/>
-          </a:p>
-        </p:txBody>
-      </p:sp>
-      <p:sp>
-        <p:nvSpPr>
-          <p:cNvPr id="10" name="Subtitle 2"/>
-          <p:cNvSpPr>
-            <a:spLocks noGrp="1"/>
-          </p:cNvSpPr>
-          <p:nvPr>
-            <p:ph type="subTitle" idx="1"/>
-          </p:nvPr>
-        </p:nvSpPr>
-        <p:spPr bwMode="white">
-          <a:xfrm>
-            <a:off x="1671638" y="3260725"/>
-            <a:ext cx="12319000" cy="3346421"/>
-          </a:xfrm>
-          <a:prstGeom prst="rect">
-            <a:avLst/>
-          </a:prstGeom>
-        </p:spPr>
-        <p:txBody>
-          <a:bodyPr lIns="91440" tIns="91440" rIns="91440" bIns="91440">
-            <a:noAutofit/>
-          </a:bodyPr>
-          <a:lstStyle>
-            <a:lvl1pPr marL="571500" indent="-571500" algn="l">
-              <a:lnSpc>
-                <a:spcPct val="100000"/>
-              </a:lnSpc>
-              <a:spcBef>
-                <a:spcPts val="0"/>
-              </a:spcBef>
-              <a:buFont typeface="Wingdings" charset="2"/>
-              <a:buChar char="q"/>
-              <a:defRPr sz="2800" baseline="0">
-                <a:solidFill>
-                  <a:schemeClr val="accent3">
-                    <a:lumMod val="50000"/>
-                  </a:schemeClr>
-                </a:solidFill>
-              </a:defRPr>
-            </a:lvl1pPr>
-            <a:lvl2pPr marL="609561" indent="0" algn="ctr">
-              <a:buNone/>
-              <a:defRPr>
-                <a:solidFill>
-                  <a:schemeClr val="tx1">
-                    <a:tint val="75000"/>
-                  </a:schemeClr>
-                </a:solidFill>
-              </a:defRPr>
-            </a:lvl2pPr>
-            <a:lvl3pPr marL="1219120" indent="0" algn="ctr">
-              <a:buNone/>
-              <a:defRPr>
-                <a:solidFill>
-                  <a:schemeClr val="tx1">
-                    <a:tint val="75000"/>
-                  </a:schemeClr>
-                </a:solidFill>
-              </a:defRPr>
-            </a:lvl3pPr>
-            <a:lvl4pPr marL="1828681" indent="0" algn="ctr">
-              <a:buNone/>
-              <a:defRPr>
-                <a:solidFill>
-                  <a:schemeClr val="tx1">
-                    <a:tint val="75000"/>
-                  </a:schemeClr>
-                </a:solidFill>
-              </a:defRPr>
-            </a:lvl4pPr>
-            <a:lvl5pPr marL="2438242" indent="0" algn="ctr">
-              <a:buNone/>
-              <a:defRPr>
-                <a:solidFill>
-                  <a:schemeClr val="tx1">
-                    <a:tint val="75000"/>
-                  </a:schemeClr>
-                </a:solidFill>
-              </a:defRPr>
-            </a:lvl5pPr>
-            <a:lvl6pPr marL="3047802" indent="0" algn="ctr">
-              <a:buNone/>
-              <a:defRPr>
-                <a:solidFill>
-                  <a:schemeClr val="tx1">
-                    <a:tint val="75000"/>
-                  </a:schemeClr>
-                </a:solidFill>
-              </a:defRPr>
-            </a:lvl6pPr>
-            <a:lvl7pPr marL="3657362" indent="0" algn="ctr">
-              <a:buNone/>
-              <a:defRPr>
-                <a:solidFill>
-                  <a:schemeClr val="tx1">
-                    <a:tint val="75000"/>
-                  </a:schemeClr>
-                </a:solidFill>
-              </a:defRPr>
-            </a:lvl7pPr>
-            <a:lvl8pPr marL="4266923" indent="0" algn="ctr">
-              <a:buNone/>
-              <a:defRPr>
-                <a:solidFill>
-                  <a:schemeClr val="tx1">
-                    <a:tint val="75000"/>
-                  </a:schemeClr>
-                </a:solidFill>
-              </a:defRPr>
-            </a:lvl8pPr>
-            <a:lvl9pPr marL="4876483" indent="0" algn="ctr">
-              <a:buNone/>
-              <a:defRPr>
-                <a:solidFill>
-                  <a:schemeClr val="tx1">
-                    <a:tint val="75000"/>
-                  </a:schemeClr>
-                </a:solidFill>
-              </a:defRPr>
-            </a:lvl9pPr>
-          </a:lstStyle>
-          <a:p>
-            <a:r>
-              <a:rPr lang="en-US" dirty="0" smtClean="0"/>
-              <a:t>Click to edit Master subtitle style</a:t>
-            </a:r>
-          </a:p>
-        </p:txBody>
-      </p:sp>
-    </p:spTree>
-    <p:extLst>
-      <p:ext uri="{BB962C8B-B14F-4D97-AF65-F5344CB8AC3E}">
-        <p14:creationId xmlns:p14="http://schemas.microsoft.com/office/powerpoint/2010/main" val="952892369"/>
+        <p14:creationId xmlns:p14="http://schemas.microsoft.com/office/powerpoint/2010/main" val="1105998384"/>
       </p:ext>
     </p:extLst>
   </p:cSld>
@@ -8478,318 +8471,6 @@
 
 <file path=ppt/slideLayouts/slideLayout20.xml><?xml version="1.0" encoding="utf-8"?>
 <p:sldLayout xmlns:a="http://schemas.openxmlformats.org/drawingml/2006/main" xmlns:r="http://schemas.openxmlformats.org/officeDocument/2006/relationships" xmlns:p="http://schemas.openxmlformats.org/presentationml/2006/main" preserve="1" userDrawn="1">
-  <p:cSld name="Version Control">
-    <p:spTree>
-      <p:nvGrpSpPr>
-        <p:cNvPr id="1" name=""/>
-        <p:cNvGrpSpPr/>
-        <p:nvPr/>
-      </p:nvGrpSpPr>
-      <p:grpSpPr>
-        <a:xfrm>
-          <a:off x="0" y="0"/>
-          <a:ext cx="0" cy="0"/>
-          <a:chOff x="0" y="0"/>
-          <a:chExt cx="0" cy="0"/>
-        </a:xfrm>
-      </p:grpSpPr>
-      <p:sp>
-        <p:nvSpPr>
-          <p:cNvPr id="5" name="TextBox 4"/>
-          <p:cNvSpPr txBox="1"/>
-          <p:nvPr/>
-        </p:nvSpPr>
-        <p:spPr bwMode="white">
-          <a:xfrm>
-            <a:off x="136961" y="144390"/>
-            <a:ext cx="12824551" cy="2378219"/>
-          </a:xfrm>
-          <a:prstGeom prst="rect">
-            <a:avLst/>
-          </a:prstGeom>
-          <a:noFill/>
-          <a:ln>
-            <a:noFill/>
-          </a:ln>
-          <a:effectLst/>
-        </p:spPr>
-        <p:txBody>
-          <a:bodyPr lIns="121920" tIns="121920" rIns="121920" bIns="121920" anchor="ctr"/>
-          <a:lstStyle/>
-          <a:p>
-            <a:pPr defTabSz="1219120" fontAlgn="auto">
-              <a:spcBef>
-                <a:spcPts val="0"/>
-              </a:spcBef>
-              <a:spcAft>
-                <a:spcPts val="0"/>
-              </a:spcAft>
-              <a:defRPr/>
-            </a:pPr>
-            <a:r>
-              <a:rPr lang="en-US" sz="16933" dirty="0">
-                <a:ln w="18415" cmpd="sng">
-                  <a:solidFill>
-                    <a:srgbClr val="FFFFFF"/>
-                  </a:solidFill>
-                  <a:prstDash val="solid"/>
-                </a:ln>
-                <a:solidFill>
-                  <a:schemeClr val="bg2">
-                    <a:lumMod val="95000"/>
-                    <a:alpha val="50000"/>
-                  </a:schemeClr>
-                </a:solidFill>
-                <a:latin typeface="+mn-lt"/>
-                <a:ea typeface="+mn-ea"/>
-                <a:cs typeface="+mn-cs"/>
-              </a:rPr>
-              <a:t>COMMIT</a:t>
-            </a:r>
-          </a:p>
-        </p:txBody>
-      </p:sp>
-      <p:pic>
-        <p:nvPicPr>
-          <p:cNvPr id="2" name="Picture 1" descr="commit.gif"/>
-          <p:cNvPicPr>
-            <a:picLocks noChangeAspect="1"/>
-          </p:cNvPicPr>
-          <p:nvPr userDrawn="1"/>
-        </p:nvPicPr>
-        <p:blipFill>
-          <a:blip r:embed="rId2">
-            <a:extLst>
-              <a:ext uri="{28A0092B-C50C-407E-A947-70E740481C1C}">
-                <a14:useLocalDpi xmlns:a14="http://schemas.microsoft.com/office/drawing/2010/main" val="0"/>
-              </a:ext>
-            </a:extLst>
-          </a:blip>
-          <a:stretch>
-            <a:fillRect/>
-          </a:stretch>
-        </p:blipFill>
-        <p:spPr>
-          <a:xfrm>
-            <a:off x="13275968" y="-183233"/>
-            <a:ext cx="2404063" cy="3204916"/>
-          </a:xfrm>
-          <a:prstGeom prst="rect">
-            <a:avLst/>
-          </a:prstGeom>
-        </p:spPr>
-      </p:pic>
-      <p:sp>
-        <p:nvSpPr>
-          <p:cNvPr id="6" name="Title 1"/>
-          <p:cNvSpPr>
-            <a:spLocks noGrp="1"/>
-          </p:cNvSpPr>
-          <p:nvPr>
-            <p:ph type="ctrTitle" hasCustomPrompt="1"/>
-          </p:nvPr>
-        </p:nvSpPr>
-        <p:spPr bwMode="white">
-          <a:xfrm>
-            <a:off x="1660524" y="2294619"/>
-            <a:ext cx="12330113" cy="852712"/>
-          </a:xfrm>
-        </p:spPr>
-        <p:txBody>
-          <a:bodyPr lIns="91440" tIns="91440" rIns="91440" bIns="91440" anchor="ctr"/>
-          <a:lstStyle>
-            <a:lvl1pPr>
-              <a:lnSpc>
-                <a:spcPct val="90000"/>
-              </a:lnSpc>
-              <a:defRPr sz="6400" b="1" spc="0" baseline="0">
-                <a:solidFill>
-                  <a:schemeClr val="accent1"/>
-                </a:solidFill>
-              </a:defRPr>
-            </a:lvl1pPr>
-          </a:lstStyle>
-          <a:p>
-            <a:r>
-              <a:rPr lang="en-US" dirty="0" smtClean="0"/>
-              <a:t>Commit</a:t>
-            </a:r>
-            <a:endParaRPr lang="en-US" dirty="0"/>
-          </a:p>
-        </p:txBody>
-      </p:sp>
-      <p:sp>
-        <p:nvSpPr>
-          <p:cNvPr id="10" name="Subtitle 2"/>
-          <p:cNvSpPr>
-            <a:spLocks noGrp="1"/>
-          </p:cNvSpPr>
-          <p:nvPr>
-            <p:ph type="subTitle" idx="1" hasCustomPrompt="1"/>
-          </p:nvPr>
-        </p:nvSpPr>
-        <p:spPr bwMode="white">
-          <a:xfrm>
-            <a:off x="1660524" y="3273285"/>
-            <a:ext cx="12330113" cy="3346421"/>
-          </a:xfrm>
-          <a:prstGeom prst="rect">
-            <a:avLst/>
-          </a:prstGeom>
-        </p:spPr>
-        <p:txBody>
-          <a:bodyPr lIns="91440" tIns="91440" rIns="91440" bIns="91440">
-            <a:noAutofit/>
-          </a:bodyPr>
-          <a:lstStyle>
-            <a:lvl1pPr marL="0" indent="0" algn="l">
-              <a:lnSpc>
-                <a:spcPct val="100000"/>
-              </a:lnSpc>
-              <a:spcBef>
-                <a:spcPts val="0"/>
-              </a:spcBef>
-              <a:buNone/>
-              <a:defRPr sz="2800" baseline="0">
-                <a:solidFill>
-                  <a:schemeClr val="accent3">
-                    <a:lumMod val="50000"/>
-                  </a:schemeClr>
-                </a:solidFill>
-                <a:latin typeface="Courier New" panose="02070309020205020404" pitchFamily="49" charset="0"/>
-                <a:cs typeface="Courier New" panose="02070309020205020404" pitchFamily="49" charset="0"/>
-              </a:defRPr>
-            </a:lvl1pPr>
-            <a:lvl2pPr marL="609561" indent="0" algn="ctr">
-              <a:buNone/>
-              <a:defRPr>
-                <a:solidFill>
-                  <a:schemeClr val="tx1">
-                    <a:tint val="75000"/>
-                  </a:schemeClr>
-                </a:solidFill>
-              </a:defRPr>
-            </a:lvl2pPr>
-            <a:lvl3pPr marL="1219120" indent="0" algn="ctr">
-              <a:buNone/>
-              <a:defRPr>
-                <a:solidFill>
-                  <a:schemeClr val="tx1">
-                    <a:tint val="75000"/>
-                  </a:schemeClr>
-                </a:solidFill>
-              </a:defRPr>
-            </a:lvl3pPr>
-            <a:lvl4pPr marL="1828681" indent="0" algn="ctr">
-              <a:buNone/>
-              <a:defRPr>
-                <a:solidFill>
-                  <a:schemeClr val="tx1">
-                    <a:tint val="75000"/>
-                  </a:schemeClr>
-                </a:solidFill>
-              </a:defRPr>
-            </a:lvl4pPr>
-            <a:lvl5pPr marL="2438242" indent="0" algn="ctr">
-              <a:buNone/>
-              <a:defRPr>
-                <a:solidFill>
-                  <a:schemeClr val="tx1">
-                    <a:tint val="75000"/>
-                  </a:schemeClr>
-                </a:solidFill>
-              </a:defRPr>
-            </a:lvl5pPr>
-            <a:lvl6pPr marL="3047802" indent="0" algn="ctr">
-              <a:buNone/>
-              <a:defRPr>
-                <a:solidFill>
-                  <a:schemeClr val="tx1">
-                    <a:tint val="75000"/>
-                  </a:schemeClr>
-                </a:solidFill>
-              </a:defRPr>
-            </a:lvl6pPr>
-            <a:lvl7pPr marL="3657362" indent="0" algn="ctr">
-              <a:buNone/>
-              <a:defRPr>
-                <a:solidFill>
-                  <a:schemeClr val="tx1">
-                    <a:tint val="75000"/>
-                  </a:schemeClr>
-                </a:solidFill>
-              </a:defRPr>
-            </a:lvl7pPr>
-            <a:lvl8pPr marL="4266923" indent="0" algn="ctr">
-              <a:buNone/>
-              <a:defRPr>
-                <a:solidFill>
-                  <a:schemeClr val="tx1">
-                    <a:tint val="75000"/>
-                  </a:schemeClr>
-                </a:solidFill>
-              </a:defRPr>
-            </a:lvl8pPr>
-            <a:lvl9pPr marL="4876483" indent="0" algn="ctr">
-              <a:buNone/>
-              <a:defRPr>
-                <a:solidFill>
-                  <a:schemeClr val="tx1">
-                    <a:tint val="75000"/>
-                  </a:schemeClr>
-                </a:solidFill>
-              </a:defRPr>
-            </a:lvl9pPr>
-          </a:lstStyle>
-          <a:p>
-            <a:r>
-              <a:rPr lang="en-US" dirty="0" smtClean="0"/>
-              <a:t>$ cd repo</a:t>
-            </a:r>
-          </a:p>
-          <a:p>
-            <a:r>
-              <a:rPr lang="en-US" dirty="0" smtClean="0"/>
-              <a:t>$ git </a:t>
-            </a:r>
-            <a:r>
-              <a:rPr lang="en-US" dirty="0" err="1" smtClean="0"/>
-              <a:t>init</a:t>
-            </a:r>
-            <a:endParaRPr lang="en-US" dirty="0" smtClean="0"/>
-          </a:p>
-          <a:p>
-            <a:r>
-              <a:rPr lang="en-US" dirty="0" smtClean="0"/>
-              <a:t>$ git add .</a:t>
-            </a:r>
-          </a:p>
-          <a:p>
-            <a:r>
-              <a:rPr lang="en-US" dirty="0" smtClean="0"/>
-              <a:t>$ git commit -m "Work Complete"</a:t>
-            </a:r>
-          </a:p>
-        </p:txBody>
-      </p:sp>
-    </p:spTree>
-    <p:extLst>
-      <p:ext uri="{BB962C8B-B14F-4D97-AF65-F5344CB8AC3E}">
-        <p14:creationId xmlns:p14="http://schemas.microsoft.com/office/powerpoint/2010/main" val="1105998384"/>
-      </p:ext>
-    </p:extLst>
-  </p:cSld>
-  <p:clrMapOvr>
-    <a:masterClrMapping/>
-  </p:clrMapOvr>
-  <p:transition spd="med">
-    <p:fade/>
-  </p:transition>
-</p:sldLayout>
-</file>
-
-<file path=ppt/slideLayouts/slideLayout21.xml><?xml version="1.0" encoding="utf-8"?>
-<p:sldLayout xmlns:a="http://schemas.openxmlformats.org/drawingml/2006/main" xmlns:r="http://schemas.openxmlformats.org/officeDocument/2006/relationships" xmlns:p="http://schemas.openxmlformats.org/presentationml/2006/main" preserve="1" userDrawn="1">
   <p:cSld name="Discussion">
     <p:spTree>
       <p:nvGrpSpPr>
@@ -9085,711 +8766,6 @@
   </p:cSld>
   <p:clrMapOvr>
     <a:masterClrMapping/>
-  </p:clrMapOvr>
-  <p:transition spd="med">
-    <p:fade/>
-  </p:transition>
-</p:sldLayout>
-</file>
-
-<file path=ppt/slideLayouts/slideLayout22.xml><?xml version="1.0" encoding="utf-8"?>
-<p:sldLayout xmlns:a="http://schemas.openxmlformats.org/drawingml/2006/main" xmlns:r="http://schemas.openxmlformats.org/officeDocument/2006/relationships" xmlns:p="http://schemas.openxmlformats.org/presentationml/2006/main" userDrawn="1">
-  <p:cSld name="Comparison">
-    <p:bg>
-      <p:bgPr>
-        <a:gradFill>
-          <a:gsLst>
-            <a:gs pos="0">
-              <a:schemeClr val="bg2">
-                <a:lumMod val="95000"/>
-              </a:schemeClr>
-            </a:gs>
-            <a:gs pos="100000">
-              <a:schemeClr val="bg2"/>
-            </a:gs>
-          </a:gsLst>
-          <a:lin ang="5400000" scaled="1"/>
-        </a:gradFill>
-        <a:effectLst/>
-      </p:bgPr>
-    </p:bg>
-    <p:spTree>
-      <p:nvGrpSpPr>
-        <p:cNvPr id="1" name=""/>
-        <p:cNvGrpSpPr/>
-        <p:nvPr/>
-      </p:nvGrpSpPr>
-      <p:grpSpPr>
-        <a:xfrm>
-          <a:off x="0" y="0"/>
-          <a:ext cx="0" cy="0"/>
-          <a:chOff x="0" y="0"/>
-          <a:chExt cx="0" cy="0"/>
-        </a:xfrm>
-      </p:grpSpPr>
-      <p:sp>
-        <p:nvSpPr>
-          <p:cNvPr id="6" name="Rectangle 5"/>
-          <p:cNvSpPr/>
-          <p:nvPr/>
-        </p:nvSpPr>
-        <p:spPr bwMode="auto">
-          <a:xfrm>
-            <a:off x="0" y="0"/>
-            <a:ext cx="8089900" cy="9144000"/>
-          </a:xfrm>
-          <a:prstGeom prst="rect">
-            <a:avLst/>
-          </a:prstGeom>
-          <a:solidFill>
-            <a:schemeClr val="bg1">
-              <a:lumMod val="85000"/>
-              <a:alpha val="25000"/>
-            </a:schemeClr>
-          </a:solidFill>
-          <a:ln>
-            <a:noFill/>
-            <a:headEnd type="none" w="med" len="med"/>
-            <a:tailEnd type="none" w="med" len="med"/>
-          </a:ln>
-          <a:effectLst/>
-        </p:spPr>
-        <p:style>
-          <a:lnRef idx="1">
-            <a:schemeClr val="accent4"/>
-          </a:lnRef>
-          <a:fillRef idx="3">
-            <a:schemeClr val="accent4"/>
-          </a:fillRef>
-          <a:effectRef idx="2">
-            <a:schemeClr val="accent4"/>
-          </a:effectRef>
-          <a:fontRef idx="minor">
-            <a:schemeClr val="lt1"/>
-          </a:fontRef>
-        </p:style>
-        <p:txBody>
-          <a:bodyPr lIns="121915" tIns="60957" rIns="121915" bIns="60957" anchor="ctr"/>
-          <a:lstStyle/>
-          <a:p>
-            <a:pPr algn="ctr" defTabSz="1218768" fontAlgn="auto">
-              <a:spcBef>
-                <a:spcPts val="0"/>
-              </a:spcBef>
-              <a:spcAft>
-                <a:spcPts val="0"/>
-              </a:spcAft>
-              <a:defRPr/>
-            </a:pPr>
-            <a:endParaRPr lang="en-US" sz="3200" dirty="0">
-              <a:gradFill>
-                <a:gsLst>
-                  <a:gs pos="0">
-                    <a:srgbClr val="FFFFFF"/>
-                  </a:gs>
-                  <a:gs pos="100000">
-                    <a:srgbClr val="FFFFFF"/>
-                  </a:gs>
-                </a:gsLst>
-                <a:lin ang="5400000" scaled="0"/>
-              </a:gradFill>
-            </a:endParaRPr>
-          </a:p>
-        </p:txBody>
-      </p:sp>
-      <p:sp>
-        <p:nvSpPr>
-          <p:cNvPr id="8" name="TextBox 9"/>
-          <p:cNvSpPr txBox="1">
-            <a:spLocks noChangeArrowheads="1"/>
-          </p:cNvSpPr>
-          <p:nvPr/>
-        </p:nvSpPr>
-        <p:spPr bwMode="white">
-          <a:xfrm>
-            <a:off x="5602288" y="554038"/>
-            <a:ext cx="1219200" cy="1219200"/>
-          </a:xfrm>
-          <a:prstGeom prst="rect">
-            <a:avLst/>
-          </a:prstGeom>
-          <a:noFill/>
-          <a:ln>
-            <a:noFill/>
-          </a:ln>
-          <a:extLst>
-            <a:ext uri="{909E8E84-426E-40dd-AFC4-6F175D3DCCD1}">
-              <a14:hiddenFill xmlns:a14="http://schemas.microsoft.com/office/drawing/2010/main" xmlns="">
-                <a:solidFill>
-                  <a:srgbClr val="FFFFFF"/>
-                </a:solidFill>
-              </a14:hiddenFill>
-            </a:ext>
-            <a:ext uri="{91240B29-F687-4f45-9708-019B960494DF}">
-              <a14:hiddenLine xmlns:a14="http://schemas.microsoft.com/office/drawing/2010/main" xmlns="" w="9525">
-                <a:solidFill>
-                  <a:srgbClr val="000000"/>
-                </a:solidFill>
-                <a:miter lim="800000"/>
-                <a:headEnd/>
-                <a:tailEnd/>
-              </a14:hiddenLine>
-            </a:ext>
-          </a:extLst>
-        </p:spPr>
-        <p:txBody>
-          <a:bodyPr wrap="none" lIns="121920" tIns="121920" rIns="121920" bIns="121920"/>
-          <a:lstStyle>
-            <a:lvl1pPr>
-              <a:defRPr sz="2400">
-                <a:solidFill>
-                  <a:schemeClr val="tx1"/>
-                </a:solidFill>
-                <a:latin typeface="Arial" charset="0"/>
-                <a:ea typeface="ＭＳ Ｐゴシック" charset="0"/>
-                <a:cs typeface="ＭＳ Ｐゴシック" charset="0"/>
-              </a:defRPr>
-            </a:lvl1pPr>
-            <a:lvl2pPr marL="742950" indent="-285750">
-              <a:defRPr sz="2400">
-                <a:solidFill>
-                  <a:schemeClr val="tx1"/>
-                </a:solidFill>
-                <a:latin typeface="Arial" charset="0"/>
-                <a:ea typeface="ＭＳ Ｐゴシック" charset="0"/>
-              </a:defRPr>
-            </a:lvl2pPr>
-            <a:lvl3pPr marL="1143000" indent="-228600">
-              <a:defRPr sz="2400">
-                <a:solidFill>
-                  <a:schemeClr val="tx1"/>
-                </a:solidFill>
-                <a:latin typeface="Arial" charset="0"/>
-                <a:ea typeface="ＭＳ Ｐゴシック" charset="0"/>
-              </a:defRPr>
-            </a:lvl3pPr>
-            <a:lvl4pPr marL="1600200" indent="-228600">
-              <a:defRPr sz="2400">
-                <a:solidFill>
-                  <a:schemeClr val="tx1"/>
-                </a:solidFill>
-                <a:latin typeface="Arial" charset="0"/>
-                <a:ea typeface="ＭＳ Ｐゴシック" charset="0"/>
-              </a:defRPr>
-            </a:lvl4pPr>
-            <a:lvl5pPr marL="2057400" indent="-228600">
-              <a:defRPr sz="2400">
-                <a:solidFill>
-                  <a:schemeClr val="tx1"/>
-                </a:solidFill>
-                <a:latin typeface="Arial" charset="0"/>
-                <a:ea typeface="ＭＳ Ｐゴシック" charset="0"/>
-              </a:defRPr>
-            </a:lvl5pPr>
-            <a:lvl6pPr marL="2514600" indent="-228600" defTabSz="1217613" fontAlgn="base">
-              <a:spcBef>
-                <a:spcPct val="0"/>
-              </a:spcBef>
-              <a:spcAft>
-                <a:spcPct val="0"/>
-              </a:spcAft>
-              <a:defRPr sz="2400">
-                <a:solidFill>
-                  <a:schemeClr val="tx1"/>
-                </a:solidFill>
-                <a:latin typeface="Arial" charset="0"/>
-                <a:ea typeface="ＭＳ Ｐゴシック" charset="0"/>
-              </a:defRPr>
-            </a:lvl6pPr>
-            <a:lvl7pPr marL="2971800" indent="-228600" defTabSz="1217613" fontAlgn="base">
-              <a:spcBef>
-                <a:spcPct val="0"/>
-              </a:spcBef>
-              <a:spcAft>
-                <a:spcPct val="0"/>
-              </a:spcAft>
-              <a:defRPr sz="2400">
-                <a:solidFill>
-                  <a:schemeClr val="tx1"/>
-                </a:solidFill>
-                <a:latin typeface="Arial" charset="0"/>
-                <a:ea typeface="ＭＳ Ｐゴシック" charset="0"/>
-              </a:defRPr>
-            </a:lvl7pPr>
-            <a:lvl8pPr marL="3429000" indent="-228600" defTabSz="1217613" fontAlgn="base">
-              <a:spcBef>
-                <a:spcPct val="0"/>
-              </a:spcBef>
-              <a:spcAft>
-                <a:spcPct val="0"/>
-              </a:spcAft>
-              <a:defRPr sz="2400">
-                <a:solidFill>
-                  <a:schemeClr val="tx1"/>
-                </a:solidFill>
-                <a:latin typeface="Arial" charset="0"/>
-                <a:ea typeface="ＭＳ Ｐゴシック" charset="0"/>
-              </a:defRPr>
-            </a:lvl8pPr>
-            <a:lvl9pPr marL="3886200" indent="-228600" defTabSz="1217613" fontAlgn="base">
-              <a:spcBef>
-                <a:spcPct val="0"/>
-              </a:spcBef>
-              <a:spcAft>
-                <a:spcPct val="0"/>
-              </a:spcAft>
-              <a:defRPr sz="2400">
-                <a:solidFill>
-                  <a:schemeClr val="tx1"/>
-                </a:solidFill>
-                <a:latin typeface="Arial" charset="0"/>
-                <a:ea typeface="ＭＳ Ｐゴシック" charset="0"/>
-              </a:defRPr>
-            </a:lvl9pPr>
-          </a:lstStyle>
-          <a:p>
-            <a:endParaRPr lang="en-US" sz="3200"/>
-          </a:p>
-        </p:txBody>
-      </p:sp>
-      <p:sp>
-        <p:nvSpPr>
-          <p:cNvPr id="10" name="TextBox 10"/>
-          <p:cNvSpPr txBox="1">
-            <a:spLocks noChangeArrowheads="1"/>
-          </p:cNvSpPr>
-          <p:nvPr/>
-        </p:nvSpPr>
-        <p:spPr bwMode="white">
-          <a:xfrm>
-            <a:off x="8610600" y="530225"/>
-            <a:ext cx="1219200" cy="1219200"/>
-          </a:xfrm>
-          <a:prstGeom prst="rect">
-            <a:avLst/>
-          </a:prstGeom>
-          <a:noFill/>
-          <a:ln>
-            <a:noFill/>
-          </a:ln>
-          <a:extLst>
-            <a:ext uri="{909E8E84-426E-40dd-AFC4-6F175D3DCCD1}">
-              <a14:hiddenFill xmlns:a14="http://schemas.microsoft.com/office/drawing/2010/main" xmlns="">
-                <a:solidFill>
-                  <a:srgbClr val="FFFFFF"/>
-                </a:solidFill>
-              </a14:hiddenFill>
-            </a:ext>
-            <a:ext uri="{91240B29-F687-4f45-9708-019B960494DF}">
-              <a14:hiddenLine xmlns:a14="http://schemas.microsoft.com/office/drawing/2010/main" xmlns="" w="9525">
-                <a:solidFill>
-                  <a:srgbClr val="000000"/>
-                </a:solidFill>
-                <a:miter lim="800000"/>
-                <a:headEnd/>
-                <a:tailEnd/>
-              </a14:hiddenLine>
-            </a:ext>
-          </a:extLst>
-        </p:spPr>
-        <p:txBody>
-          <a:bodyPr wrap="none" lIns="121920" tIns="121920" rIns="121920" bIns="121920"/>
-          <a:lstStyle>
-            <a:lvl1pPr>
-              <a:defRPr sz="2400">
-                <a:solidFill>
-                  <a:schemeClr val="tx1"/>
-                </a:solidFill>
-                <a:latin typeface="Arial" charset="0"/>
-                <a:ea typeface="ＭＳ Ｐゴシック" charset="0"/>
-                <a:cs typeface="ＭＳ Ｐゴシック" charset="0"/>
-              </a:defRPr>
-            </a:lvl1pPr>
-            <a:lvl2pPr marL="742950" indent="-285750">
-              <a:defRPr sz="2400">
-                <a:solidFill>
-                  <a:schemeClr val="tx1"/>
-                </a:solidFill>
-                <a:latin typeface="Arial" charset="0"/>
-                <a:ea typeface="ＭＳ Ｐゴシック" charset="0"/>
-              </a:defRPr>
-            </a:lvl2pPr>
-            <a:lvl3pPr marL="1143000" indent="-228600">
-              <a:defRPr sz="2400">
-                <a:solidFill>
-                  <a:schemeClr val="tx1"/>
-                </a:solidFill>
-                <a:latin typeface="Arial" charset="0"/>
-                <a:ea typeface="ＭＳ Ｐゴシック" charset="0"/>
-              </a:defRPr>
-            </a:lvl3pPr>
-            <a:lvl4pPr marL="1600200" indent="-228600">
-              <a:defRPr sz="2400">
-                <a:solidFill>
-                  <a:schemeClr val="tx1"/>
-                </a:solidFill>
-                <a:latin typeface="Arial" charset="0"/>
-                <a:ea typeface="ＭＳ Ｐゴシック" charset="0"/>
-              </a:defRPr>
-            </a:lvl4pPr>
-            <a:lvl5pPr marL="2057400" indent="-228600">
-              <a:defRPr sz="2400">
-                <a:solidFill>
-                  <a:schemeClr val="tx1"/>
-                </a:solidFill>
-                <a:latin typeface="Arial" charset="0"/>
-                <a:ea typeface="ＭＳ Ｐゴシック" charset="0"/>
-              </a:defRPr>
-            </a:lvl5pPr>
-            <a:lvl6pPr marL="2514600" indent="-228600" defTabSz="1217613" fontAlgn="base">
-              <a:spcBef>
-                <a:spcPct val="0"/>
-              </a:spcBef>
-              <a:spcAft>
-                <a:spcPct val="0"/>
-              </a:spcAft>
-              <a:defRPr sz="2400">
-                <a:solidFill>
-                  <a:schemeClr val="tx1"/>
-                </a:solidFill>
-                <a:latin typeface="Arial" charset="0"/>
-                <a:ea typeface="ＭＳ Ｐゴシック" charset="0"/>
-              </a:defRPr>
-            </a:lvl6pPr>
-            <a:lvl7pPr marL="2971800" indent="-228600" defTabSz="1217613" fontAlgn="base">
-              <a:spcBef>
-                <a:spcPct val="0"/>
-              </a:spcBef>
-              <a:spcAft>
-                <a:spcPct val="0"/>
-              </a:spcAft>
-              <a:defRPr sz="2400">
-                <a:solidFill>
-                  <a:schemeClr val="tx1"/>
-                </a:solidFill>
-                <a:latin typeface="Arial" charset="0"/>
-                <a:ea typeface="ＭＳ Ｐゴシック" charset="0"/>
-              </a:defRPr>
-            </a:lvl7pPr>
-            <a:lvl8pPr marL="3429000" indent="-228600" defTabSz="1217613" fontAlgn="base">
-              <a:spcBef>
-                <a:spcPct val="0"/>
-              </a:spcBef>
-              <a:spcAft>
-                <a:spcPct val="0"/>
-              </a:spcAft>
-              <a:defRPr sz="2400">
-                <a:solidFill>
-                  <a:schemeClr val="tx1"/>
-                </a:solidFill>
-                <a:latin typeface="Arial" charset="0"/>
-                <a:ea typeface="ＭＳ Ｐゴシック" charset="0"/>
-              </a:defRPr>
-            </a:lvl8pPr>
-            <a:lvl9pPr marL="3886200" indent="-228600" defTabSz="1217613" fontAlgn="base">
-              <a:spcBef>
-                <a:spcPct val="0"/>
-              </a:spcBef>
-              <a:spcAft>
-                <a:spcPct val="0"/>
-              </a:spcAft>
-              <a:defRPr sz="2400">
-                <a:solidFill>
-                  <a:schemeClr val="tx1"/>
-                </a:solidFill>
-                <a:latin typeface="Arial" charset="0"/>
-                <a:ea typeface="ＭＳ Ｐゴシック" charset="0"/>
-              </a:defRPr>
-            </a:lvl9pPr>
-          </a:lstStyle>
-          <a:p>
-            <a:endParaRPr lang="en-US" sz="3200"/>
-          </a:p>
-        </p:txBody>
-      </p:sp>
-      <p:cxnSp>
-        <p:nvCxnSpPr>
-          <p:cNvPr id="11" name="Straight Connector 10"/>
-          <p:cNvCxnSpPr/>
-          <p:nvPr/>
-        </p:nvCxnSpPr>
-        <p:spPr>
-          <a:xfrm flipV="1">
-            <a:off x="617538" y="1171575"/>
-            <a:ext cx="7312025" cy="9525"/>
-          </a:xfrm>
-          <a:prstGeom prst="line">
-            <a:avLst/>
-          </a:prstGeom>
-          <a:effectLst/>
-        </p:spPr>
-        <p:style>
-          <a:lnRef idx="2">
-            <a:schemeClr val="accent1"/>
-          </a:lnRef>
-          <a:fillRef idx="0">
-            <a:schemeClr val="accent1"/>
-          </a:fillRef>
-          <a:effectRef idx="1">
-            <a:schemeClr val="accent1"/>
-          </a:effectRef>
-          <a:fontRef idx="minor">
-            <a:schemeClr val="tx1"/>
-          </a:fontRef>
-        </p:style>
-      </p:cxnSp>
-      <p:cxnSp>
-        <p:nvCxnSpPr>
-          <p:cNvPr id="12" name="Straight Connector 11"/>
-          <p:cNvCxnSpPr/>
-          <p:nvPr/>
-        </p:nvCxnSpPr>
-        <p:spPr>
-          <a:xfrm flipV="1">
-            <a:off x="8235950" y="1179513"/>
-            <a:ext cx="7308850" cy="1587"/>
-          </a:xfrm>
-          <a:prstGeom prst="line">
-            <a:avLst/>
-          </a:prstGeom>
-          <a:effectLst/>
-        </p:spPr>
-        <p:style>
-          <a:lnRef idx="2">
-            <a:schemeClr val="accent1"/>
-          </a:lnRef>
-          <a:fillRef idx="0">
-            <a:schemeClr val="accent1"/>
-          </a:fillRef>
-          <a:effectRef idx="1">
-            <a:schemeClr val="accent1"/>
-          </a:effectRef>
-          <a:fontRef idx="minor">
-            <a:schemeClr val="tx1"/>
-          </a:fontRef>
-        </p:style>
-      </p:cxnSp>
-      <p:sp>
-        <p:nvSpPr>
-          <p:cNvPr id="7" name="Content Placeholder 5"/>
-          <p:cNvSpPr>
-            <a:spLocks noGrp="1"/>
-          </p:cNvSpPr>
-          <p:nvPr>
-            <p:ph sz="quarter" idx="14"/>
-          </p:nvPr>
-        </p:nvSpPr>
-        <p:spPr>
-          <a:xfrm>
-            <a:off x="612485" y="1358867"/>
-            <a:ext cx="7310968" cy="6667827"/>
-          </a:xfrm>
-          <a:prstGeom prst="rect">
-            <a:avLst/>
-          </a:prstGeom>
-        </p:spPr>
-        <p:txBody>
-          <a:bodyPr lIns="91440" tIns="91440">
-            <a:normAutofit/>
-          </a:bodyPr>
-          <a:lstStyle>
-            <a:lvl1pPr>
-              <a:defRPr sz="3200"/>
-            </a:lvl1pPr>
-            <a:lvl2pPr>
-              <a:defRPr sz="2800"/>
-            </a:lvl2pPr>
-            <a:lvl3pPr>
-              <a:defRPr sz="2400"/>
-            </a:lvl3pPr>
-            <a:lvl4pPr>
-              <a:defRPr sz="3200"/>
-            </a:lvl4pPr>
-            <a:lvl5pPr>
-              <a:defRPr sz="3200"/>
-            </a:lvl5pPr>
-          </a:lstStyle>
-          <a:p>
-            <a:pPr lvl="0"/>
-            <a:r>
-              <a:rPr lang="en-US" smtClean="0"/>
-              <a:t>Click to edit Master text styles</a:t>
-            </a:r>
-          </a:p>
-          <a:p>
-            <a:pPr lvl="1"/>
-            <a:r>
-              <a:rPr lang="en-US" smtClean="0"/>
-              <a:t>Second level</a:t>
-            </a:r>
-          </a:p>
-          <a:p>
-            <a:pPr lvl="2"/>
-            <a:r>
-              <a:rPr lang="en-US" smtClean="0"/>
-              <a:t>Third level</a:t>
-            </a:r>
-          </a:p>
-        </p:txBody>
-      </p:sp>
-      <p:sp>
-        <p:nvSpPr>
-          <p:cNvPr id="9" name="Content Placeholder 5"/>
-          <p:cNvSpPr>
-            <a:spLocks noGrp="1"/>
-          </p:cNvSpPr>
-          <p:nvPr>
-            <p:ph sz="quarter" idx="12"/>
-          </p:nvPr>
-        </p:nvSpPr>
-        <p:spPr>
-          <a:xfrm>
-            <a:off x="8233833" y="1348277"/>
-            <a:ext cx="7310968" cy="6662136"/>
-          </a:xfrm>
-          <a:prstGeom prst="rect">
-            <a:avLst/>
-          </a:prstGeom>
-        </p:spPr>
-        <p:txBody>
-          <a:bodyPr lIns="91440" tIns="91440">
-            <a:normAutofit/>
-          </a:bodyPr>
-          <a:lstStyle>
-            <a:lvl1pPr>
-              <a:defRPr sz="3200"/>
-            </a:lvl1pPr>
-            <a:lvl2pPr>
-              <a:defRPr sz="2800"/>
-            </a:lvl2pPr>
-            <a:lvl3pPr>
-              <a:defRPr sz="2400"/>
-            </a:lvl3pPr>
-            <a:lvl4pPr>
-              <a:defRPr sz="3200"/>
-            </a:lvl4pPr>
-            <a:lvl5pPr>
-              <a:defRPr sz="3200"/>
-            </a:lvl5pPr>
-          </a:lstStyle>
-          <a:p>
-            <a:pPr lvl="0"/>
-            <a:r>
-              <a:rPr lang="en-US" smtClean="0"/>
-              <a:t>Click to edit Master text styles</a:t>
-            </a:r>
-          </a:p>
-          <a:p>
-            <a:pPr lvl="1"/>
-            <a:r>
-              <a:rPr lang="en-US" smtClean="0"/>
-              <a:t>Second level</a:t>
-            </a:r>
-          </a:p>
-          <a:p>
-            <a:pPr lvl="2"/>
-            <a:r>
-              <a:rPr lang="en-US" smtClean="0"/>
-              <a:t>Third level</a:t>
-            </a:r>
-          </a:p>
-        </p:txBody>
-      </p:sp>
-      <p:sp>
-        <p:nvSpPr>
-          <p:cNvPr id="15" name="Text Placeholder 14"/>
-          <p:cNvSpPr>
-            <a:spLocks noGrp="1"/>
-          </p:cNvSpPr>
-          <p:nvPr>
-            <p:ph type="body" sz="quarter" idx="15" hasCustomPrompt="1"/>
-          </p:nvPr>
-        </p:nvSpPr>
-        <p:spPr>
-          <a:xfrm>
-            <a:off x="593330" y="268017"/>
-            <a:ext cx="7376583" cy="836083"/>
-          </a:xfrm>
-          <a:prstGeom prst="rect">
-            <a:avLst/>
-          </a:prstGeom>
-        </p:spPr>
-        <p:txBody>
-          <a:bodyPr anchor="ctr">
-            <a:noAutofit/>
-          </a:bodyPr>
-          <a:lstStyle>
-            <a:lvl1pPr marL="0" indent="0" algn="ctr">
-              <a:buFontTx/>
-              <a:buNone/>
-              <a:defRPr sz="5867" b="1" i="0" baseline="0">
-                <a:solidFill>
-                  <a:schemeClr val="accent1"/>
-                </a:solidFill>
-              </a:defRPr>
-            </a:lvl1pPr>
-          </a:lstStyle>
-          <a:p>
-            <a:pPr lvl="0"/>
-            <a:r>
-              <a:rPr lang="en-US" dirty="0" smtClean="0"/>
-              <a:t>A</a:t>
-            </a:r>
-          </a:p>
-        </p:txBody>
-      </p:sp>
-      <p:sp>
-        <p:nvSpPr>
-          <p:cNvPr id="19" name="Text Placeholder 14"/>
-          <p:cNvSpPr>
-            <a:spLocks noGrp="1"/>
-          </p:cNvSpPr>
-          <p:nvPr>
-            <p:ph type="body" sz="quarter" idx="16" hasCustomPrompt="1"/>
-          </p:nvPr>
-        </p:nvSpPr>
-        <p:spPr>
-          <a:xfrm>
-            <a:off x="8204722" y="259541"/>
-            <a:ext cx="7376583" cy="836083"/>
-          </a:xfrm>
-          <a:prstGeom prst="rect">
-            <a:avLst/>
-          </a:prstGeom>
-        </p:spPr>
-        <p:txBody>
-          <a:bodyPr anchor="ctr">
-            <a:noAutofit/>
-          </a:bodyPr>
-          <a:lstStyle>
-            <a:lvl1pPr marL="0" indent="0" algn="ctr">
-              <a:buFontTx/>
-              <a:buNone/>
-              <a:defRPr sz="5867" b="1" i="0" baseline="0">
-                <a:solidFill>
-                  <a:schemeClr val="accent1"/>
-                </a:solidFill>
-              </a:defRPr>
-            </a:lvl1pPr>
-          </a:lstStyle>
-          <a:p>
-            <a:pPr lvl="0"/>
-            <a:r>
-              <a:rPr lang="en-US" dirty="0" smtClean="0"/>
-              <a:t>B</a:t>
-            </a:r>
-          </a:p>
-        </p:txBody>
-      </p:sp>
-    </p:spTree>
-    <p:extLst>
-      <p:ext uri="{BB962C8B-B14F-4D97-AF65-F5344CB8AC3E}">
-        <p14:creationId xmlns:p14="http://schemas.microsoft.com/office/powerpoint/2010/main" val="1728090946"/>
-      </p:ext>
-    </p:extLst>
-  </p:cSld>
-  <p:clrMapOvr>
-    <a:overrideClrMapping bg1="lt1" tx1="dk1" bg2="lt2" tx2="dk2" accent1="accent1" accent2="accent2" accent3="accent3" accent4="accent4" accent5="accent5" accent6="accent6" hlink="hlink" folHlink="folHlink"/>
   </p:clrMapOvr>
   <p:transition spd="med">
     <p:fade/>
@@ -9966,7 +8942,7 @@
               <a:buFont typeface="Arial" pitchFamily="34" charset="0"/>
               <a:buNone/>
               <a:tabLst/>
-              <a:defRPr sz="2800">
+              <a:defRPr sz="2800" b="1">
                 <a:solidFill>
                   <a:srgbClr val="FFFFFF"/>
                 </a:solidFill>
@@ -10268,7 +9244,7 @@
               <a:buFont typeface="Wingdings" charset="0"/>
               <a:buNone/>
               <a:tabLst/>
-              <a:defRPr sz="2800" baseline="0">
+              <a:defRPr sz="2800" b="1" baseline="0">
                 <a:solidFill>
                   <a:schemeClr val="bg1"/>
                 </a:solidFill>
@@ -10565,7 +9541,7 @@
               <a:buFont typeface="Arial" pitchFamily="34" charset="0"/>
               <a:buNone/>
               <a:tabLst/>
-              <a:defRPr sz="2800">
+              <a:defRPr sz="2800" b="1">
                 <a:solidFill>
                   <a:srgbClr val="FFFFFF"/>
                 </a:solidFill>
@@ -10842,7 +9818,7 @@
               <a:buFont typeface="Arial" pitchFamily="34" charset="0"/>
               <a:buNone/>
               <a:tabLst/>
-              <a:defRPr sz="3200" baseline="0">
+              <a:defRPr sz="3200" b="1" baseline="0">
                 <a:solidFill>
                   <a:schemeClr val="bg1"/>
                 </a:solidFill>
@@ -11099,7 +10075,7 @@
               <a:buFont typeface="Arial" pitchFamily="34" charset="0"/>
               <a:buNone/>
               <a:tabLst/>
-              <a:defRPr sz="2800">
+              <a:defRPr sz="2800" b="1">
                 <a:latin typeface="Courier New" panose="02070309020205020404" pitchFamily="49" charset="0"/>
                 <a:cs typeface="Courier New" panose="02070309020205020404" pitchFamily="49" charset="0"/>
               </a:defRPr>
@@ -11396,7 +10372,7 @@
               <a:buFont typeface="Arial" pitchFamily="34" charset="0"/>
               <a:buNone/>
               <a:tabLst/>
-              <a:defRPr sz="2800" baseline="0">
+              <a:defRPr sz="2800" b="1" baseline="0">
                 <a:latin typeface="Courier New" panose="02070309020205020404" pitchFamily="49" charset="0"/>
                 <a:cs typeface="Courier New" panose="02070309020205020404" pitchFamily="49" charset="0"/>
               </a:defRPr>
@@ -11624,7 +10600,7 @@
               <a:buFont typeface="Arial" pitchFamily="34" charset="0"/>
               <a:buNone/>
               <a:tabLst/>
-              <a:defRPr sz="2800">
+              <a:defRPr sz="2800" b="1">
                 <a:latin typeface="Courier New" panose="02070309020205020404" pitchFamily="49" charset="0"/>
                 <a:cs typeface="Courier New" panose="02070309020205020404" pitchFamily="49" charset="0"/>
               </a:defRPr>
@@ -11927,7 +10903,7 @@
           <p:nvPr/>
         </p:nvPicPr>
         <p:blipFill>
-          <a:blip r:embed="rId15">
+          <a:blip r:embed="rId14">
             <a:extLst>
               <a:ext uri="{28A0092B-C50C-407E-A947-70E740481C1C}">
                 <a14:useLocalDpi xmlns:a14="http://schemas.microsoft.com/office/drawing/2010/main" val="0"/>
@@ -12209,7 +11185,6 @@
     <p:sldLayoutId id="2147483840" r:id="rId10"/>
     <p:sldLayoutId id="2147483841" r:id="rId11"/>
     <p:sldLayoutId id="2147483843" r:id="rId12"/>
-    <p:sldLayoutId id="2147483867" r:id="rId13"/>
   </p:sldLayoutIdLst>
   <p:transition spd="med">
     <p:fade/>
@@ -12719,7 +11694,7 @@
           <p:nvPr/>
         </p:nvPicPr>
         <p:blipFill>
-          <a:blip r:embed="rId11">
+          <a:blip r:embed="rId10">
             <a:extLst>
               <a:ext uri="{28A0092B-C50C-407E-A947-70E740481C1C}">
                 <a14:useLocalDpi xmlns:a14="http://schemas.microsoft.com/office/drawing/2010/main" val="0"/>
@@ -13072,7 +12047,6 @@
     <p:sldLayoutId id="2147483855" r:id="rId6"/>
     <p:sldLayoutId id="2147483856" r:id="rId7"/>
     <p:sldLayoutId id="2147483866" r:id="rId8"/>
-    <p:sldLayoutId id="2147483868" r:id="rId9"/>
   </p:sldLayoutIdLst>
   <p:transition spd="med">
     <p:fade/>
@@ -18003,11 +16977,6 @@
               </a:rPr>
               <a:t>resource</a:t>
             </a:r>
-            <a:endParaRPr lang="en-US" sz="2800" dirty="0" smtClean="0">
-              <a:solidFill>
-                <a:schemeClr val="bg1"/>
-              </a:solidFill>
-            </a:endParaRPr>
           </a:p>
         </p:txBody>
       </p:sp>
@@ -18204,11 +17173,6 @@
               </a:rPr>
               <a:t>resource's action</a:t>
             </a:r>
-            <a:endParaRPr lang="en-US" sz="2800" dirty="0" smtClean="0">
-              <a:solidFill>
-                <a:schemeClr val="bg1"/>
-              </a:solidFill>
-            </a:endParaRPr>
           </a:p>
         </p:txBody>
       </p:sp>
@@ -18405,11 +17369,6 @@
               </a:rPr>
               <a:t>resource's name</a:t>
             </a:r>
-            <a:endParaRPr lang="en-US" sz="2800" dirty="0" smtClean="0">
-              <a:solidFill>
-                <a:schemeClr val="bg1"/>
-              </a:solidFill>
-            </a:endParaRPr>
           </a:p>
         </p:txBody>
       </p:sp>

--- a/06-testing_resources_in_recipes.pptx
+++ b/06-testing_resources_in_recipes.pptx
@@ -300,7 +300,7 @@
               <a:pPr>
                 <a:defRPr/>
               </a:pPr>
-              <a:t>2016-02-27</a:t>
+              <a:t>2016-02-28</a:t>
             </a:fld>
             <a:endParaRPr lang="en-US" dirty="0"/>
           </a:p>
@@ -483,7 +483,7 @@
               <a:pPr>
                 <a:defRPr/>
               </a:pPr>
-              <a:t>2016-02-27</a:t>
+              <a:t>2016-02-28</a:t>
             </a:fld>
             <a:endParaRPr lang="en-US" dirty="0"/>
           </a:p>
@@ -5373,14 +5373,14 @@
           </a:ln>
           <a:extLst>
             <a:ext uri="{909E8E84-426E-40dd-AFC4-6F175D3DCCD1}">
-              <a14:hiddenFill xmlns="" xmlns:a14="http://schemas.microsoft.com/office/drawing/2010/main">
+              <a14:hiddenFill xmlns:a14="http://schemas.microsoft.com/office/drawing/2010/main" xmlns="">
                 <a:solidFill>
                   <a:srgbClr val="FFFFFF"/>
                 </a:solidFill>
               </a14:hiddenFill>
             </a:ext>
             <a:ext uri="{91240B29-F687-4f45-9708-019B960494DF}">
-              <a14:hiddenLine xmlns="" xmlns:a14="http://schemas.microsoft.com/office/drawing/2010/main" w="9525">
+              <a14:hiddenLine xmlns:a14="http://schemas.microsoft.com/office/drawing/2010/main" xmlns="" w="9525">
                 <a:solidFill>
                   <a:srgbClr val="000000"/>
                 </a:solidFill>
@@ -5528,14 +5528,14 @@
           </a:ln>
           <a:extLst>
             <a:ext uri="{909E8E84-426E-40dd-AFC4-6F175D3DCCD1}">
-              <a14:hiddenFill xmlns="" xmlns:a14="http://schemas.microsoft.com/office/drawing/2010/main">
+              <a14:hiddenFill xmlns:a14="http://schemas.microsoft.com/office/drawing/2010/main" xmlns="">
                 <a:solidFill>
                   <a:srgbClr val="FFFFFF"/>
                 </a:solidFill>
               </a14:hiddenFill>
             </a:ext>
             <a:ext uri="{91240B29-F687-4f45-9708-019B960494DF}">
-              <a14:hiddenLine xmlns="" xmlns:a14="http://schemas.microsoft.com/office/drawing/2010/main" w="9525">
+              <a14:hiddenLine xmlns:a14="http://schemas.microsoft.com/office/drawing/2010/main" xmlns="" w="9525">
                 <a:solidFill>
                   <a:srgbClr val="000000"/>
                 </a:solidFill>
@@ -6026,14 +6026,14 @@
           </a:ln>
           <a:extLst>
             <a:ext uri="{909E8E84-426E-40dd-AFC4-6F175D3DCCD1}">
-              <a14:hiddenFill xmlns="" xmlns:a14="http://schemas.microsoft.com/office/drawing/2010/main">
+              <a14:hiddenFill xmlns:a14="http://schemas.microsoft.com/office/drawing/2010/main" xmlns="">
                 <a:solidFill>
                   <a:srgbClr val="FFFFFF"/>
                 </a:solidFill>
               </a14:hiddenFill>
             </a:ext>
             <a:ext uri="{91240B29-F687-4f45-9708-019B960494DF}">
-              <a14:hiddenLine xmlns="" xmlns:a14="http://schemas.microsoft.com/office/drawing/2010/main" w="9525">
+              <a14:hiddenLine xmlns:a14="http://schemas.microsoft.com/office/drawing/2010/main" xmlns="" w="9525">
                 <a:solidFill>
                   <a:srgbClr val="000000"/>
                 </a:solidFill>
@@ -7482,14 +7482,14 @@
           </a:ln>
           <a:extLst>
             <a:ext uri="{909E8E84-426E-40dd-AFC4-6F175D3DCCD1}">
-              <a14:hiddenFill xmlns="" xmlns:a14="http://schemas.microsoft.com/office/drawing/2010/main">
+              <a14:hiddenFill xmlns:a14="http://schemas.microsoft.com/office/drawing/2010/main" xmlns="">
                 <a:solidFill>
                   <a:srgbClr val="FFFFFF"/>
                 </a:solidFill>
               </a14:hiddenFill>
             </a:ext>
             <a:ext uri="{91240B29-F687-4f45-9708-019B960494DF}">
-              <a14:hiddenLine xmlns="" xmlns:a14="http://schemas.microsoft.com/office/drawing/2010/main" w="9525">
+              <a14:hiddenLine xmlns:a14="http://schemas.microsoft.com/office/drawing/2010/main" xmlns="" w="9525">
                 <a:solidFill>
                   <a:srgbClr val="000000"/>
                 </a:solidFill>
@@ -8843,14 +8843,14 @@
           </a:ln>
           <a:extLst>
             <a:ext uri="{909E8E84-426E-40dd-AFC4-6F175D3DCCD1}">
-              <a14:hiddenFill xmlns="" xmlns:a14="http://schemas.microsoft.com/office/drawing/2010/main">
+              <a14:hiddenFill xmlns:a14="http://schemas.microsoft.com/office/drawing/2010/main" xmlns="">
                 <a:solidFill>
                   <a:srgbClr val="FFFFFF"/>
                 </a:solidFill>
               </a14:hiddenFill>
             </a:ext>
             <a:ext uri="{91240B29-F687-4f45-9708-019B960494DF}">
-              <a14:hiddenLine xmlns="" xmlns:a14="http://schemas.microsoft.com/office/drawing/2010/main" w="9525">
+              <a14:hiddenLine xmlns:a14="http://schemas.microsoft.com/office/drawing/2010/main" xmlns="" w="9525">
                 <a:solidFill>
                   <a:srgbClr val="000000"/>
                 </a:solidFill>
@@ -9408,14 +9408,14 @@
           </a:ln>
           <a:extLst>
             <a:ext uri="{909E8E84-426E-40dd-AFC4-6F175D3DCCD1}">
-              <a14:hiddenFill xmlns="" xmlns:a14="http://schemas.microsoft.com/office/drawing/2010/main">
+              <a14:hiddenFill xmlns:a14="http://schemas.microsoft.com/office/drawing/2010/main" xmlns="">
                 <a:solidFill>
                   <a:srgbClr val="FFFFFF"/>
                 </a:solidFill>
               </a14:hiddenFill>
             </a:ext>
             <a:ext uri="{91240B29-F687-4f45-9708-019B960494DF}">
-              <a14:hiddenLine xmlns="" xmlns:a14="http://schemas.microsoft.com/office/drawing/2010/main" w="9525">
+              <a14:hiddenLine xmlns:a14="http://schemas.microsoft.com/office/drawing/2010/main" xmlns="" w="9525">
                 <a:solidFill>
                   <a:srgbClr val="000000"/>
                 </a:solidFill>
@@ -9982,14 +9982,14 @@
           </a:ln>
           <a:extLst>
             <a:ext uri="{909E8E84-426E-40dd-AFC4-6F175D3DCCD1}">
-              <a14:hiddenFill xmlns="" xmlns:a14="http://schemas.microsoft.com/office/drawing/2010/main">
+              <a14:hiddenFill xmlns:a14="http://schemas.microsoft.com/office/drawing/2010/main" xmlns="">
                 <a:solidFill>
                   <a:srgbClr val="FFFFFF"/>
                 </a:solidFill>
               </a14:hiddenFill>
             </a:ext>
             <a:ext uri="{91240B29-F687-4f45-9708-019B960494DF}">
-              <a14:hiddenLine xmlns="" xmlns:a14="http://schemas.microsoft.com/office/drawing/2010/main" w="9525">
+              <a14:hiddenLine xmlns:a14="http://schemas.microsoft.com/office/drawing/2010/main" xmlns="" w="9525">
                 <a:solidFill>
                   <a:srgbClr val="000000"/>
                 </a:solidFill>
@@ -10929,14 +10929,14 @@
           </a:ln>
           <a:extLst>
             <a:ext uri="{909E8E84-426E-40dd-AFC4-6F175D3DCCD1}">
-              <a14:hiddenFill xmlns="" xmlns:a14="http://schemas.microsoft.com/office/drawing/2010/main">
+              <a14:hiddenFill xmlns:a14="http://schemas.microsoft.com/office/drawing/2010/main" xmlns="">
                 <a:solidFill>
                   <a:srgbClr val="FFFFFF"/>
                 </a:solidFill>
               </a14:hiddenFill>
             </a:ext>
             <a:ext uri="{91240B29-F687-4f45-9708-019B960494DF}">
-              <a14:hiddenLine xmlns="" xmlns:a14="http://schemas.microsoft.com/office/drawing/2010/main" w="9525">
+              <a14:hiddenLine xmlns:a14="http://schemas.microsoft.com/office/drawing/2010/main" xmlns="" w="9525">
                 <a:solidFill>
                   <a:srgbClr val="000000"/>
                 </a:solidFill>
@@ -11720,14 +11720,14 @@
           </a:ln>
           <a:extLst>
             <a:ext uri="{909E8E84-426E-40dd-AFC4-6F175D3DCCD1}">
-              <a14:hiddenFill xmlns="" xmlns:a14="http://schemas.microsoft.com/office/drawing/2010/main">
+              <a14:hiddenFill xmlns:a14="http://schemas.microsoft.com/office/drawing/2010/main" xmlns="">
                 <a:solidFill>
                   <a:srgbClr val="FFFFFF"/>
                 </a:solidFill>
               </a14:hiddenFill>
             </a:ext>
             <a:ext uri="{91240B29-F687-4f45-9708-019B960494DF}">
-              <a14:hiddenLine xmlns="" xmlns:a14="http://schemas.microsoft.com/office/drawing/2010/main" w="9525">
+              <a14:hiddenLine xmlns:a14="http://schemas.microsoft.com/office/drawing/2010/main" xmlns="" w="9525">
                 <a:solidFill>
                   <a:srgbClr val="000000"/>
                 </a:solidFill>

--- a/06-testing_resources_in_recipes.pptx
+++ b/06-testing_resources_in_recipes.pptx
@@ -169,7 +169,7 @@
   </p:defaultTextStyle>
   <p:extLst>
     <p:ext uri="{EFAFB233-063F-42B5-8137-9DF3F51BA10A}">
-      <p15:sldGuideLst xmlns:p15="http://schemas.microsoft.com/office/powerpoint/2012/main">
+      <p15:sldGuideLst xmlns:p15="http://schemas.microsoft.com/office/powerpoint/2012/main" xmlns="">
         <p15:guide id="1" orient="horz" pos="894">
           <p15:clr>
             <a:srgbClr val="A4A3A4"/>
@@ -183,7 +183,7 @@
       </p15:sldGuideLst>
     </p:ext>
     <p:ext uri="{2D200454-40CA-4A62-9FC3-DE9A4176ACB9}">
-      <p15:notesGuideLst xmlns:p15="http://schemas.microsoft.com/office/powerpoint/2012/main"/>
+      <p15:notesGuideLst xmlns:p15="http://schemas.microsoft.com/office/powerpoint/2012/main" xmlns=""/>
     </p:ext>
   </p:extLst>
 </p:presentation>
@@ -300,7 +300,7 @@
               <a:pPr>
                 <a:defRPr/>
               </a:pPr>
-              <a:t>2016-02-28</a:t>
+              <a:t>4/12/16</a:t>
             </a:fld>
             <a:endParaRPr lang="en-US" dirty="0"/>
           </a:p>
@@ -483,7 +483,7 @@
               <a:pPr>
                 <a:defRPr/>
               </a:pPr>
-              <a:t>2016-02-28</a:t>
+              <a:t>4/12/16</a:t>
             </a:fld>
             <a:endParaRPr lang="en-US" dirty="0"/>
           </a:p>
@@ -4945,7 +4945,7 @@
   <p:clrMapOvr>
     <a:masterClrMapping/>
   </p:clrMapOvr>
-  <p:transition spd="med">
+  <p:transition xmlns:p14="http://schemas.microsoft.com/office/powerpoint/2010/main" spd="med">
     <p:fade/>
   </p:transition>
 </p:sldLayout>
@@ -5240,7 +5240,7 @@
   <p:clrMapOvr>
     <a:overrideClrMapping bg1="lt1" tx1="dk1" bg2="lt2" tx2="dk2" accent1="accent1" accent2="accent2" accent3="accent3" accent4="accent4" accent5="accent5" accent6="accent6" hlink="hlink" folHlink="folHlink"/>
   </p:clrMapOvr>
-  <p:transition spd="med">
+  <p:transition xmlns:p14="http://schemas.microsoft.com/office/powerpoint/2010/main" spd="med">
     <p:fade/>
   </p:transition>
 </p:sldLayout>
@@ -5373,14 +5373,14 @@
           </a:ln>
           <a:extLst>
             <a:ext uri="{909E8E84-426E-40dd-AFC4-6F175D3DCCD1}">
-              <a14:hiddenFill xmlns:a14="http://schemas.microsoft.com/office/drawing/2010/main" xmlns="">
+              <a14:hiddenFill xmlns:a14="http://schemas.microsoft.com/office/drawing/2010/main">
                 <a:solidFill>
                   <a:srgbClr val="FFFFFF"/>
                 </a:solidFill>
               </a14:hiddenFill>
             </a:ext>
             <a:ext uri="{91240B29-F687-4f45-9708-019B960494DF}">
-              <a14:hiddenLine xmlns:a14="http://schemas.microsoft.com/office/drawing/2010/main" xmlns="" w="9525">
+              <a14:hiddenLine xmlns:a14="http://schemas.microsoft.com/office/drawing/2010/main" w="9525">
                 <a:solidFill>
                   <a:srgbClr val="000000"/>
                 </a:solidFill>
@@ -5528,14 +5528,14 @@
           </a:ln>
           <a:extLst>
             <a:ext uri="{909E8E84-426E-40dd-AFC4-6F175D3DCCD1}">
-              <a14:hiddenFill xmlns:a14="http://schemas.microsoft.com/office/drawing/2010/main" xmlns="">
+              <a14:hiddenFill xmlns:a14="http://schemas.microsoft.com/office/drawing/2010/main">
                 <a:solidFill>
                   <a:srgbClr val="FFFFFF"/>
                 </a:solidFill>
               </a14:hiddenFill>
             </a:ext>
             <a:ext uri="{91240B29-F687-4f45-9708-019B960494DF}">
-              <a14:hiddenLine xmlns:a14="http://schemas.microsoft.com/office/drawing/2010/main" xmlns="" w="9525">
+              <a14:hiddenLine xmlns:a14="http://schemas.microsoft.com/office/drawing/2010/main" w="9525">
                 <a:solidFill>
                   <a:srgbClr val="000000"/>
                 </a:solidFill>
@@ -5933,7 +5933,7 @@
   <p:clrMapOvr>
     <a:overrideClrMapping bg1="lt1" tx1="dk1" bg2="lt2" tx2="dk2" accent1="accent1" accent2="accent2" accent3="accent3" accent4="accent4" accent5="accent5" accent6="accent6" hlink="hlink" folHlink="folHlink"/>
   </p:clrMapOvr>
-  <p:transition spd="med">
+  <p:transition xmlns:p14="http://schemas.microsoft.com/office/powerpoint/2010/main" spd="med">
     <p:fade/>
   </p:transition>
 </p:sldLayout>
@@ -6026,14 +6026,14 @@
           </a:ln>
           <a:extLst>
             <a:ext uri="{909E8E84-426E-40dd-AFC4-6F175D3DCCD1}">
-              <a14:hiddenFill xmlns:a14="http://schemas.microsoft.com/office/drawing/2010/main" xmlns="">
+              <a14:hiddenFill xmlns:a14="http://schemas.microsoft.com/office/drawing/2010/main">
                 <a:solidFill>
                   <a:srgbClr val="FFFFFF"/>
                 </a:solidFill>
               </a14:hiddenFill>
             </a:ext>
             <a:ext uri="{91240B29-F687-4f45-9708-019B960494DF}">
-              <a14:hiddenLine xmlns:a14="http://schemas.microsoft.com/office/drawing/2010/main" xmlns="" w="9525">
+              <a14:hiddenLine xmlns:a14="http://schemas.microsoft.com/office/drawing/2010/main" w="9525">
                 <a:solidFill>
                   <a:srgbClr val="000000"/>
                 </a:solidFill>
@@ -6055,7 +6055,7 @@
   <p:clrMapOvr>
     <a:masterClrMapping/>
   </p:clrMapOvr>
-  <p:transition spd="med">
+  <p:transition xmlns:p14="http://schemas.microsoft.com/office/powerpoint/2010/main" spd="med">
     <p:fade/>
   </p:transition>
 </p:sldLayout>
@@ -6342,7 +6342,7 @@
   <p:clrMapOvr>
     <a:masterClrMapping/>
   </p:clrMapOvr>
-  <p:transition spd="med">
+  <p:transition xmlns:p14="http://schemas.microsoft.com/office/powerpoint/2010/main" spd="med">
     <p:fade/>
   </p:transition>
 </p:sldLayout>
@@ -6629,7 +6629,7 @@
   <p:clrMapOvr>
     <a:masterClrMapping/>
   </p:clrMapOvr>
-  <p:transition spd="med">
+  <p:transition xmlns:p14="http://schemas.microsoft.com/office/powerpoint/2010/main" spd="med">
     <p:fade/>
   </p:transition>
 </p:sldLayout>
@@ -6978,7 +6978,7 @@
   <p:clrMapOvr>
     <a:masterClrMapping/>
   </p:clrMapOvr>
-  <p:transition spd="med">
+  <p:transition xmlns:p14="http://schemas.microsoft.com/office/powerpoint/2010/main" spd="med">
     <p:fade/>
   </p:transition>
 </p:sldLayout>
@@ -7265,7 +7265,7 @@
   <p:clrMapOvr>
     <a:masterClrMapping/>
   </p:clrMapOvr>
-  <p:transition spd="med">
+  <p:transition xmlns:p14="http://schemas.microsoft.com/office/powerpoint/2010/main" spd="med">
     <p:fade/>
   </p:transition>
 </p:sldLayout>
@@ -7482,14 +7482,14 @@
           </a:ln>
           <a:extLst>
             <a:ext uri="{909E8E84-426E-40dd-AFC4-6F175D3DCCD1}">
-              <a14:hiddenFill xmlns:a14="http://schemas.microsoft.com/office/drawing/2010/main" xmlns="">
+              <a14:hiddenFill xmlns:a14="http://schemas.microsoft.com/office/drawing/2010/main">
                 <a:solidFill>
                   <a:srgbClr val="FFFFFF"/>
                 </a:solidFill>
               </a14:hiddenFill>
             </a:ext>
             <a:ext uri="{91240B29-F687-4f45-9708-019B960494DF}">
-              <a14:hiddenLine xmlns:a14="http://schemas.microsoft.com/office/drawing/2010/main" xmlns="" w="9525">
+              <a14:hiddenLine xmlns:a14="http://schemas.microsoft.com/office/drawing/2010/main" w="9525">
                 <a:solidFill>
                   <a:srgbClr val="000000"/>
                 </a:solidFill>
@@ -7686,7 +7686,7 @@
   <p:clrMapOvr>
     <a:masterClrMapping/>
   </p:clrMapOvr>
-  <p:transition spd="med">
+  <p:transition xmlns:p14="http://schemas.microsoft.com/office/powerpoint/2010/main" spd="med">
     <p:fade/>
   </p:transition>
 </p:sldLayout>
@@ -7974,7 +7974,7 @@
   <p:clrMapOvr>
     <a:masterClrMapping/>
   </p:clrMapOvr>
-  <p:transition spd="med">
+  <p:transition xmlns:p14="http://schemas.microsoft.com/office/powerpoint/2010/main" spd="med">
     <p:fade/>
   </p:transition>
 </p:sldLayout>
@@ -8286,7 +8286,7 @@
   <p:clrMapOvr>
     <a:masterClrMapping/>
   </p:clrMapOvr>
-  <p:transition spd="med">
+  <p:transition xmlns:p14="http://schemas.microsoft.com/office/powerpoint/2010/main" spd="med">
     <p:fade/>
   </p:transition>
 </p:sldLayout>
@@ -8463,7 +8463,7 @@
   <p:clrMapOvr>
     <a:masterClrMapping/>
   </p:clrMapOvr>
-  <p:transition spd="med">
+  <p:transition xmlns:p14="http://schemas.microsoft.com/office/powerpoint/2010/main" spd="med">
     <p:fade/>
   </p:transition>
 </p:sldLayout>
@@ -8767,7 +8767,7 @@
   <p:clrMapOvr>
     <a:masterClrMapping/>
   </p:clrMapOvr>
-  <p:transition spd="med">
+  <p:transition xmlns:p14="http://schemas.microsoft.com/office/powerpoint/2010/main" spd="med">
     <p:fade/>
   </p:transition>
 </p:sldLayout>
@@ -8843,14 +8843,14 @@
           </a:ln>
           <a:extLst>
             <a:ext uri="{909E8E84-426E-40dd-AFC4-6F175D3DCCD1}">
-              <a14:hiddenFill xmlns:a14="http://schemas.microsoft.com/office/drawing/2010/main" xmlns="">
+              <a14:hiddenFill xmlns:a14="http://schemas.microsoft.com/office/drawing/2010/main">
                 <a:solidFill>
                   <a:srgbClr val="FFFFFF"/>
                 </a:solidFill>
               </a14:hiddenFill>
             </a:ext>
             <a:ext uri="{91240B29-F687-4f45-9708-019B960494DF}">
-              <a14:hiddenLine xmlns:a14="http://schemas.microsoft.com/office/drawing/2010/main" xmlns="" w="9525">
+              <a14:hiddenLine xmlns:a14="http://schemas.microsoft.com/office/drawing/2010/main" w="9525">
                 <a:solidFill>
                   <a:srgbClr val="000000"/>
                 </a:solidFill>
@@ -9126,7 +9126,7 @@
   <p:clrMapOvr>
     <a:overrideClrMapping bg1="lt1" tx1="dk1" bg2="lt2" tx2="dk2" accent1="accent1" accent2="accent2" accent3="accent3" accent4="accent4" accent5="accent5" accent6="accent6" hlink="hlink" folHlink="folHlink"/>
   </p:clrMapOvr>
-  <p:transition spd="med">
+  <p:transition xmlns:p14="http://schemas.microsoft.com/office/powerpoint/2010/main" spd="med">
     <p:fade/>
   </p:transition>
 </p:sldLayout>
@@ -9332,7 +9332,7 @@
   <p:clrMapOvr>
     <a:overrideClrMapping bg1="lt1" tx1="dk1" bg2="lt2" tx2="dk2" accent1="accent1" accent2="accent2" accent3="accent3" accent4="accent4" accent5="accent5" accent6="accent6" hlink="hlink" folHlink="folHlink"/>
   </p:clrMapOvr>
-  <p:transition spd="med">
+  <p:transition xmlns:p14="http://schemas.microsoft.com/office/powerpoint/2010/main" spd="med">
     <p:fade/>
   </p:transition>
 </p:sldLayout>
@@ -9408,14 +9408,14 @@
           </a:ln>
           <a:extLst>
             <a:ext uri="{909E8E84-426E-40dd-AFC4-6F175D3DCCD1}">
-              <a14:hiddenFill xmlns:a14="http://schemas.microsoft.com/office/drawing/2010/main" xmlns="">
+              <a14:hiddenFill xmlns:a14="http://schemas.microsoft.com/office/drawing/2010/main">
                 <a:solidFill>
                   <a:srgbClr val="FFFFFF"/>
                 </a:solidFill>
               </a14:hiddenFill>
             </a:ext>
             <a:ext uri="{91240B29-F687-4f45-9708-019B960494DF}">
-              <a14:hiddenLine xmlns:a14="http://schemas.microsoft.com/office/drawing/2010/main" xmlns="" w="9525">
+              <a14:hiddenLine xmlns:a14="http://schemas.microsoft.com/office/drawing/2010/main" w="9525">
                 <a:solidFill>
                   <a:srgbClr val="000000"/>
                 </a:solidFill>
@@ -9698,7 +9698,7 @@
   <p:clrMapOvr>
     <a:overrideClrMapping bg1="lt1" tx1="dk1" bg2="lt2" tx2="dk2" accent1="accent1" accent2="accent2" accent3="accent3" accent4="accent4" accent5="accent5" accent6="accent6" hlink="hlink" folHlink="folHlink"/>
   </p:clrMapOvr>
-  <p:transition spd="med">
+  <p:transition xmlns:p14="http://schemas.microsoft.com/office/powerpoint/2010/main" spd="med">
     <p:fade/>
   </p:transition>
 </p:sldLayout>
@@ -9906,7 +9906,7 @@
   <p:clrMapOvr>
     <a:overrideClrMapping bg1="lt1" tx1="dk1" bg2="lt2" tx2="dk2" accent1="accent1" accent2="accent2" accent3="accent3" accent4="accent4" accent5="accent5" accent6="accent6" hlink="hlink" folHlink="folHlink"/>
   </p:clrMapOvr>
-  <p:transition spd="med">
+  <p:transition xmlns:p14="http://schemas.microsoft.com/office/powerpoint/2010/main" spd="med">
     <p:fade/>
   </p:transition>
 </p:sldLayout>
@@ -9982,14 +9982,14 @@
           </a:ln>
           <a:extLst>
             <a:ext uri="{909E8E84-426E-40dd-AFC4-6F175D3DCCD1}">
-              <a14:hiddenFill xmlns:a14="http://schemas.microsoft.com/office/drawing/2010/main" xmlns="">
+              <a14:hiddenFill xmlns:a14="http://schemas.microsoft.com/office/drawing/2010/main">
                 <a:solidFill>
                   <a:srgbClr val="FFFFFF"/>
                 </a:solidFill>
               </a14:hiddenFill>
             </a:ext>
             <a:ext uri="{91240B29-F687-4f45-9708-019B960494DF}">
-              <a14:hiddenLine xmlns:a14="http://schemas.microsoft.com/office/drawing/2010/main" xmlns="" w="9525">
+              <a14:hiddenLine xmlns:a14="http://schemas.microsoft.com/office/drawing/2010/main" w="9525">
                 <a:solidFill>
                   <a:srgbClr val="000000"/>
                 </a:solidFill>
@@ -10257,7 +10257,7 @@
   <p:clrMapOvr>
     <a:overrideClrMapping bg1="lt1" tx1="dk1" bg2="lt2" tx2="dk2" accent1="accent1" accent2="accent2" accent3="accent3" accent4="accent4" accent5="accent5" accent6="accent6" hlink="hlink" folHlink="folHlink"/>
   </p:clrMapOvr>
-  <p:transition spd="med">
+  <p:transition xmlns:p14="http://schemas.microsoft.com/office/powerpoint/2010/main" spd="med">
     <p:fade/>
   </p:transition>
 </p:sldLayout>
@@ -10485,7 +10485,7 @@
   <p:clrMapOvr>
     <a:overrideClrMapping bg1="lt1" tx1="dk1" bg2="lt2" tx2="dk2" accent1="accent1" accent2="accent2" accent3="accent3" accent4="accent4" accent5="accent5" accent6="accent6" hlink="hlink" folHlink="folHlink"/>
   </p:clrMapOvr>
-  <p:transition spd="med">
+  <p:transition xmlns:p14="http://schemas.microsoft.com/office/powerpoint/2010/main" spd="med">
     <p:fade/>
   </p:transition>
 </p:sldLayout>
@@ -10773,7 +10773,7 @@
   <p:clrMapOvr>
     <a:overrideClrMapping bg1="lt1" tx1="dk1" bg2="lt2" tx2="dk2" accent1="accent1" accent2="accent2" accent3="accent3" accent4="accent4" accent5="accent5" accent6="accent6" hlink="hlink" folHlink="folHlink"/>
   </p:clrMapOvr>
-  <p:transition spd="med">
+  <p:transition xmlns:p14="http://schemas.microsoft.com/office/powerpoint/2010/main" spd="med">
     <p:fade/>
   </p:transition>
 </p:sldLayout>
@@ -10929,14 +10929,14 @@
           </a:ln>
           <a:extLst>
             <a:ext uri="{909E8E84-426E-40dd-AFC4-6F175D3DCCD1}">
-              <a14:hiddenFill xmlns:a14="http://schemas.microsoft.com/office/drawing/2010/main" xmlns="">
+              <a14:hiddenFill xmlns:a14="http://schemas.microsoft.com/office/drawing/2010/main">
                 <a:solidFill>
                   <a:srgbClr val="FFFFFF"/>
                 </a:solidFill>
               </a14:hiddenFill>
             </a:ext>
             <a:ext uri="{91240B29-F687-4f45-9708-019B960494DF}">
-              <a14:hiddenLine xmlns:a14="http://schemas.microsoft.com/office/drawing/2010/main" xmlns="" w="9525">
+              <a14:hiddenLine xmlns:a14="http://schemas.microsoft.com/office/drawing/2010/main" w="9525">
                 <a:solidFill>
                   <a:srgbClr val="000000"/>
                 </a:solidFill>
@@ -11186,13 +11186,13 @@
     <p:sldLayoutId id="2147483841" r:id="rId11"/>
     <p:sldLayoutId id="2147483843" r:id="rId12"/>
   </p:sldLayoutIdLst>
-  <p:transition spd="med">
+  <p:transition xmlns:p14="http://schemas.microsoft.com/office/powerpoint/2010/main" spd="med">
     <p:fade/>
   </p:transition>
   <p:timing>
     <p:tnLst>
       <p:par>
-        <p:cTn id="1" dur="indefinite" restart="never" nodeType="tmRoot"/>
+        <p:cTn xmlns:p14="http://schemas.microsoft.com/office/powerpoint/2010/main" id="1" dur="indefinite" restart="never" nodeType="tmRoot"/>
       </p:par>
     </p:tnLst>
   </p:timing>
@@ -11720,14 +11720,14 @@
           </a:ln>
           <a:extLst>
             <a:ext uri="{909E8E84-426E-40dd-AFC4-6F175D3DCCD1}">
-              <a14:hiddenFill xmlns:a14="http://schemas.microsoft.com/office/drawing/2010/main" xmlns="">
+              <a14:hiddenFill xmlns:a14="http://schemas.microsoft.com/office/drawing/2010/main">
                 <a:solidFill>
                   <a:srgbClr val="FFFFFF"/>
                 </a:solidFill>
               </a14:hiddenFill>
             </a:ext>
             <a:ext uri="{91240B29-F687-4f45-9708-019B960494DF}">
-              <a14:hiddenLine xmlns:a14="http://schemas.microsoft.com/office/drawing/2010/main" xmlns="" w="9525">
+              <a14:hiddenLine xmlns:a14="http://schemas.microsoft.com/office/drawing/2010/main" w="9525">
                 <a:solidFill>
                   <a:srgbClr val="000000"/>
                 </a:solidFill>
@@ -12048,13 +12048,13 @@
     <p:sldLayoutId id="2147483856" r:id="rId7"/>
     <p:sldLayoutId id="2147483866" r:id="rId8"/>
   </p:sldLayoutIdLst>
-  <p:transition spd="med">
+  <p:transition xmlns:p14="http://schemas.microsoft.com/office/powerpoint/2010/main" spd="med">
     <p:fade/>
   </p:transition>
   <p:timing>
     <p:tnLst>
       <p:par>
-        <p:cTn id="1" dur="indefinite" restart="never" nodeType="tmRoot"/>
+        <p:cTn xmlns:p14="http://schemas.microsoft.com/office/powerpoint/2010/main" id="1" dur="indefinite" restart="never" nodeType="tmRoot"/>
       </p:par>
     </p:tnLst>
   </p:timing>
@@ -12547,13 +12547,13 @@
   <p:clrMapOvr>
     <a:masterClrMapping/>
   </p:clrMapOvr>
-  <p:transition spd="med">
+  <p:transition xmlns:p14="http://schemas.microsoft.com/office/powerpoint/2010/main" spd="med">
     <p:fade/>
   </p:transition>
   <p:timing>
     <p:tnLst>
       <p:par>
-        <p:cTn id="1" dur="indefinite" restart="never" nodeType="tmRoot"/>
+        <p:cTn xmlns:p14="http://schemas.microsoft.com/office/powerpoint/2010/main" id="1" dur="indefinite" restart="never" nodeType="tmRoot"/>
       </p:par>
     </p:tnLst>
   </p:timing>
@@ -12706,13 +12706,13 @@
   <p:clrMapOvr>
     <a:masterClrMapping/>
   </p:clrMapOvr>
-  <p:transition spd="med">
+  <p:transition xmlns:p14="http://schemas.microsoft.com/office/powerpoint/2010/main" spd="med">
     <p:fade/>
   </p:transition>
   <p:timing>
     <p:tnLst>
       <p:par>
-        <p:cTn id="1" dur="indefinite" restart="never" nodeType="tmRoot"/>
+        <p:cTn xmlns:p14="http://schemas.microsoft.com/office/powerpoint/2010/main" id="1" dur="indefinite" restart="never" nodeType="tmRoot"/>
       </p:par>
     </p:tnLst>
   </p:timing>
@@ -12829,13 +12829,13 @@
   <p:clrMapOvr>
     <a:masterClrMapping/>
   </p:clrMapOvr>
-  <p:transition spd="med">
+  <p:transition xmlns:p14="http://schemas.microsoft.com/office/powerpoint/2010/main" spd="med">
     <p:fade/>
   </p:transition>
   <p:timing>
     <p:tnLst>
       <p:par>
-        <p:cTn id="1" dur="indefinite" restart="never" nodeType="tmRoot"/>
+        <p:cTn xmlns:p14="http://schemas.microsoft.com/office/powerpoint/2010/main" id="1" dur="indefinite" restart="never" nodeType="tmRoot"/>
       </p:par>
     </p:tnLst>
   </p:timing>
@@ -12917,13 +12917,13 @@
   <p:clrMapOvr>
     <a:masterClrMapping/>
   </p:clrMapOvr>
-  <p:transition spd="med">
+  <p:transition xmlns:p14="http://schemas.microsoft.com/office/powerpoint/2010/main" spd="med">
     <p:fade/>
   </p:transition>
   <p:timing>
     <p:tnLst>
       <p:par>
-        <p:cTn id="1" dur="indefinite" restart="never" nodeType="tmRoot"/>
+        <p:cTn xmlns:p14="http://schemas.microsoft.com/office/powerpoint/2010/main" id="1" dur="indefinite" restart="never" nodeType="tmRoot"/>
       </p:par>
     </p:tnLst>
   </p:timing>
@@ -13120,13 +13120,13 @@
   <p:clrMapOvr>
     <a:masterClrMapping/>
   </p:clrMapOvr>
-  <p:transition spd="med">
+  <p:transition xmlns:p14="http://schemas.microsoft.com/office/powerpoint/2010/main" spd="med">
     <p:fade/>
   </p:transition>
   <p:timing>
     <p:tnLst>
       <p:par>
-        <p:cTn id="1" dur="indefinite" restart="never" nodeType="tmRoot"/>
+        <p:cTn xmlns:p14="http://schemas.microsoft.com/office/powerpoint/2010/main" id="1" dur="indefinite" restart="never" nodeType="tmRoot"/>
       </p:par>
     </p:tnLst>
   </p:timing>
@@ -13339,13 +13339,13 @@
   <p:clrMapOvr>
     <a:masterClrMapping/>
   </p:clrMapOvr>
-  <p:transition spd="med">
+  <p:transition xmlns:p14="http://schemas.microsoft.com/office/powerpoint/2010/main" spd="med">
     <p:fade/>
   </p:transition>
   <p:timing>
     <p:tnLst>
       <p:par>
-        <p:cTn id="1" dur="indefinite" restart="never" nodeType="tmRoot"/>
+        <p:cTn xmlns:p14="http://schemas.microsoft.com/office/powerpoint/2010/main" id="1" dur="indefinite" restart="never" nodeType="tmRoot"/>
       </p:par>
     </p:tnLst>
   </p:timing>
@@ -13542,13 +13542,13 @@
   <p:clrMapOvr>
     <a:masterClrMapping/>
   </p:clrMapOvr>
-  <p:transition spd="med">
+  <p:transition xmlns:p14="http://schemas.microsoft.com/office/powerpoint/2010/main" spd="med">
     <p:fade/>
   </p:transition>
   <p:timing>
     <p:tnLst>
       <p:par>
-        <p:cTn id="1" dur="indefinite" restart="never" nodeType="tmRoot"/>
+        <p:cTn xmlns:p14="http://schemas.microsoft.com/office/powerpoint/2010/main" id="1" dur="indefinite" restart="never" nodeType="tmRoot"/>
       </p:par>
     </p:tnLst>
   </p:timing>
@@ -13701,13 +13701,13 @@
   <p:clrMapOvr>
     <a:masterClrMapping/>
   </p:clrMapOvr>
-  <p:transition spd="med">
+  <p:transition xmlns:p14="http://schemas.microsoft.com/office/powerpoint/2010/main" spd="med">
     <p:fade/>
   </p:transition>
   <p:timing>
     <p:tnLst>
       <p:par>
-        <p:cTn id="1" dur="indefinite" restart="never" nodeType="tmRoot"/>
+        <p:cTn xmlns:p14="http://schemas.microsoft.com/office/powerpoint/2010/main" id="1" dur="indefinite" restart="never" nodeType="tmRoot"/>
       </p:par>
     </p:tnLst>
   </p:timing>
@@ -13829,13 +13829,13 @@
   <p:clrMapOvr>
     <a:masterClrMapping/>
   </p:clrMapOvr>
-  <p:transition spd="med">
+  <p:transition xmlns:p14="http://schemas.microsoft.com/office/powerpoint/2010/main" spd="med">
     <p:fade/>
   </p:transition>
   <p:timing>
     <p:tnLst>
       <p:par>
-        <p:cTn id="1" dur="indefinite" restart="never" nodeType="tmRoot"/>
+        <p:cTn xmlns:p14="http://schemas.microsoft.com/office/powerpoint/2010/main" id="1" dur="indefinite" restart="never" nodeType="tmRoot"/>
       </p:par>
     </p:tnLst>
   </p:timing>
@@ -14039,13 +14039,13 @@
   <p:clrMapOvr>
     <a:masterClrMapping/>
   </p:clrMapOvr>
-  <p:transition spd="med">
+  <p:transition xmlns:p14="http://schemas.microsoft.com/office/powerpoint/2010/main" spd="med">
     <p:fade/>
   </p:transition>
   <p:timing>
     <p:tnLst>
       <p:par>
-        <p:cTn id="1" dur="indefinite" restart="never" nodeType="tmRoot"/>
+        <p:cTn xmlns:p14="http://schemas.microsoft.com/office/powerpoint/2010/main" id="1" dur="indefinite" restart="never" nodeType="tmRoot"/>
       </p:par>
     </p:tnLst>
   </p:timing>
@@ -14296,13 +14296,13 @@
   <p:clrMapOvr>
     <a:masterClrMapping/>
   </p:clrMapOvr>
-  <p:transition spd="med">
+  <p:transition xmlns:p14="http://schemas.microsoft.com/office/powerpoint/2010/main" spd="med">
     <p:fade/>
   </p:transition>
   <p:timing>
     <p:tnLst>
       <p:par>
-        <p:cTn id="1" dur="indefinite" restart="never" nodeType="tmRoot"/>
+        <p:cTn xmlns:p14="http://schemas.microsoft.com/office/powerpoint/2010/main" id="1" dur="indefinite" restart="never" nodeType="tmRoot"/>
       </p:par>
     </p:tnLst>
   </p:timing>
@@ -14399,13 +14399,13 @@
   <p:clrMapOvr>
     <a:masterClrMapping/>
   </p:clrMapOvr>
-  <p:transition spd="med">
+  <p:transition xmlns:p14="http://schemas.microsoft.com/office/powerpoint/2010/main" spd="med">
     <p:fade/>
   </p:transition>
   <p:timing>
     <p:tnLst>
       <p:par>
-        <p:cTn id="1" dur="indefinite" restart="never" nodeType="tmRoot"/>
+        <p:cTn xmlns:p14="http://schemas.microsoft.com/office/powerpoint/2010/main" id="1" dur="indefinite" restart="never" nodeType="tmRoot"/>
       </p:par>
     </p:tnLst>
   </p:timing>
@@ -14566,13 +14566,13 @@
   <p:clrMapOvr>
     <a:masterClrMapping/>
   </p:clrMapOvr>
-  <p:transition spd="med">
+  <p:transition xmlns:p14="http://schemas.microsoft.com/office/powerpoint/2010/main" spd="med">
     <p:fade/>
   </p:transition>
   <p:timing>
     <p:tnLst>
       <p:par>
-        <p:cTn id="1" dur="indefinite" restart="never" nodeType="tmRoot"/>
+        <p:cTn xmlns:p14="http://schemas.microsoft.com/office/powerpoint/2010/main" id="1" dur="indefinite" restart="never" nodeType="tmRoot"/>
       </p:par>
     </p:tnLst>
   </p:timing>
@@ -14783,13 +14783,13 @@
   <p:clrMapOvr>
     <a:masterClrMapping/>
   </p:clrMapOvr>
-  <p:transition spd="med">
+  <p:transition xmlns:p14="http://schemas.microsoft.com/office/powerpoint/2010/main" spd="med">
     <p:fade/>
   </p:transition>
   <p:timing>
     <p:tnLst>
       <p:par>
-        <p:cTn id="1" dur="indefinite" restart="never" nodeType="tmRoot"/>
+        <p:cTn xmlns:p14="http://schemas.microsoft.com/office/powerpoint/2010/main" id="1" dur="indefinite" restart="never" nodeType="tmRoot"/>
       </p:par>
     </p:tnLst>
   </p:timing>
@@ -14906,13 +14906,13 @@
   <p:clrMapOvr>
     <a:masterClrMapping/>
   </p:clrMapOvr>
-  <p:transition spd="med">
+  <p:transition xmlns:p14="http://schemas.microsoft.com/office/powerpoint/2010/main" spd="med">
     <p:fade/>
   </p:transition>
   <p:timing>
     <p:tnLst>
       <p:par>
-        <p:cTn id="1" dur="indefinite" restart="never" nodeType="tmRoot"/>
+        <p:cTn xmlns:p14="http://schemas.microsoft.com/office/powerpoint/2010/main" id="1" dur="indefinite" restart="never" nodeType="tmRoot"/>
       </p:par>
     </p:tnLst>
   </p:timing>
@@ -15063,13 +15063,13 @@
   <p:clrMapOvr>
     <a:masterClrMapping/>
   </p:clrMapOvr>
-  <p:transition spd="med">
+  <p:transition xmlns:p14="http://schemas.microsoft.com/office/powerpoint/2010/main" spd="med">
     <p:fade/>
   </p:transition>
   <p:timing>
     <p:tnLst>
       <p:par>
-        <p:cTn id="1" dur="indefinite" restart="never" nodeType="tmRoot"/>
+        <p:cTn xmlns:p14="http://schemas.microsoft.com/office/powerpoint/2010/main" id="1" dur="indefinite" restart="never" nodeType="tmRoot"/>
       </p:par>
     </p:tnLst>
   </p:timing>
@@ -15151,13 +15151,13 @@
   <p:clrMapOvr>
     <a:masterClrMapping/>
   </p:clrMapOvr>
-  <p:transition spd="med">
+  <p:transition xmlns:p14="http://schemas.microsoft.com/office/powerpoint/2010/main" spd="med">
     <p:fade/>
   </p:transition>
   <p:timing>
     <p:tnLst>
       <p:par>
-        <p:cTn id="1" dur="indefinite" restart="never" nodeType="tmRoot"/>
+        <p:cTn xmlns:p14="http://schemas.microsoft.com/office/powerpoint/2010/main" id="1" dur="indefinite" restart="never" nodeType="tmRoot"/>
       </p:par>
     </p:tnLst>
   </p:timing>
@@ -15239,13 +15239,13 @@
   <p:clrMapOvr>
     <a:masterClrMapping/>
   </p:clrMapOvr>
-  <p:transition spd="med">
+  <p:transition xmlns:p14="http://schemas.microsoft.com/office/powerpoint/2010/main" spd="med">
     <p:fade/>
   </p:transition>
   <p:timing>
     <p:tnLst>
       <p:par>
-        <p:cTn id="1" dur="indefinite" restart="never" nodeType="tmRoot"/>
+        <p:cTn xmlns:p14="http://schemas.microsoft.com/office/powerpoint/2010/main" id="1" dur="indefinite" restart="never" nodeType="tmRoot"/>
       </p:par>
     </p:tnLst>
   </p:timing>
@@ -15409,13 +15409,13 @@
   <p:clrMapOvr>
     <a:masterClrMapping/>
   </p:clrMapOvr>
-  <p:transition spd="med">
+  <p:transition xmlns:p14="http://schemas.microsoft.com/office/powerpoint/2010/main" spd="med">
     <p:fade/>
   </p:transition>
   <p:timing>
     <p:tnLst>
       <p:par>
-        <p:cTn id="1" dur="indefinite" restart="never" nodeType="tmRoot"/>
+        <p:cTn xmlns:p14="http://schemas.microsoft.com/office/powerpoint/2010/main" id="1" dur="indefinite" restart="never" nodeType="tmRoot"/>
       </p:par>
     </p:tnLst>
   </p:timing>
@@ -15449,13 +15449,13 @@
   <p:clrMapOvr>
     <a:masterClrMapping/>
   </p:clrMapOvr>
-  <p:transition spd="med">
+  <p:transition xmlns:p14="http://schemas.microsoft.com/office/powerpoint/2010/main" spd="med">
     <p:fade/>
   </p:transition>
   <p:timing>
     <p:tnLst>
       <p:par>
-        <p:cTn id="1" dur="indefinite" restart="never" nodeType="tmRoot"/>
+        <p:cTn xmlns:p14="http://schemas.microsoft.com/office/powerpoint/2010/main" id="1" dur="indefinite" restart="never" nodeType="tmRoot"/>
       </p:par>
     </p:tnLst>
   </p:timing>
@@ -15572,13 +15572,13 @@
   <p:clrMapOvr>
     <a:masterClrMapping/>
   </p:clrMapOvr>
-  <p:transition spd="med">
+  <p:transition xmlns:p14="http://schemas.microsoft.com/office/powerpoint/2010/main" spd="med">
     <p:fade/>
   </p:transition>
   <p:timing>
     <p:tnLst>
       <p:par>
-        <p:cTn id="1" dur="indefinite" restart="never" nodeType="tmRoot"/>
+        <p:cTn xmlns:p14="http://schemas.microsoft.com/office/powerpoint/2010/main" id="1" dur="indefinite" restart="never" nodeType="tmRoot"/>
       </p:par>
     </p:tnLst>
   </p:timing>
@@ -15779,13 +15779,13 @@
   <p:clrMapOvr>
     <a:masterClrMapping/>
   </p:clrMapOvr>
-  <p:transition spd="med">
+  <p:transition xmlns:p14="http://schemas.microsoft.com/office/powerpoint/2010/main" spd="med">
     <p:fade/>
   </p:transition>
   <p:timing>
     <p:tnLst>
       <p:par>
-        <p:cTn id="1" dur="indefinite" restart="never" nodeType="tmRoot"/>
+        <p:cTn xmlns:p14="http://schemas.microsoft.com/office/powerpoint/2010/main" id="1" dur="indefinite" restart="never" nodeType="tmRoot"/>
       </p:par>
     </p:tnLst>
   </p:timing>
@@ -15939,13 +15939,13 @@
   <p:clrMapOvr>
     <a:masterClrMapping/>
   </p:clrMapOvr>
-  <p:transition spd="med">
+  <p:transition xmlns:p14="http://schemas.microsoft.com/office/powerpoint/2010/main" spd="med">
     <p:fade/>
   </p:transition>
   <p:timing>
     <p:tnLst>
       <p:par>
-        <p:cTn id="1" dur="indefinite" restart="never" nodeType="tmRoot"/>
+        <p:cTn xmlns:p14="http://schemas.microsoft.com/office/powerpoint/2010/main" id="1" dur="indefinite" restart="never" nodeType="tmRoot"/>
       </p:par>
     </p:tnLst>
   </p:timing>
@@ -16165,13 +16165,13 @@
   <p:clrMapOvr>
     <a:masterClrMapping/>
   </p:clrMapOvr>
-  <p:transition spd="med">
+  <p:transition xmlns:p14="http://schemas.microsoft.com/office/powerpoint/2010/main" spd="med">
     <p:fade/>
   </p:transition>
   <p:timing>
     <p:tnLst>
       <p:par>
-        <p:cTn id="1" dur="indefinite" restart="never" nodeType="tmRoot"/>
+        <p:cTn xmlns:p14="http://schemas.microsoft.com/office/powerpoint/2010/main" id="1" dur="indefinite" restart="never" nodeType="tmRoot"/>
       </p:par>
     </p:tnLst>
   </p:timing>
@@ -16308,13 +16308,13 @@
   <p:clrMapOvr>
     <a:masterClrMapping/>
   </p:clrMapOvr>
-  <p:transition spd="med">
+  <p:transition xmlns:p14="http://schemas.microsoft.com/office/powerpoint/2010/main" spd="med">
     <p:fade/>
   </p:transition>
   <p:timing>
     <p:tnLst>
       <p:par>
-        <p:cTn id="1" dur="indefinite" restart="never" nodeType="tmRoot"/>
+        <p:cTn xmlns:p14="http://schemas.microsoft.com/office/powerpoint/2010/main" id="1" dur="indefinite" restart="never" nodeType="tmRoot"/>
       </p:par>
     </p:tnLst>
   </p:timing>
@@ -16563,13 +16563,13 @@
   <p:clrMapOvr>
     <a:masterClrMapping/>
   </p:clrMapOvr>
-  <p:transition spd="med">
+  <p:transition xmlns:p14="http://schemas.microsoft.com/office/powerpoint/2010/main" spd="med">
     <p:fade/>
   </p:transition>
   <p:timing>
     <p:tnLst>
       <p:par>
-        <p:cTn id="1" dur="indefinite" restart="never" nodeType="tmRoot"/>
+        <p:cTn xmlns:p14="http://schemas.microsoft.com/office/powerpoint/2010/main" id="1" dur="indefinite" restart="never" nodeType="tmRoot"/>
       </p:par>
     </p:tnLst>
   </p:timing>
@@ -17856,13 +17856,13 @@
   <p:clrMapOvr>
     <a:masterClrMapping/>
   </p:clrMapOvr>
-  <p:transition spd="med">
+  <p:transition xmlns:p14="http://schemas.microsoft.com/office/powerpoint/2010/main" spd="med">
     <p:fade/>
   </p:transition>
   <p:timing>
     <p:tnLst>
       <p:par>
-        <p:cTn id="1" dur="indefinite" restart="never" nodeType="tmRoot"/>
+        <p:cTn xmlns:p14="http://schemas.microsoft.com/office/powerpoint/2010/main" id="1" dur="indefinite" restart="never" nodeType="tmRoot"/>
       </p:par>
     </p:tnLst>
   </p:timing>
@@ -18245,7 +18245,7 @@
   <a:extraClrSchemeLst/>
   <a:extLst>
     <a:ext uri="{05A4C25C-085E-4340-85A3-A5531E510DB2}">
-      <thm15:themeFamily xmlns:thm15="http://schemas.microsoft.com/office/thememl/2012/main" name="Chef-TemplateComps_v09-16x9-Light.potx" id="{078CEFDB-FA7A-4E36-9964-13EF367585CB}" vid="{8B87B0F3-7308-43D5-8388-E1B49EA02652}"/>
+      <thm15:themeFamily xmlns:thm15="http://schemas.microsoft.com/office/thememl/2012/main" xmlns="" name="Chef-TemplateComps_v09-16x9-Light.potx" id="{078CEFDB-FA7A-4E36-9964-13EF367585CB}" vid="{8B87B0F3-7308-43D5-8388-E1B49EA02652}"/>
     </a:ext>
   </a:extLst>
 </a:theme>
@@ -18627,7 +18627,7 @@
   <a:extraClrSchemeLst/>
   <a:extLst>
     <a:ext uri="{05A4C25C-085E-4340-85A3-A5531E510DB2}">
-      <thm15:themeFamily xmlns:thm15="http://schemas.microsoft.com/office/thememl/2012/main" name="Chef-TemplateComps_v09-16x9-Light.potx" id="{078CEFDB-FA7A-4E36-9964-13EF367585CB}" vid="{8B87B0F3-7308-43D5-8388-E1B49EA02652}"/>
+      <thm15:themeFamily xmlns:thm15="http://schemas.microsoft.com/office/thememl/2012/main" xmlns="" name="Chef-TemplateComps_v09-16x9-Light.potx" id="{078CEFDB-FA7A-4E36-9964-13EF367585CB}" vid="{8B87B0F3-7308-43D5-8388-E1B49EA02652}"/>
     </a:ext>
   </a:extLst>
 </a:theme>

--- a/06-testing_resources_in_recipes.pptx
+++ b/06-testing_resources_in_recipes.pptx
@@ -169,7 +169,7 @@
   </p:defaultTextStyle>
   <p:extLst>
     <p:ext uri="{EFAFB233-063F-42B5-8137-9DF3F51BA10A}">
-      <p15:sldGuideLst xmlns:p15="http://schemas.microsoft.com/office/powerpoint/2012/main" xmlns="">
+      <p15:sldGuideLst xmlns:p15="http://schemas.microsoft.com/office/powerpoint/2012/main">
         <p15:guide id="1" orient="horz" pos="894">
           <p15:clr>
             <a:srgbClr val="A4A3A4"/>
@@ -183,7 +183,7 @@
       </p15:sldGuideLst>
     </p:ext>
     <p:ext uri="{2D200454-40CA-4A62-9FC3-DE9A4176ACB9}">
-      <p15:notesGuideLst xmlns:p15="http://schemas.microsoft.com/office/powerpoint/2012/main" xmlns=""/>
+      <p15:notesGuideLst xmlns:p15="http://schemas.microsoft.com/office/powerpoint/2012/main"/>
     </p:ext>
   </p:extLst>
 </p:presentation>
@@ -251,6 +251,10 @@
             <a:pPr>
               <a:defRPr/>
             </a:pPr>
+            <a:r>
+              <a:rPr lang="en-US" smtClean="0"/>
+              <a:t>Test Driven Cookbook Development</a:t>
+            </a:r>
             <a:endParaRPr lang="en-US"/>
           </a:p>
         </p:txBody>
@@ -295,13 +299,10 @@
             <a:pPr>
               <a:defRPr/>
             </a:pPr>
-            <a:fld id="{04CB1577-BF96-2D40-B4CA-2BF6DA80CBA7}" type="datetime1">
-              <a:rPr lang="en-CA"/>
-              <a:pPr>
-                <a:defRPr/>
-              </a:pPr>
-              <a:t>4/12/16</a:t>
-            </a:fld>
+            <a:r>
+              <a:rPr lang="en-US" smtClean="0"/>
+              <a:t>Chef Software, Inc.</a:t>
+            </a:r>
             <a:endParaRPr lang="en-US" dirty="0"/>
           </a:p>
         </p:txBody>
@@ -412,7 +413,7 @@
     </p:extLst>
   </p:cSld>
   <p:clrMap bg1="lt1" tx1="dk1" bg2="lt2" tx2="dk2" accent1="accent1" accent2="accent2" accent3="accent3" accent4="accent4" accent5="accent5" accent6="accent6" hlink="hlink" folHlink="folHlink"/>
-  <p:hf dt="0"/>
+  <p:hf sldNum="0" ftr="0"/>
 </p:handoutMaster>
 </file>
 
@@ -450,7 +451,7 @@
         </p:nvSpPr>
         <p:spPr>
           <a:xfrm>
-            <a:off x="3884613" y="0"/>
+            <a:off x="3884613" y="108860"/>
             <a:ext cx="2971800" cy="457200"/>
           </a:xfrm>
           <a:prstGeom prst="rect">
@@ -478,13 +479,10 @@
             <a:pPr>
               <a:defRPr/>
             </a:pPr>
-            <a:fld id="{72FDBE47-C34F-CF4A-9709-1411AD5B3286}" type="datetime1">
-              <a:rPr lang="en-CA"/>
-              <a:pPr>
-                <a:defRPr/>
-              </a:pPr>
-              <a:t>4/12/16</a:t>
-            </a:fld>
+            <a:r>
+              <a:rPr lang="en-US" smtClean="0"/>
+              <a:t>Chef Software, Inc.</a:t>
+            </a:r>
             <a:endParaRPr lang="en-US" dirty="0"/>
           </a:p>
         </p:txBody>
@@ -535,8 +533,8 @@
         </p:nvSpPr>
         <p:spPr>
           <a:xfrm>
-            <a:off x="685800" y="4343400"/>
-            <a:ext cx="5486400" cy="4114800"/>
+            <a:off x="381000" y="4343399"/>
+            <a:ext cx="6096000" cy="4441371"/>
           </a:xfrm>
           <a:prstGeom prst="rect">
             <a:avLst/>
@@ -587,68 +585,17 @@
       </p:sp>
       <p:sp>
         <p:nvSpPr>
-          <p:cNvPr id="7" name="Slide Number Placeholder 6"/>
-          <p:cNvSpPr>
-            <a:spLocks noGrp="1"/>
-          </p:cNvSpPr>
-          <p:nvPr>
-            <p:ph type="sldNum" sz="quarter" idx="5"/>
+          <p:cNvPr id="8" name="Header Placeholder 1"/>
+          <p:cNvSpPr>
+            <a:spLocks noGrp="1"/>
+          </p:cNvSpPr>
+          <p:nvPr>
+            <p:ph type="hdr" sz="quarter"/>
           </p:nvPr>
         </p:nvSpPr>
         <p:spPr>
           <a:xfrm>
-            <a:off x="6172200" y="8685213"/>
-            <a:ext cx="684213" cy="457200"/>
-          </a:xfrm>
-          <a:prstGeom prst="rect">
-            <a:avLst/>
-          </a:prstGeom>
-        </p:spPr>
-        <p:txBody>
-          <a:bodyPr vert="horz" lIns="91440" tIns="45720" rIns="91440" bIns="45720" rtlCol="0" anchor="b"/>
-          <a:lstStyle>
-            <a:lvl1pPr algn="r" defTabSz="1219120" fontAlgn="auto">
-              <a:spcBef>
-                <a:spcPts val="0"/>
-              </a:spcBef>
-              <a:spcAft>
-                <a:spcPts val="0"/>
-              </a:spcAft>
-              <a:defRPr sz="1200" smtClean="0">
-                <a:latin typeface="Arial" panose="020B0604020202020204" pitchFamily="34" charset="0"/>
-                <a:ea typeface="+mn-ea"/>
-                <a:cs typeface="Arial" panose="020B0604020202020204" pitchFamily="34" charset="0"/>
-              </a:defRPr>
-            </a:lvl1pPr>
-          </a:lstStyle>
-          <a:p>
-            <a:pPr>
-              <a:defRPr/>
-            </a:pPr>
-            <a:fld id="{DC3734AA-3150-D947-AC52-2F5DF48BFCD5}" type="slidenum">
-              <a:rPr lang="en-US"/>
-              <a:pPr>
-                <a:defRPr/>
-              </a:pPr>
-              <a:t>‹#›</a:t>
-            </a:fld>
-            <a:endParaRPr lang="en-US" dirty="0"/>
-          </a:p>
-        </p:txBody>
-      </p:sp>
-      <p:sp>
-        <p:nvSpPr>
-          <p:cNvPr id="8" name="Header Placeholder 1"/>
-          <p:cNvSpPr>
-            <a:spLocks noGrp="1"/>
-          </p:cNvSpPr>
-          <p:nvPr>
-            <p:ph type="hdr" sz="quarter"/>
-          </p:nvPr>
-        </p:nvSpPr>
-        <p:spPr>
-          <a:xfrm>
-            <a:off x="0" y="0"/>
+            <a:off x="0" y="108860"/>
             <a:ext cx="2971800" cy="457200"/>
           </a:xfrm>
           <a:prstGeom prst="rect">
@@ -676,53 +623,10 @@
             <a:pPr>
               <a:defRPr/>
             </a:pPr>
-            <a:endParaRPr lang="en-US"/>
-          </a:p>
-        </p:txBody>
-      </p:sp>
-      <p:sp>
-        <p:nvSpPr>
-          <p:cNvPr id="9" name="Footer Placeholder 3"/>
-          <p:cNvSpPr>
-            <a:spLocks noGrp="1"/>
-          </p:cNvSpPr>
-          <p:nvPr>
-            <p:ph type="ftr" sz="quarter" idx="4"/>
-          </p:nvPr>
-        </p:nvSpPr>
-        <p:spPr>
-          <a:xfrm>
-            <a:off x="0" y="8685213"/>
-            <a:ext cx="6248400" cy="457200"/>
-          </a:xfrm>
-          <a:prstGeom prst="rect">
-            <a:avLst/>
-          </a:prstGeom>
-        </p:spPr>
-        <p:txBody>
-          <a:bodyPr vert="horz" lIns="91440" tIns="45720" rIns="91440" bIns="45720" rtlCol="0" anchor="b"/>
-          <a:lstStyle>
-            <a:lvl1pPr algn="l" defTabSz="1219120" fontAlgn="auto">
-              <a:spcBef>
-                <a:spcPts val="0"/>
-              </a:spcBef>
-              <a:spcAft>
-                <a:spcPts val="0"/>
-              </a:spcAft>
-              <a:defRPr sz="900" dirty="0" smtClean="0">
-                <a:solidFill>
-                  <a:srgbClr val="000000"/>
-                </a:solidFill>
-                <a:latin typeface="Arial" panose="020B0604020202020204" pitchFamily="34" charset="0"/>
-                <a:ea typeface="+mn-ea"/>
-                <a:cs typeface="Arial" panose="020B0604020202020204" pitchFamily="34" charset="0"/>
-              </a:defRPr>
-            </a:lvl1pPr>
-          </a:lstStyle>
-          <a:p>
-            <a:pPr>
-              <a:defRPr/>
-            </a:pPr>
+            <a:r>
+              <a:rPr lang="en-US" smtClean="0"/>
+              <a:t>Test Driven Cookbook Development</a:t>
+            </a:r>
             <a:endParaRPr lang="en-US"/>
           </a:p>
         </p:txBody>
@@ -735,7 +639,7 @@
     </p:extLst>
   </p:cSld>
   <p:clrMap bg1="lt1" tx1="dk1" bg2="lt2" tx2="dk2" accent1="accent1" accent2="accent2" accent3="accent3" accent4="accent4" accent5="accent5" accent6="accent6" hlink="hlink" folHlink="folHlink"/>
-  <p:hf dt="0"/>
+  <p:hf sldNum="0" ftr="0"/>
   <p:notesStyle>
     <a:lvl1pPr algn="l" defTabSz="1217613" rtl="0" fontAlgn="base">
       <a:lnSpc>
@@ -942,12 +846,12 @@
       </p:sp>
       <p:sp>
         <p:nvSpPr>
-          <p:cNvPr id="4" name="Slide Number Placeholder 3"/>
-          <p:cNvSpPr>
-            <a:spLocks noGrp="1"/>
-          </p:cNvSpPr>
-          <p:nvPr>
-            <p:ph type="sldNum" sz="quarter" idx="10"/>
+          <p:cNvPr id="5" name="Header Placeholder 4"/>
+          <p:cNvSpPr>
+            <a:spLocks noGrp="1"/>
+          </p:cNvSpPr>
+          <p:nvPr>
+            <p:ph type="hdr" sz="quarter" idx="11"/>
           </p:nvPr>
         </p:nvSpPr>
         <p:spPr/>
@@ -958,25 +862,22 @@
             <a:pPr>
               <a:defRPr/>
             </a:pPr>
-            <a:fld id="{DC3734AA-3150-D947-AC52-2F5DF48BFCD5}" type="slidenum">
+            <a:r>
               <a:rPr lang="en-US" smtClean="0"/>
-              <a:pPr>
-                <a:defRPr/>
-              </a:pPr>
-              <a:t>1</a:t>
-            </a:fld>
-            <a:endParaRPr lang="en-US" dirty="0"/>
-          </a:p>
-        </p:txBody>
-      </p:sp>
-      <p:sp>
-        <p:nvSpPr>
-          <p:cNvPr id="5" name="Header Placeholder 4"/>
-          <p:cNvSpPr>
-            <a:spLocks noGrp="1"/>
-          </p:cNvSpPr>
-          <p:nvPr>
-            <p:ph type="hdr" sz="quarter" idx="11"/>
+              <a:t>Test Driven Cookbook Development</a:t>
+            </a:r>
+            <a:endParaRPr lang="en-US"/>
+          </a:p>
+        </p:txBody>
+      </p:sp>
+      <p:sp>
+        <p:nvSpPr>
+          <p:cNvPr id="7" name="Date Placeholder 6"/>
+          <p:cNvSpPr>
+            <a:spLocks noGrp="1"/>
+          </p:cNvSpPr>
+          <p:nvPr>
+            <p:ph type="dt" idx="13"/>
           </p:nvPr>
         </p:nvSpPr>
         <p:spPr/>
@@ -987,29 +888,11 @@
             <a:pPr>
               <a:defRPr/>
             </a:pPr>
-            <a:endParaRPr lang="en-US"/>
-          </a:p>
-        </p:txBody>
-      </p:sp>
-      <p:sp>
-        <p:nvSpPr>
-          <p:cNvPr id="6" name="Footer Placeholder 5"/>
-          <p:cNvSpPr>
-            <a:spLocks noGrp="1"/>
-          </p:cNvSpPr>
-          <p:nvPr>
-            <p:ph type="ftr" sz="quarter" idx="12"/>
-          </p:nvPr>
-        </p:nvSpPr>
-        <p:spPr/>
-        <p:txBody>
-          <a:bodyPr/>
-          <a:lstStyle/>
-          <a:p>
-            <a:pPr>
-              <a:defRPr/>
-            </a:pPr>
-            <a:endParaRPr lang="en-US"/>
+            <a:r>
+              <a:rPr lang="en-US" smtClean="0"/>
+              <a:t>Chef Software, Inc.</a:t>
+            </a:r>
+            <a:endParaRPr lang="en-US" dirty="0"/>
           </a:p>
         </p:txBody>
       </p:sp>
@@ -1084,12 +967,12 @@
       </p:sp>
       <p:sp>
         <p:nvSpPr>
-          <p:cNvPr id="4" name="Slide Number Placeholder 3"/>
-          <p:cNvSpPr>
-            <a:spLocks noGrp="1"/>
-          </p:cNvSpPr>
-          <p:nvPr>
-            <p:ph type="sldNum" sz="quarter" idx="10"/>
+          <p:cNvPr id="5" name="Header Placeholder 4"/>
+          <p:cNvSpPr>
+            <a:spLocks noGrp="1"/>
+          </p:cNvSpPr>
+          <p:nvPr>
+            <p:ph type="hdr" sz="quarter" idx="11"/>
           </p:nvPr>
         </p:nvSpPr>
         <p:spPr/>
@@ -1100,25 +983,22 @@
             <a:pPr>
               <a:defRPr/>
             </a:pPr>
-            <a:fld id="{DC3734AA-3150-D947-AC52-2F5DF48BFCD5}" type="slidenum">
+            <a:r>
               <a:rPr lang="en-US" smtClean="0"/>
-              <a:pPr>
-                <a:defRPr/>
-              </a:pPr>
-              <a:t>10</a:t>
-            </a:fld>
-            <a:endParaRPr lang="en-US" dirty="0"/>
-          </a:p>
-        </p:txBody>
-      </p:sp>
-      <p:sp>
-        <p:nvSpPr>
-          <p:cNvPr id="5" name="Header Placeholder 4"/>
-          <p:cNvSpPr>
-            <a:spLocks noGrp="1"/>
-          </p:cNvSpPr>
-          <p:nvPr>
-            <p:ph type="hdr" sz="quarter" idx="11"/>
+              <a:t>Test Driven Cookbook Development</a:t>
+            </a:r>
+            <a:endParaRPr lang="en-US"/>
+          </a:p>
+        </p:txBody>
+      </p:sp>
+      <p:sp>
+        <p:nvSpPr>
+          <p:cNvPr id="7" name="Date Placeholder 6"/>
+          <p:cNvSpPr>
+            <a:spLocks noGrp="1"/>
+          </p:cNvSpPr>
+          <p:nvPr>
+            <p:ph type="dt" idx="13"/>
           </p:nvPr>
         </p:nvSpPr>
         <p:spPr/>
@@ -1129,29 +1009,11 @@
             <a:pPr>
               <a:defRPr/>
             </a:pPr>
-            <a:endParaRPr lang="en-US"/>
-          </a:p>
-        </p:txBody>
-      </p:sp>
-      <p:sp>
-        <p:nvSpPr>
-          <p:cNvPr id="6" name="Footer Placeholder 5"/>
-          <p:cNvSpPr>
-            <a:spLocks noGrp="1"/>
-          </p:cNvSpPr>
-          <p:nvPr>
-            <p:ph type="ftr" sz="quarter" idx="12"/>
-          </p:nvPr>
-        </p:nvSpPr>
-        <p:spPr/>
-        <p:txBody>
-          <a:bodyPr/>
-          <a:lstStyle/>
-          <a:p>
-            <a:pPr>
-              <a:defRPr/>
-            </a:pPr>
-            <a:endParaRPr lang="en-US"/>
+            <a:r>
+              <a:rPr lang="en-US" smtClean="0"/>
+              <a:t>Chef Software, Inc.</a:t>
+            </a:r>
+            <a:endParaRPr lang="en-US" dirty="0"/>
           </a:p>
         </p:txBody>
       </p:sp>
@@ -1226,12 +1088,12 @@
       </p:sp>
       <p:sp>
         <p:nvSpPr>
-          <p:cNvPr id="4" name="Slide Number Placeholder 3"/>
-          <p:cNvSpPr>
-            <a:spLocks noGrp="1"/>
-          </p:cNvSpPr>
-          <p:nvPr>
-            <p:ph type="sldNum" sz="quarter" idx="10"/>
+          <p:cNvPr id="5" name="Header Placeholder 4"/>
+          <p:cNvSpPr>
+            <a:spLocks noGrp="1"/>
+          </p:cNvSpPr>
+          <p:nvPr>
+            <p:ph type="hdr" sz="quarter" idx="11"/>
           </p:nvPr>
         </p:nvSpPr>
         <p:spPr/>
@@ -1242,25 +1104,22 @@
             <a:pPr>
               <a:defRPr/>
             </a:pPr>
-            <a:fld id="{DC3734AA-3150-D947-AC52-2F5DF48BFCD5}" type="slidenum">
+            <a:r>
               <a:rPr lang="en-US" smtClean="0"/>
-              <a:pPr>
-                <a:defRPr/>
-              </a:pPr>
-              <a:t>11</a:t>
-            </a:fld>
-            <a:endParaRPr lang="en-US" dirty="0"/>
-          </a:p>
-        </p:txBody>
-      </p:sp>
-      <p:sp>
-        <p:nvSpPr>
-          <p:cNvPr id="5" name="Header Placeholder 4"/>
-          <p:cNvSpPr>
-            <a:spLocks noGrp="1"/>
-          </p:cNvSpPr>
-          <p:nvPr>
-            <p:ph type="hdr" sz="quarter" idx="11"/>
+              <a:t>Test Driven Cookbook Development</a:t>
+            </a:r>
+            <a:endParaRPr lang="en-US"/>
+          </a:p>
+        </p:txBody>
+      </p:sp>
+      <p:sp>
+        <p:nvSpPr>
+          <p:cNvPr id="7" name="Date Placeholder 6"/>
+          <p:cNvSpPr>
+            <a:spLocks noGrp="1"/>
+          </p:cNvSpPr>
+          <p:nvPr>
+            <p:ph type="dt" idx="13"/>
           </p:nvPr>
         </p:nvSpPr>
         <p:spPr/>
@@ -1271,29 +1130,11 @@
             <a:pPr>
               <a:defRPr/>
             </a:pPr>
-            <a:endParaRPr lang="en-US"/>
-          </a:p>
-        </p:txBody>
-      </p:sp>
-      <p:sp>
-        <p:nvSpPr>
-          <p:cNvPr id="6" name="Footer Placeholder 5"/>
-          <p:cNvSpPr>
-            <a:spLocks noGrp="1"/>
-          </p:cNvSpPr>
-          <p:nvPr>
-            <p:ph type="ftr" sz="quarter" idx="12"/>
-          </p:nvPr>
-        </p:nvSpPr>
-        <p:spPr/>
-        <p:txBody>
-          <a:bodyPr/>
-          <a:lstStyle/>
-          <a:p>
-            <a:pPr>
-              <a:defRPr/>
-            </a:pPr>
-            <a:endParaRPr lang="en-US"/>
+            <a:r>
+              <a:rPr lang="en-US" smtClean="0"/>
+              <a:t>Chef Software, Inc.</a:t>
+            </a:r>
+            <a:endParaRPr lang="en-US" dirty="0"/>
           </a:p>
         </p:txBody>
       </p:sp>
@@ -1376,12 +1217,12 @@
       </p:sp>
       <p:sp>
         <p:nvSpPr>
-          <p:cNvPr id="4" name="Slide Number Placeholder 3"/>
-          <p:cNvSpPr>
-            <a:spLocks noGrp="1"/>
-          </p:cNvSpPr>
-          <p:nvPr>
-            <p:ph type="sldNum" sz="quarter" idx="10"/>
+          <p:cNvPr id="5" name="Header Placeholder 4"/>
+          <p:cNvSpPr>
+            <a:spLocks noGrp="1"/>
+          </p:cNvSpPr>
+          <p:nvPr>
+            <p:ph type="hdr" sz="quarter" idx="11"/>
           </p:nvPr>
         </p:nvSpPr>
         <p:spPr/>
@@ -1392,25 +1233,22 @@
             <a:pPr>
               <a:defRPr/>
             </a:pPr>
-            <a:fld id="{DC3734AA-3150-D947-AC52-2F5DF48BFCD5}" type="slidenum">
+            <a:r>
               <a:rPr lang="en-US" smtClean="0"/>
-              <a:pPr>
-                <a:defRPr/>
-              </a:pPr>
-              <a:t>12</a:t>
-            </a:fld>
-            <a:endParaRPr lang="en-US" dirty="0"/>
-          </a:p>
-        </p:txBody>
-      </p:sp>
-      <p:sp>
-        <p:nvSpPr>
-          <p:cNvPr id="5" name="Header Placeholder 4"/>
-          <p:cNvSpPr>
-            <a:spLocks noGrp="1"/>
-          </p:cNvSpPr>
-          <p:nvPr>
-            <p:ph type="hdr" sz="quarter" idx="11"/>
+              <a:t>Test Driven Cookbook Development</a:t>
+            </a:r>
+            <a:endParaRPr lang="en-US"/>
+          </a:p>
+        </p:txBody>
+      </p:sp>
+      <p:sp>
+        <p:nvSpPr>
+          <p:cNvPr id="7" name="Date Placeholder 6"/>
+          <p:cNvSpPr>
+            <a:spLocks noGrp="1"/>
+          </p:cNvSpPr>
+          <p:nvPr>
+            <p:ph type="dt" idx="13"/>
           </p:nvPr>
         </p:nvSpPr>
         <p:spPr/>
@@ -1421,29 +1259,11 @@
             <a:pPr>
               <a:defRPr/>
             </a:pPr>
-            <a:endParaRPr lang="en-US"/>
-          </a:p>
-        </p:txBody>
-      </p:sp>
-      <p:sp>
-        <p:nvSpPr>
-          <p:cNvPr id="6" name="Footer Placeholder 5"/>
-          <p:cNvSpPr>
-            <a:spLocks noGrp="1"/>
-          </p:cNvSpPr>
-          <p:nvPr>
-            <p:ph type="ftr" sz="quarter" idx="12"/>
-          </p:nvPr>
-        </p:nvSpPr>
-        <p:spPr/>
-        <p:txBody>
-          <a:bodyPr/>
-          <a:lstStyle/>
-          <a:p>
-            <a:pPr>
-              <a:defRPr/>
-            </a:pPr>
-            <a:endParaRPr lang="en-US"/>
+            <a:r>
+              <a:rPr lang="en-US" smtClean="0"/>
+              <a:t>Chef Software, Inc.</a:t>
+            </a:r>
+            <a:endParaRPr lang="en-US" dirty="0"/>
           </a:p>
         </p:txBody>
       </p:sp>
@@ -1518,12 +1338,12 @@
       </p:sp>
       <p:sp>
         <p:nvSpPr>
-          <p:cNvPr id="4" name="Slide Number Placeholder 3"/>
-          <p:cNvSpPr>
-            <a:spLocks noGrp="1"/>
-          </p:cNvSpPr>
-          <p:nvPr>
-            <p:ph type="sldNum" sz="quarter" idx="10"/>
+          <p:cNvPr id="5" name="Header Placeholder 4"/>
+          <p:cNvSpPr>
+            <a:spLocks noGrp="1"/>
+          </p:cNvSpPr>
+          <p:nvPr>
+            <p:ph type="hdr" sz="quarter" idx="11"/>
           </p:nvPr>
         </p:nvSpPr>
         <p:spPr/>
@@ -1534,25 +1354,22 @@
             <a:pPr>
               <a:defRPr/>
             </a:pPr>
-            <a:fld id="{DC3734AA-3150-D947-AC52-2F5DF48BFCD5}" type="slidenum">
+            <a:r>
               <a:rPr lang="en-US" smtClean="0"/>
-              <a:pPr>
-                <a:defRPr/>
-              </a:pPr>
-              <a:t>13</a:t>
-            </a:fld>
-            <a:endParaRPr lang="en-US" dirty="0"/>
-          </a:p>
-        </p:txBody>
-      </p:sp>
-      <p:sp>
-        <p:nvSpPr>
-          <p:cNvPr id="5" name="Header Placeholder 4"/>
-          <p:cNvSpPr>
-            <a:spLocks noGrp="1"/>
-          </p:cNvSpPr>
-          <p:nvPr>
-            <p:ph type="hdr" sz="quarter" idx="11"/>
+              <a:t>Test Driven Cookbook Development</a:t>
+            </a:r>
+            <a:endParaRPr lang="en-US"/>
+          </a:p>
+        </p:txBody>
+      </p:sp>
+      <p:sp>
+        <p:nvSpPr>
+          <p:cNvPr id="7" name="Date Placeholder 6"/>
+          <p:cNvSpPr>
+            <a:spLocks noGrp="1"/>
+          </p:cNvSpPr>
+          <p:nvPr>
+            <p:ph type="dt" idx="13"/>
           </p:nvPr>
         </p:nvSpPr>
         <p:spPr/>
@@ -1563,29 +1380,11 @@
             <a:pPr>
               <a:defRPr/>
             </a:pPr>
-            <a:endParaRPr lang="en-US"/>
-          </a:p>
-        </p:txBody>
-      </p:sp>
-      <p:sp>
-        <p:nvSpPr>
-          <p:cNvPr id="6" name="Footer Placeholder 5"/>
-          <p:cNvSpPr>
-            <a:spLocks noGrp="1"/>
-          </p:cNvSpPr>
-          <p:nvPr>
-            <p:ph type="ftr" sz="quarter" idx="12"/>
-          </p:nvPr>
-        </p:nvSpPr>
-        <p:spPr/>
-        <p:txBody>
-          <a:bodyPr/>
-          <a:lstStyle/>
-          <a:p>
-            <a:pPr>
-              <a:defRPr/>
-            </a:pPr>
-            <a:endParaRPr lang="en-US"/>
+            <a:r>
+              <a:rPr lang="en-US" smtClean="0"/>
+              <a:t>Chef Software, Inc.</a:t>
+            </a:r>
+            <a:endParaRPr lang="en-US" dirty="0"/>
           </a:p>
         </p:txBody>
       </p:sp>
@@ -1660,12 +1459,12 @@
       </p:sp>
       <p:sp>
         <p:nvSpPr>
-          <p:cNvPr id="4" name="Slide Number Placeholder 3"/>
-          <p:cNvSpPr>
-            <a:spLocks noGrp="1"/>
-          </p:cNvSpPr>
-          <p:nvPr>
-            <p:ph type="sldNum" sz="quarter" idx="10"/>
+          <p:cNvPr id="5" name="Header Placeholder 4"/>
+          <p:cNvSpPr>
+            <a:spLocks noGrp="1"/>
+          </p:cNvSpPr>
+          <p:nvPr>
+            <p:ph type="hdr" sz="quarter" idx="11"/>
           </p:nvPr>
         </p:nvSpPr>
         <p:spPr/>
@@ -1676,25 +1475,22 @@
             <a:pPr>
               <a:defRPr/>
             </a:pPr>
-            <a:fld id="{DC3734AA-3150-D947-AC52-2F5DF48BFCD5}" type="slidenum">
+            <a:r>
               <a:rPr lang="en-US" smtClean="0"/>
-              <a:pPr>
-                <a:defRPr/>
-              </a:pPr>
-              <a:t>14</a:t>
-            </a:fld>
-            <a:endParaRPr lang="en-US" dirty="0"/>
-          </a:p>
-        </p:txBody>
-      </p:sp>
-      <p:sp>
-        <p:nvSpPr>
-          <p:cNvPr id="5" name="Header Placeholder 4"/>
-          <p:cNvSpPr>
-            <a:spLocks noGrp="1"/>
-          </p:cNvSpPr>
-          <p:nvPr>
-            <p:ph type="hdr" sz="quarter" idx="11"/>
+              <a:t>Test Driven Cookbook Development</a:t>
+            </a:r>
+            <a:endParaRPr lang="en-US"/>
+          </a:p>
+        </p:txBody>
+      </p:sp>
+      <p:sp>
+        <p:nvSpPr>
+          <p:cNvPr id="7" name="Date Placeholder 6"/>
+          <p:cNvSpPr>
+            <a:spLocks noGrp="1"/>
+          </p:cNvSpPr>
+          <p:nvPr>
+            <p:ph type="dt" idx="13"/>
           </p:nvPr>
         </p:nvSpPr>
         <p:spPr/>
@@ -1705,29 +1501,11 @@
             <a:pPr>
               <a:defRPr/>
             </a:pPr>
-            <a:endParaRPr lang="en-US"/>
-          </a:p>
-        </p:txBody>
-      </p:sp>
-      <p:sp>
-        <p:nvSpPr>
-          <p:cNvPr id="6" name="Footer Placeholder 5"/>
-          <p:cNvSpPr>
-            <a:spLocks noGrp="1"/>
-          </p:cNvSpPr>
-          <p:nvPr>
-            <p:ph type="ftr" sz="quarter" idx="12"/>
-          </p:nvPr>
-        </p:nvSpPr>
-        <p:spPr/>
-        <p:txBody>
-          <a:bodyPr/>
-          <a:lstStyle/>
-          <a:p>
-            <a:pPr>
-              <a:defRPr/>
-            </a:pPr>
-            <a:endParaRPr lang="en-US"/>
+            <a:r>
+              <a:rPr lang="en-US" smtClean="0"/>
+              <a:t>Chef Software, Inc.</a:t>
+            </a:r>
+            <a:endParaRPr lang="en-US" dirty="0"/>
           </a:p>
         </p:txBody>
       </p:sp>
@@ -1802,12 +1580,12 @@
       </p:sp>
       <p:sp>
         <p:nvSpPr>
-          <p:cNvPr id="4" name="Slide Number Placeholder 3"/>
-          <p:cNvSpPr>
-            <a:spLocks noGrp="1"/>
-          </p:cNvSpPr>
-          <p:nvPr>
-            <p:ph type="sldNum" sz="quarter" idx="10"/>
+          <p:cNvPr id="5" name="Header Placeholder 4"/>
+          <p:cNvSpPr>
+            <a:spLocks noGrp="1"/>
+          </p:cNvSpPr>
+          <p:nvPr>
+            <p:ph type="hdr" sz="quarter" idx="11"/>
           </p:nvPr>
         </p:nvSpPr>
         <p:spPr/>
@@ -1818,25 +1596,22 @@
             <a:pPr>
               <a:defRPr/>
             </a:pPr>
-            <a:fld id="{DC3734AA-3150-D947-AC52-2F5DF48BFCD5}" type="slidenum">
+            <a:r>
               <a:rPr lang="en-US" smtClean="0"/>
-              <a:pPr>
-                <a:defRPr/>
-              </a:pPr>
-              <a:t>15</a:t>
-            </a:fld>
-            <a:endParaRPr lang="en-US" dirty="0"/>
-          </a:p>
-        </p:txBody>
-      </p:sp>
-      <p:sp>
-        <p:nvSpPr>
-          <p:cNvPr id="5" name="Header Placeholder 4"/>
-          <p:cNvSpPr>
-            <a:spLocks noGrp="1"/>
-          </p:cNvSpPr>
-          <p:nvPr>
-            <p:ph type="hdr" sz="quarter" idx="11"/>
+              <a:t>Test Driven Cookbook Development</a:t>
+            </a:r>
+            <a:endParaRPr lang="en-US"/>
+          </a:p>
+        </p:txBody>
+      </p:sp>
+      <p:sp>
+        <p:nvSpPr>
+          <p:cNvPr id="7" name="Date Placeholder 6"/>
+          <p:cNvSpPr>
+            <a:spLocks noGrp="1"/>
+          </p:cNvSpPr>
+          <p:nvPr>
+            <p:ph type="dt" idx="13"/>
           </p:nvPr>
         </p:nvSpPr>
         <p:spPr/>
@@ -1847,29 +1622,11 @@
             <a:pPr>
               <a:defRPr/>
             </a:pPr>
-            <a:endParaRPr lang="en-US"/>
-          </a:p>
-        </p:txBody>
-      </p:sp>
-      <p:sp>
-        <p:nvSpPr>
-          <p:cNvPr id="6" name="Footer Placeholder 5"/>
-          <p:cNvSpPr>
-            <a:spLocks noGrp="1"/>
-          </p:cNvSpPr>
-          <p:nvPr>
-            <p:ph type="ftr" sz="quarter" idx="12"/>
-          </p:nvPr>
-        </p:nvSpPr>
-        <p:spPr/>
-        <p:txBody>
-          <a:bodyPr/>
-          <a:lstStyle/>
-          <a:p>
-            <a:pPr>
-              <a:defRPr/>
-            </a:pPr>
-            <a:endParaRPr lang="en-US"/>
+            <a:r>
+              <a:rPr lang="en-US" smtClean="0"/>
+              <a:t>Chef Software, Inc.</a:t>
+            </a:r>
+            <a:endParaRPr lang="en-US" dirty="0"/>
           </a:p>
         </p:txBody>
       </p:sp>
@@ -1944,12 +1701,12 @@
       </p:sp>
       <p:sp>
         <p:nvSpPr>
-          <p:cNvPr id="4" name="Slide Number Placeholder 3"/>
-          <p:cNvSpPr>
-            <a:spLocks noGrp="1"/>
-          </p:cNvSpPr>
-          <p:nvPr>
-            <p:ph type="sldNum" sz="quarter" idx="10"/>
+          <p:cNvPr id="5" name="Header Placeholder 4"/>
+          <p:cNvSpPr>
+            <a:spLocks noGrp="1"/>
+          </p:cNvSpPr>
+          <p:nvPr>
+            <p:ph type="hdr" sz="quarter" idx="11"/>
           </p:nvPr>
         </p:nvSpPr>
         <p:spPr/>
@@ -1960,25 +1717,22 @@
             <a:pPr>
               <a:defRPr/>
             </a:pPr>
-            <a:fld id="{DC3734AA-3150-D947-AC52-2F5DF48BFCD5}" type="slidenum">
+            <a:r>
               <a:rPr lang="en-US" smtClean="0"/>
-              <a:pPr>
-                <a:defRPr/>
-              </a:pPr>
-              <a:t>16</a:t>
-            </a:fld>
-            <a:endParaRPr lang="en-US" dirty="0"/>
-          </a:p>
-        </p:txBody>
-      </p:sp>
-      <p:sp>
-        <p:nvSpPr>
-          <p:cNvPr id="5" name="Header Placeholder 4"/>
-          <p:cNvSpPr>
-            <a:spLocks noGrp="1"/>
-          </p:cNvSpPr>
-          <p:nvPr>
-            <p:ph type="hdr" sz="quarter" idx="11"/>
+              <a:t>Test Driven Cookbook Development</a:t>
+            </a:r>
+            <a:endParaRPr lang="en-US"/>
+          </a:p>
+        </p:txBody>
+      </p:sp>
+      <p:sp>
+        <p:nvSpPr>
+          <p:cNvPr id="7" name="Date Placeholder 6"/>
+          <p:cNvSpPr>
+            <a:spLocks noGrp="1"/>
+          </p:cNvSpPr>
+          <p:nvPr>
+            <p:ph type="dt" idx="13"/>
           </p:nvPr>
         </p:nvSpPr>
         <p:spPr/>
@@ -1989,29 +1743,11 @@
             <a:pPr>
               <a:defRPr/>
             </a:pPr>
-            <a:endParaRPr lang="en-US"/>
-          </a:p>
-        </p:txBody>
-      </p:sp>
-      <p:sp>
-        <p:nvSpPr>
-          <p:cNvPr id="6" name="Footer Placeholder 5"/>
-          <p:cNvSpPr>
-            <a:spLocks noGrp="1"/>
-          </p:cNvSpPr>
-          <p:nvPr>
-            <p:ph type="ftr" sz="quarter" idx="12"/>
-          </p:nvPr>
-        </p:nvSpPr>
-        <p:spPr/>
-        <p:txBody>
-          <a:bodyPr/>
-          <a:lstStyle/>
-          <a:p>
-            <a:pPr>
-              <a:defRPr/>
-            </a:pPr>
-            <a:endParaRPr lang="en-US"/>
+            <a:r>
+              <a:rPr lang="en-US" smtClean="0"/>
+              <a:t>Chef Software, Inc.</a:t>
+            </a:r>
+            <a:endParaRPr lang="en-US" dirty="0"/>
           </a:p>
         </p:txBody>
       </p:sp>
@@ -2082,12 +1818,12 @@
       </p:sp>
       <p:sp>
         <p:nvSpPr>
-          <p:cNvPr id="4" name="Slide Number Placeholder 3"/>
-          <p:cNvSpPr>
-            <a:spLocks noGrp="1"/>
-          </p:cNvSpPr>
-          <p:nvPr>
-            <p:ph type="sldNum" sz="quarter" idx="10"/>
+          <p:cNvPr id="5" name="Header Placeholder 4"/>
+          <p:cNvSpPr>
+            <a:spLocks noGrp="1"/>
+          </p:cNvSpPr>
+          <p:nvPr>
+            <p:ph type="hdr" sz="quarter" idx="11"/>
           </p:nvPr>
         </p:nvSpPr>
         <p:spPr/>
@@ -2098,25 +1834,22 @@
             <a:pPr>
               <a:defRPr/>
             </a:pPr>
-            <a:fld id="{DC3734AA-3150-D947-AC52-2F5DF48BFCD5}" type="slidenum">
+            <a:r>
               <a:rPr lang="en-US" smtClean="0"/>
-              <a:pPr>
-                <a:defRPr/>
-              </a:pPr>
-              <a:t>17</a:t>
-            </a:fld>
-            <a:endParaRPr lang="en-US" dirty="0"/>
-          </a:p>
-        </p:txBody>
-      </p:sp>
-      <p:sp>
-        <p:nvSpPr>
-          <p:cNvPr id="5" name="Header Placeholder 4"/>
-          <p:cNvSpPr>
-            <a:spLocks noGrp="1"/>
-          </p:cNvSpPr>
-          <p:nvPr>
-            <p:ph type="hdr" sz="quarter" idx="11"/>
+              <a:t>Test Driven Cookbook Development</a:t>
+            </a:r>
+            <a:endParaRPr lang="en-US"/>
+          </a:p>
+        </p:txBody>
+      </p:sp>
+      <p:sp>
+        <p:nvSpPr>
+          <p:cNvPr id="7" name="Date Placeholder 6"/>
+          <p:cNvSpPr>
+            <a:spLocks noGrp="1"/>
+          </p:cNvSpPr>
+          <p:nvPr>
+            <p:ph type="dt" idx="13"/>
           </p:nvPr>
         </p:nvSpPr>
         <p:spPr/>
@@ -2127,29 +1860,11 @@
             <a:pPr>
               <a:defRPr/>
             </a:pPr>
-            <a:endParaRPr lang="en-US"/>
-          </a:p>
-        </p:txBody>
-      </p:sp>
-      <p:sp>
-        <p:nvSpPr>
-          <p:cNvPr id="6" name="Footer Placeholder 5"/>
-          <p:cNvSpPr>
-            <a:spLocks noGrp="1"/>
-          </p:cNvSpPr>
-          <p:nvPr>
-            <p:ph type="ftr" sz="quarter" idx="12"/>
-          </p:nvPr>
-        </p:nvSpPr>
-        <p:spPr/>
-        <p:txBody>
-          <a:bodyPr/>
-          <a:lstStyle/>
-          <a:p>
-            <a:pPr>
-              <a:defRPr/>
-            </a:pPr>
-            <a:endParaRPr lang="en-US"/>
+            <a:r>
+              <a:rPr lang="en-US" smtClean="0"/>
+              <a:t>Chef Software, Inc.</a:t>
+            </a:r>
+            <a:endParaRPr lang="en-US" dirty="0"/>
           </a:p>
         </p:txBody>
       </p:sp>
@@ -2238,12 +1953,12 @@
       </p:sp>
       <p:sp>
         <p:nvSpPr>
-          <p:cNvPr id="4" name="Slide Number Placeholder 3"/>
-          <p:cNvSpPr>
-            <a:spLocks noGrp="1"/>
-          </p:cNvSpPr>
-          <p:nvPr>
-            <p:ph type="sldNum" sz="quarter" idx="10"/>
+          <p:cNvPr id="5" name="Header Placeholder 4"/>
+          <p:cNvSpPr>
+            <a:spLocks noGrp="1"/>
+          </p:cNvSpPr>
+          <p:nvPr>
+            <p:ph type="hdr" sz="quarter" idx="11"/>
           </p:nvPr>
         </p:nvSpPr>
         <p:spPr/>
@@ -2254,25 +1969,22 @@
             <a:pPr>
               <a:defRPr/>
             </a:pPr>
-            <a:fld id="{DC3734AA-3150-D947-AC52-2F5DF48BFCD5}" type="slidenum">
+            <a:r>
               <a:rPr lang="en-US" smtClean="0"/>
-              <a:pPr>
-                <a:defRPr/>
-              </a:pPr>
-              <a:t>18</a:t>
-            </a:fld>
-            <a:endParaRPr lang="en-US" dirty="0"/>
-          </a:p>
-        </p:txBody>
-      </p:sp>
-      <p:sp>
-        <p:nvSpPr>
-          <p:cNvPr id="5" name="Header Placeholder 4"/>
-          <p:cNvSpPr>
-            <a:spLocks noGrp="1"/>
-          </p:cNvSpPr>
-          <p:nvPr>
-            <p:ph type="hdr" sz="quarter" idx="11"/>
+              <a:t>Test Driven Cookbook Development</a:t>
+            </a:r>
+            <a:endParaRPr lang="en-US"/>
+          </a:p>
+        </p:txBody>
+      </p:sp>
+      <p:sp>
+        <p:nvSpPr>
+          <p:cNvPr id="7" name="Date Placeholder 6"/>
+          <p:cNvSpPr>
+            <a:spLocks noGrp="1"/>
+          </p:cNvSpPr>
+          <p:nvPr>
+            <p:ph type="dt" idx="13"/>
           </p:nvPr>
         </p:nvSpPr>
         <p:spPr/>
@@ -2283,29 +1995,11 @@
             <a:pPr>
               <a:defRPr/>
             </a:pPr>
-            <a:endParaRPr lang="en-US"/>
-          </a:p>
-        </p:txBody>
-      </p:sp>
-      <p:sp>
-        <p:nvSpPr>
-          <p:cNvPr id="6" name="Footer Placeholder 5"/>
-          <p:cNvSpPr>
-            <a:spLocks noGrp="1"/>
-          </p:cNvSpPr>
-          <p:nvPr>
-            <p:ph type="ftr" sz="quarter" idx="12"/>
-          </p:nvPr>
-        </p:nvSpPr>
-        <p:spPr/>
-        <p:txBody>
-          <a:bodyPr/>
-          <a:lstStyle/>
-          <a:p>
-            <a:pPr>
-              <a:defRPr/>
-            </a:pPr>
-            <a:endParaRPr lang="en-US"/>
+            <a:r>
+              <a:rPr lang="en-US" smtClean="0"/>
+              <a:t>Chef Software, Inc.</a:t>
+            </a:r>
+            <a:endParaRPr lang="en-US" dirty="0"/>
           </a:p>
         </p:txBody>
       </p:sp>
@@ -2389,12 +2083,12 @@
       </p:sp>
       <p:sp>
         <p:nvSpPr>
-          <p:cNvPr id="4" name="Slide Number Placeholder 3"/>
-          <p:cNvSpPr>
-            <a:spLocks noGrp="1"/>
-          </p:cNvSpPr>
-          <p:nvPr>
-            <p:ph type="sldNum" sz="quarter" idx="10"/>
+          <p:cNvPr id="5" name="Header Placeholder 4"/>
+          <p:cNvSpPr>
+            <a:spLocks noGrp="1"/>
+          </p:cNvSpPr>
+          <p:nvPr>
+            <p:ph type="hdr" sz="quarter" idx="11"/>
           </p:nvPr>
         </p:nvSpPr>
         <p:spPr/>
@@ -2405,25 +2099,22 @@
             <a:pPr>
               <a:defRPr/>
             </a:pPr>
-            <a:fld id="{DC3734AA-3150-D947-AC52-2F5DF48BFCD5}" type="slidenum">
+            <a:r>
               <a:rPr lang="en-US" smtClean="0"/>
-              <a:pPr>
-                <a:defRPr/>
-              </a:pPr>
-              <a:t>19</a:t>
-            </a:fld>
-            <a:endParaRPr lang="en-US" dirty="0"/>
-          </a:p>
-        </p:txBody>
-      </p:sp>
-      <p:sp>
-        <p:nvSpPr>
-          <p:cNvPr id="5" name="Header Placeholder 4"/>
-          <p:cNvSpPr>
-            <a:spLocks noGrp="1"/>
-          </p:cNvSpPr>
-          <p:nvPr>
-            <p:ph type="hdr" sz="quarter" idx="11"/>
+              <a:t>Test Driven Cookbook Development</a:t>
+            </a:r>
+            <a:endParaRPr lang="en-US"/>
+          </a:p>
+        </p:txBody>
+      </p:sp>
+      <p:sp>
+        <p:nvSpPr>
+          <p:cNvPr id="7" name="Date Placeholder 6"/>
+          <p:cNvSpPr>
+            <a:spLocks noGrp="1"/>
+          </p:cNvSpPr>
+          <p:nvPr>
+            <p:ph type="dt" idx="13"/>
           </p:nvPr>
         </p:nvSpPr>
         <p:spPr/>
@@ -2434,29 +2125,11 @@
             <a:pPr>
               <a:defRPr/>
             </a:pPr>
-            <a:endParaRPr lang="en-US"/>
-          </a:p>
-        </p:txBody>
-      </p:sp>
-      <p:sp>
-        <p:nvSpPr>
-          <p:cNvPr id="6" name="Footer Placeholder 5"/>
-          <p:cNvSpPr>
-            <a:spLocks noGrp="1"/>
-          </p:cNvSpPr>
-          <p:nvPr>
-            <p:ph type="ftr" sz="quarter" idx="12"/>
-          </p:nvPr>
-        </p:nvSpPr>
-        <p:spPr/>
-        <p:txBody>
-          <a:bodyPr/>
-          <a:lstStyle/>
-          <a:p>
-            <a:pPr>
-              <a:defRPr/>
-            </a:pPr>
-            <a:endParaRPr lang="en-US"/>
+            <a:r>
+              <a:rPr lang="en-US" smtClean="0"/>
+              <a:t>Chef Software, Inc.</a:t>
+            </a:r>
+            <a:endParaRPr lang="en-US" dirty="0"/>
           </a:p>
         </p:txBody>
       </p:sp>
@@ -2539,12 +2212,12 @@
       </p:sp>
       <p:sp>
         <p:nvSpPr>
-          <p:cNvPr id="4" name="Slide Number Placeholder 3"/>
-          <p:cNvSpPr>
-            <a:spLocks noGrp="1"/>
-          </p:cNvSpPr>
-          <p:nvPr>
-            <p:ph type="sldNum" sz="quarter" idx="10"/>
+          <p:cNvPr id="5" name="Header Placeholder 4"/>
+          <p:cNvSpPr>
+            <a:spLocks noGrp="1"/>
+          </p:cNvSpPr>
+          <p:nvPr>
+            <p:ph type="hdr" sz="quarter" idx="11"/>
           </p:nvPr>
         </p:nvSpPr>
         <p:spPr/>
@@ -2555,25 +2228,22 @@
             <a:pPr>
               <a:defRPr/>
             </a:pPr>
-            <a:fld id="{DC3734AA-3150-D947-AC52-2F5DF48BFCD5}" type="slidenum">
+            <a:r>
               <a:rPr lang="en-US" smtClean="0"/>
-              <a:pPr>
-                <a:defRPr/>
-              </a:pPr>
-              <a:t>2</a:t>
-            </a:fld>
-            <a:endParaRPr lang="en-US" dirty="0"/>
-          </a:p>
-        </p:txBody>
-      </p:sp>
-      <p:sp>
-        <p:nvSpPr>
-          <p:cNvPr id="5" name="Header Placeholder 4"/>
-          <p:cNvSpPr>
-            <a:spLocks noGrp="1"/>
-          </p:cNvSpPr>
-          <p:nvPr>
-            <p:ph type="hdr" sz="quarter" idx="11"/>
+              <a:t>Test Driven Cookbook Development</a:t>
+            </a:r>
+            <a:endParaRPr lang="en-US"/>
+          </a:p>
+        </p:txBody>
+      </p:sp>
+      <p:sp>
+        <p:nvSpPr>
+          <p:cNvPr id="7" name="Date Placeholder 6"/>
+          <p:cNvSpPr>
+            <a:spLocks noGrp="1"/>
+          </p:cNvSpPr>
+          <p:nvPr>
+            <p:ph type="dt" idx="13"/>
           </p:nvPr>
         </p:nvSpPr>
         <p:spPr/>
@@ -2584,29 +2254,11 @@
             <a:pPr>
               <a:defRPr/>
             </a:pPr>
-            <a:endParaRPr lang="en-US"/>
-          </a:p>
-        </p:txBody>
-      </p:sp>
-      <p:sp>
-        <p:nvSpPr>
-          <p:cNvPr id="6" name="Footer Placeholder 5"/>
-          <p:cNvSpPr>
-            <a:spLocks noGrp="1"/>
-          </p:cNvSpPr>
-          <p:nvPr>
-            <p:ph type="ftr" sz="quarter" idx="12"/>
-          </p:nvPr>
-        </p:nvSpPr>
-        <p:spPr/>
-        <p:txBody>
-          <a:bodyPr/>
-          <a:lstStyle/>
-          <a:p>
-            <a:pPr>
-              <a:defRPr/>
-            </a:pPr>
-            <a:endParaRPr lang="en-US"/>
+            <a:r>
+              <a:rPr lang="en-US" smtClean="0"/>
+              <a:t>Chef Software, Inc.</a:t>
+            </a:r>
+            <a:endParaRPr lang="en-US" dirty="0"/>
           </a:p>
         </p:txBody>
       </p:sp>
@@ -2681,12 +2333,12 @@
       </p:sp>
       <p:sp>
         <p:nvSpPr>
-          <p:cNvPr id="4" name="Slide Number Placeholder 3"/>
-          <p:cNvSpPr>
-            <a:spLocks noGrp="1"/>
-          </p:cNvSpPr>
-          <p:nvPr>
-            <p:ph type="sldNum" sz="quarter" idx="10"/>
+          <p:cNvPr id="5" name="Header Placeholder 4"/>
+          <p:cNvSpPr>
+            <a:spLocks noGrp="1"/>
+          </p:cNvSpPr>
+          <p:nvPr>
+            <p:ph type="hdr" sz="quarter" idx="11"/>
           </p:nvPr>
         </p:nvSpPr>
         <p:spPr/>
@@ -2697,25 +2349,22 @@
             <a:pPr>
               <a:defRPr/>
             </a:pPr>
-            <a:fld id="{DC3734AA-3150-D947-AC52-2F5DF48BFCD5}" type="slidenum">
+            <a:r>
               <a:rPr lang="en-US" smtClean="0"/>
-              <a:pPr>
-                <a:defRPr/>
-              </a:pPr>
-              <a:t>20</a:t>
-            </a:fld>
-            <a:endParaRPr lang="en-US" dirty="0"/>
-          </a:p>
-        </p:txBody>
-      </p:sp>
-      <p:sp>
-        <p:nvSpPr>
-          <p:cNvPr id="5" name="Header Placeholder 4"/>
-          <p:cNvSpPr>
-            <a:spLocks noGrp="1"/>
-          </p:cNvSpPr>
-          <p:nvPr>
-            <p:ph type="hdr" sz="quarter" idx="11"/>
+              <a:t>Test Driven Cookbook Development</a:t>
+            </a:r>
+            <a:endParaRPr lang="en-US"/>
+          </a:p>
+        </p:txBody>
+      </p:sp>
+      <p:sp>
+        <p:nvSpPr>
+          <p:cNvPr id="7" name="Date Placeholder 6"/>
+          <p:cNvSpPr>
+            <a:spLocks noGrp="1"/>
+          </p:cNvSpPr>
+          <p:nvPr>
+            <p:ph type="dt" idx="13"/>
           </p:nvPr>
         </p:nvSpPr>
         <p:spPr/>
@@ -2726,29 +2375,11 @@
             <a:pPr>
               <a:defRPr/>
             </a:pPr>
-            <a:endParaRPr lang="en-US"/>
-          </a:p>
-        </p:txBody>
-      </p:sp>
-      <p:sp>
-        <p:nvSpPr>
-          <p:cNvPr id="6" name="Footer Placeholder 5"/>
-          <p:cNvSpPr>
-            <a:spLocks noGrp="1"/>
-          </p:cNvSpPr>
-          <p:nvPr>
-            <p:ph type="ftr" sz="quarter" idx="12"/>
-          </p:nvPr>
-        </p:nvSpPr>
-        <p:spPr/>
-        <p:txBody>
-          <a:bodyPr/>
-          <a:lstStyle/>
-          <a:p>
-            <a:pPr>
-              <a:defRPr/>
-            </a:pPr>
-            <a:endParaRPr lang="en-US"/>
+            <a:r>
+              <a:rPr lang="en-US" smtClean="0"/>
+              <a:t>Chef Software, Inc.</a:t>
+            </a:r>
+            <a:endParaRPr lang="en-US" dirty="0"/>
           </a:p>
         </p:txBody>
       </p:sp>
@@ -2827,12 +2458,12 @@
       </p:sp>
       <p:sp>
         <p:nvSpPr>
-          <p:cNvPr id="4" name="Slide Number Placeholder 3"/>
-          <p:cNvSpPr>
-            <a:spLocks noGrp="1"/>
-          </p:cNvSpPr>
-          <p:nvPr>
-            <p:ph type="sldNum" sz="quarter" idx="10"/>
+          <p:cNvPr id="5" name="Header Placeholder 4"/>
+          <p:cNvSpPr>
+            <a:spLocks noGrp="1"/>
+          </p:cNvSpPr>
+          <p:nvPr>
+            <p:ph type="hdr" sz="quarter" idx="11"/>
           </p:nvPr>
         </p:nvSpPr>
         <p:spPr/>
@@ -2843,25 +2474,22 @@
             <a:pPr>
               <a:defRPr/>
             </a:pPr>
-            <a:fld id="{DC3734AA-3150-D947-AC52-2F5DF48BFCD5}" type="slidenum">
+            <a:r>
               <a:rPr lang="en-US" smtClean="0"/>
-              <a:pPr>
-                <a:defRPr/>
-              </a:pPr>
-              <a:t>21</a:t>
-            </a:fld>
-            <a:endParaRPr lang="en-US" dirty="0"/>
-          </a:p>
-        </p:txBody>
-      </p:sp>
-      <p:sp>
-        <p:nvSpPr>
-          <p:cNvPr id="5" name="Header Placeholder 4"/>
-          <p:cNvSpPr>
-            <a:spLocks noGrp="1"/>
-          </p:cNvSpPr>
-          <p:nvPr>
-            <p:ph type="hdr" sz="quarter" idx="11"/>
+              <a:t>Test Driven Cookbook Development</a:t>
+            </a:r>
+            <a:endParaRPr lang="en-US"/>
+          </a:p>
+        </p:txBody>
+      </p:sp>
+      <p:sp>
+        <p:nvSpPr>
+          <p:cNvPr id="7" name="Date Placeholder 6"/>
+          <p:cNvSpPr>
+            <a:spLocks noGrp="1"/>
+          </p:cNvSpPr>
+          <p:nvPr>
+            <p:ph type="dt" idx="13"/>
           </p:nvPr>
         </p:nvSpPr>
         <p:spPr/>
@@ -2872,29 +2500,11 @@
             <a:pPr>
               <a:defRPr/>
             </a:pPr>
-            <a:endParaRPr lang="en-US"/>
-          </a:p>
-        </p:txBody>
-      </p:sp>
-      <p:sp>
-        <p:nvSpPr>
-          <p:cNvPr id="6" name="Footer Placeholder 5"/>
-          <p:cNvSpPr>
-            <a:spLocks noGrp="1"/>
-          </p:cNvSpPr>
-          <p:nvPr>
-            <p:ph type="ftr" sz="quarter" idx="12"/>
-          </p:nvPr>
-        </p:nvSpPr>
-        <p:spPr/>
-        <p:txBody>
-          <a:bodyPr/>
-          <a:lstStyle/>
-          <a:p>
-            <a:pPr>
-              <a:defRPr/>
-            </a:pPr>
-            <a:endParaRPr lang="en-US"/>
+            <a:r>
+              <a:rPr lang="en-US" smtClean="0"/>
+              <a:t>Chef Software, Inc.</a:t>
+            </a:r>
+            <a:endParaRPr lang="en-US" dirty="0"/>
           </a:p>
         </p:txBody>
       </p:sp>
@@ -3001,12 +2611,12 @@
       </p:sp>
       <p:sp>
         <p:nvSpPr>
-          <p:cNvPr id="4" name="Slide Number Placeholder 3"/>
-          <p:cNvSpPr>
-            <a:spLocks noGrp="1"/>
-          </p:cNvSpPr>
-          <p:nvPr>
-            <p:ph type="sldNum" sz="quarter" idx="10"/>
+          <p:cNvPr id="5" name="Header Placeholder 4"/>
+          <p:cNvSpPr>
+            <a:spLocks noGrp="1"/>
+          </p:cNvSpPr>
+          <p:nvPr>
+            <p:ph type="hdr" sz="quarter" idx="11"/>
           </p:nvPr>
         </p:nvSpPr>
         <p:spPr/>
@@ -3017,25 +2627,22 @@
             <a:pPr>
               <a:defRPr/>
             </a:pPr>
-            <a:fld id="{DC3734AA-3150-D947-AC52-2F5DF48BFCD5}" type="slidenum">
+            <a:r>
               <a:rPr lang="en-US" smtClean="0"/>
-              <a:pPr>
-                <a:defRPr/>
-              </a:pPr>
-              <a:t>22</a:t>
-            </a:fld>
-            <a:endParaRPr lang="en-US" dirty="0"/>
-          </a:p>
-        </p:txBody>
-      </p:sp>
-      <p:sp>
-        <p:nvSpPr>
-          <p:cNvPr id="5" name="Header Placeholder 4"/>
-          <p:cNvSpPr>
-            <a:spLocks noGrp="1"/>
-          </p:cNvSpPr>
-          <p:nvPr>
-            <p:ph type="hdr" sz="quarter" idx="11"/>
+              <a:t>Test Driven Cookbook Development</a:t>
+            </a:r>
+            <a:endParaRPr lang="en-US"/>
+          </a:p>
+        </p:txBody>
+      </p:sp>
+      <p:sp>
+        <p:nvSpPr>
+          <p:cNvPr id="7" name="Date Placeholder 6"/>
+          <p:cNvSpPr>
+            <a:spLocks noGrp="1"/>
+          </p:cNvSpPr>
+          <p:nvPr>
+            <p:ph type="dt" idx="13"/>
           </p:nvPr>
         </p:nvSpPr>
         <p:spPr/>
@@ -3046,29 +2653,11 @@
             <a:pPr>
               <a:defRPr/>
             </a:pPr>
-            <a:endParaRPr lang="en-US"/>
-          </a:p>
-        </p:txBody>
-      </p:sp>
-      <p:sp>
-        <p:nvSpPr>
-          <p:cNvPr id="6" name="Footer Placeholder 5"/>
-          <p:cNvSpPr>
-            <a:spLocks noGrp="1"/>
-          </p:cNvSpPr>
-          <p:nvPr>
-            <p:ph type="ftr" sz="quarter" idx="12"/>
-          </p:nvPr>
-        </p:nvSpPr>
-        <p:spPr/>
-        <p:txBody>
-          <a:bodyPr/>
-          <a:lstStyle/>
-          <a:p>
-            <a:pPr>
-              <a:defRPr/>
-            </a:pPr>
-            <a:endParaRPr lang="en-US"/>
+            <a:r>
+              <a:rPr lang="en-US" smtClean="0"/>
+              <a:t>Chef Software, Inc.</a:t>
+            </a:r>
+            <a:endParaRPr lang="en-US" dirty="0"/>
           </a:p>
         </p:txBody>
       </p:sp>
@@ -3210,12 +2799,12 @@
       </p:sp>
       <p:sp>
         <p:nvSpPr>
-          <p:cNvPr id="4" name="Slide Number Placeholder 3"/>
-          <p:cNvSpPr>
-            <a:spLocks noGrp="1"/>
-          </p:cNvSpPr>
-          <p:nvPr>
-            <p:ph type="sldNum" sz="quarter" idx="10"/>
+          <p:cNvPr id="5" name="Header Placeholder 4"/>
+          <p:cNvSpPr>
+            <a:spLocks noGrp="1"/>
+          </p:cNvSpPr>
+          <p:nvPr>
+            <p:ph type="hdr" sz="quarter" idx="11"/>
           </p:nvPr>
         </p:nvSpPr>
         <p:spPr/>
@@ -3226,25 +2815,22 @@
             <a:pPr>
               <a:defRPr/>
             </a:pPr>
-            <a:fld id="{DC3734AA-3150-D947-AC52-2F5DF48BFCD5}" type="slidenum">
+            <a:r>
               <a:rPr lang="en-US" smtClean="0"/>
-              <a:pPr>
-                <a:defRPr/>
-              </a:pPr>
-              <a:t>23</a:t>
-            </a:fld>
-            <a:endParaRPr lang="en-US" dirty="0"/>
-          </a:p>
-        </p:txBody>
-      </p:sp>
-      <p:sp>
-        <p:nvSpPr>
-          <p:cNvPr id="5" name="Header Placeholder 4"/>
-          <p:cNvSpPr>
-            <a:spLocks noGrp="1"/>
-          </p:cNvSpPr>
-          <p:nvPr>
-            <p:ph type="hdr" sz="quarter" idx="11"/>
+              <a:t>Test Driven Cookbook Development</a:t>
+            </a:r>
+            <a:endParaRPr lang="en-US"/>
+          </a:p>
+        </p:txBody>
+      </p:sp>
+      <p:sp>
+        <p:nvSpPr>
+          <p:cNvPr id="7" name="Date Placeholder 6"/>
+          <p:cNvSpPr>
+            <a:spLocks noGrp="1"/>
+          </p:cNvSpPr>
+          <p:nvPr>
+            <p:ph type="dt" idx="13"/>
           </p:nvPr>
         </p:nvSpPr>
         <p:spPr/>
@@ -3255,29 +2841,11 @@
             <a:pPr>
               <a:defRPr/>
             </a:pPr>
-            <a:endParaRPr lang="en-US"/>
-          </a:p>
-        </p:txBody>
-      </p:sp>
-      <p:sp>
-        <p:nvSpPr>
-          <p:cNvPr id="6" name="Footer Placeholder 5"/>
-          <p:cNvSpPr>
-            <a:spLocks noGrp="1"/>
-          </p:cNvSpPr>
-          <p:nvPr>
-            <p:ph type="ftr" sz="quarter" idx="12"/>
-          </p:nvPr>
-        </p:nvSpPr>
-        <p:spPr/>
-        <p:txBody>
-          <a:bodyPr/>
-          <a:lstStyle/>
-          <a:p>
-            <a:pPr>
-              <a:defRPr/>
-            </a:pPr>
-            <a:endParaRPr lang="en-US"/>
+            <a:r>
+              <a:rPr lang="en-US" smtClean="0"/>
+              <a:t>Chef Software, Inc.</a:t>
+            </a:r>
+            <a:endParaRPr lang="en-US" dirty="0"/>
           </a:p>
         </p:txBody>
       </p:sp>
@@ -3365,12 +2933,12 @@
       </p:sp>
       <p:sp>
         <p:nvSpPr>
-          <p:cNvPr id="4" name="Slide Number Placeholder 3"/>
-          <p:cNvSpPr>
-            <a:spLocks noGrp="1"/>
-          </p:cNvSpPr>
-          <p:nvPr>
-            <p:ph type="sldNum" sz="quarter" idx="10"/>
+          <p:cNvPr id="5" name="Header Placeholder 4"/>
+          <p:cNvSpPr>
+            <a:spLocks noGrp="1"/>
+          </p:cNvSpPr>
+          <p:nvPr>
+            <p:ph type="hdr" sz="quarter" idx="11"/>
           </p:nvPr>
         </p:nvSpPr>
         <p:spPr/>
@@ -3381,25 +2949,22 @@
             <a:pPr>
               <a:defRPr/>
             </a:pPr>
-            <a:fld id="{DC3734AA-3150-D947-AC52-2F5DF48BFCD5}" type="slidenum">
+            <a:r>
               <a:rPr lang="en-US" smtClean="0"/>
-              <a:pPr>
-                <a:defRPr/>
-              </a:pPr>
-              <a:t>24</a:t>
-            </a:fld>
-            <a:endParaRPr lang="en-US" dirty="0"/>
-          </a:p>
-        </p:txBody>
-      </p:sp>
-      <p:sp>
-        <p:nvSpPr>
-          <p:cNvPr id="5" name="Header Placeholder 4"/>
-          <p:cNvSpPr>
-            <a:spLocks noGrp="1"/>
-          </p:cNvSpPr>
-          <p:nvPr>
-            <p:ph type="hdr" sz="quarter" idx="11"/>
+              <a:t>Test Driven Cookbook Development</a:t>
+            </a:r>
+            <a:endParaRPr lang="en-US"/>
+          </a:p>
+        </p:txBody>
+      </p:sp>
+      <p:sp>
+        <p:nvSpPr>
+          <p:cNvPr id="7" name="Date Placeholder 6"/>
+          <p:cNvSpPr>
+            <a:spLocks noGrp="1"/>
+          </p:cNvSpPr>
+          <p:nvPr>
+            <p:ph type="dt" idx="13"/>
           </p:nvPr>
         </p:nvSpPr>
         <p:spPr/>
@@ -3410,29 +2975,11 @@
             <a:pPr>
               <a:defRPr/>
             </a:pPr>
-            <a:endParaRPr lang="en-US"/>
-          </a:p>
-        </p:txBody>
-      </p:sp>
-      <p:sp>
-        <p:nvSpPr>
-          <p:cNvPr id="6" name="Footer Placeholder 5"/>
-          <p:cNvSpPr>
-            <a:spLocks noGrp="1"/>
-          </p:cNvSpPr>
-          <p:nvPr>
-            <p:ph type="ftr" sz="quarter" idx="12"/>
-          </p:nvPr>
-        </p:nvSpPr>
-        <p:spPr/>
-        <p:txBody>
-          <a:bodyPr/>
-          <a:lstStyle/>
-          <a:p>
-            <a:pPr>
-              <a:defRPr/>
-            </a:pPr>
-            <a:endParaRPr lang="en-US"/>
+            <a:r>
+              <a:rPr lang="en-US" smtClean="0"/>
+              <a:t>Chef Software, Inc.</a:t>
+            </a:r>
+            <a:endParaRPr lang="en-US" dirty="0"/>
           </a:p>
         </p:txBody>
       </p:sp>
@@ -3524,12 +3071,12 @@
       </p:sp>
       <p:sp>
         <p:nvSpPr>
-          <p:cNvPr id="4" name="Slide Number Placeholder 3"/>
-          <p:cNvSpPr>
-            <a:spLocks noGrp="1"/>
-          </p:cNvSpPr>
-          <p:nvPr>
-            <p:ph type="sldNum" sz="quarter" idx="10"/>
+          <p:cNvPr id="5" name="Header Placeholder 4"/>
+          <p:cNvSpPr>
+            <a:spLocks noGrp="1"/>
+          </p:cNvSpPr>
+          <p:nvPr>
+            <p:ph type="hdr" sz="quarter" idx="11"/>
           </p:nvPr>
         </p:nvSpPr>
         <p:spPr/>
@@ -3540,25 +3087,22 @@
             <a:pPr>
               <a:defRPr/>
             </a:pPr>
-            <a:fld id="{DC3734AA-3150-D947-AC52-2F5DF48BFCD5}" type="slidenum">
+            <a:r>
               <a:rPr lang="en-US" smtClean="0"/>
-              <a:pPr>
-                <a:defRPr/>
-              </a:pPr>
-              <a:t>25</a:t>
-            </a:fld>
-            <a:endParaRPr lang="en-US" dirty="0"/>
-          </a:p>
-        </p:txBody>
-      </p:sp>
-      <p:sp>
-        <p:nvSpPr>
-          <p:cNvPr id="5" name="Header Placeholder 4"/>
-          <p:cNvSpPr>
-            <a:spLocks noGrp="1"/>
-          </p:cNvSpPr>
-          <p:nvPr>
-            <p:ph type="hdr" sz="quarter" idx="11"/>
+              <a:t>Test Driven Cookbook Development</a:t>
+            </a:r>
+            <a:endParaRPr lang="en-US"/>
+          </a:p>
+        </p:txBody>
+      </p:sp>
+      <p:sp>
+        <p:nvSpPr>
+          <p:cNvPr id="7" name="Date Placeholder 6"/>
+          <p:cNvSpPr>
+            <a:spLocks noGrp="1"/>
+          </p:cNvSpPr>
+          <p:nvPr>
+            <p:ph type="dt" idx="13"/>
           </p:nvPr>
         </p:nvSpPr>
         <p:spPr/>
@@ -3569,29 +3113,11 @@
             <a:pPr>
               <a:defRPr/>
             </a:pPr>
-            <a:endParaRPr lang="en-US"/>
-          </a:p>
-        </p:txBody>
-      </p:sp>
-      <p:sp>
-        <p:nvSpPr>
-          <p:cNvPr id="6" name="Footer Placeholder 5"/>
-          <p:cNvSpPr>
-            <a:spLocks noGrp="1"/>
-          </p:cNvSpPr>
-          <p:nvPr>
-            <p:ph type="ftr" sz="quarter" idx="12"/>
-          </p:nvPr>
-        </p:nvSpPr>
-        <p:spPr/>
-        <p:txBody>
-          <a:bodyPr/>
-          <a:lstStyle/>
-          <a:p>
-            <a:pPr>
-              <a:defRPr/>
-            </a:pPr>
-            <a:endParaRPr lang="en-US"/>
+            <a:r>
+              <a:rPr lang="en-US" smtClean="0"/>
+              <a:t>Chef Software, Inc.</a:t>
+            </a:r>
+            <a:endParaRPr lang="en-US" dirty="0"/>
           </a:p>
         </p:txBody>
       </p:sp>
@@ -3678,12 +3204,12 @@
       </p:sp>
       <p:sp>
         <p:nvSpPr>
-          <p:cNvPr id="4" name="Slide Number Placeholder 3"/>
-          <p:cNvSpPr>
-            <a:spLocks noGrp="1"/>
-          </p:cNvSpPr>
-          <p:nvPr>
-            <p:ph type="sldNum" sz="quarter" idx="10"/>
+          <p:cNvPr id="5" name="Header Placeholder 4"/>
+          <p:cNvSpPr>
+            <a:spLocks noGrp="1"/>
+          </p:cNvSpPr>
+          <p:nvPr>
+            <p:ph type="hdr" sz="quarter" idx="11"/>
           </p:nvPr>
         </p:nvSpPr>
         <p:spPr/>
@@ -3694,25 +3220,22 @@
             <a:pPr>
               <a:defRPr/>
             </a:pPr>
-            <a:fld id="{DC3734AA-3150-D947-AC52-2F5DF48BFCD5}" type="slidenum">
+            <a:r>
               <a:rPr lang="en-US" smtClean="0"/>
-              <a:pPr>
-                <a:defRPr/>
-              </a:pPr>
-              <a:t>26</a:t>
-            </a:fld>
-            <a:endParaRPr lang="en-US" dirty="0"/>
-          </a:p>
-        </p:txBody>
-      </p:sp>
-      <p:sp>
-        <p:nvSpPr>
-          <p:cNvPr id="5" name="Header Placeholder 4"/>
-          <p:cNvSpPr>
-            <a:spLocks noGrp="1"/>
-          </p:cNvSpPr>
-          <p:nvPr>
-            <p:ph type="hdr" sz="quarter" idx="11"/>
+              <a:t>Test Driven Cookbook Development</a:t>
+            </a:r>
+            <a:endParaRPr lang="en-US"/>
+          </a:p>
+        </p:txBody>
+      </p:sp>
+      <p:sp>
+        <p:nvSpPr>
+          <p:cNvPr id="7" name="Date Placeholder 6"/>
+          <p:cNvSpPr>
+            <a:spLocks noGrp="1"/>
+          </p:cNvSpPr>
+          <p:nvPr>
+            <p:ph type="dt" idx="13"/>
           </p:nvPr>
         </p:nvSpPr>
         <p:spPr/>
@@ -3723,29 +3246,11 @@
             <a:pPr>
               <a:defRPr/>
             </a:pPr>
-            <a:endParaRPr lang="en-US"/>
-          </a:p>
-        </p:txBody>
-      </p:sp>
-      <p:sp>
-        <p:nvSpPr>
-          <p:cNvPr id="6" name="Footer Placeholder 5"/>
-          <p:cNvSpPr>
-            <a:spLocks noGrp="1"/>
-          </p:cNvSpPr>
-          <p:nvPr>
-            <p:ph type="ftr" sz="quarter" idx="12"/>
-          </p:nvPr>
-        </p:nvSpPr>
-        <p:spPr/>
-        <p:txBody>
-          <a:bodyPr/>
-          <a:lstStyle/>
-          <a:p>
-            <a:pPr>
-              <a:defRPr/>
-            </a:pPr>
-            <a:endParaRPr lang="en-US"/>
+            <a:r>
+              <a:rPr lang="en-US" smtClean="0"/>
+              <a:t>Chef Software, Inc.</a:t>
+            </a:r>
+            <a:endParaRPr lang="en-US" dirty="0"/>
           </a:p>
         </p:txBody>
       </p:sp>
@@ -3820,12 +3325,12 @@
       </p:sp>
       <p:sp>
         <p:nvSpPr>
-          <p:cNvPr id="4" name="Slide Number Placeholder 3"/>
-          <p:cNvSpPr>
-            <a:spLocks noGrp="1"/>
-          </p:cNvSpPr>
-          <p:nvPr>
-            <p:ph type="sldNum" sz="quarter" idx="10"/>
+          <p:cNvPr id="5" name="Header Placeholder 4"/>
+          <p:cNvSpPr>
+            <a:spLocks noGrp="1"/>
+          </p:cNvSpPr>
+          <p:nvPr>
+            <p:ph type="hdr" sz="quarter" idx="11"/>
           </p:nvPr>
         </p:nvSpPr>
         <p:spPr/>
@@ -3836,25 +3341,22 @@
             <a:pPr>
               <a:defRPr/>
             </a:pPr>
-            <a:fld id="{DC3734AA-3150-D947-AC52-2F5DF48BFCD5}" type="slidenum">
+            <a:r>
               <a:rPr lang="en-US" smtClean="0"/>
-              <a:pPr>
-                <a:defRPr/>
-              </a:pPr>
-              <a:t>3</a:t>
-            </a:fld>
-            <a:endParaRPr lang="en-US" dirty="0"/>
-          </a:p>
-        </p:txBody>
-      </p:sp>
-      <p:sp>
-        <p:nvSpPr>
-          <p:cNvPr id="5" name="Header Placeholder 4"/>
-          <p:cNvSpPr>
-            <a:spLocks noGrp="1"/>
-          </p:cNvSpPr>
-          <p:nvPr>
-            <p:ph type="hdr" sz="quarter" idx="11"/>
+              <a:t>Test Driven Cookbook Development</a:t>
+            </a:r>
+            <a:endParaRPr lang="en-US"/>
+          </a:p>
+        </p:txBody>
+      </p:sp>
+      <p:sp>
+        <p:nvSpPr>
+          <p:cNvPr id="7" name="Date Placeholder 6"/>
+          <p:cNvSpPr>
+            <a:spLocks noGrp="1"/>
+          </p:cNvSpPr>
+          <p:nvPr>
+            <p:ph type="dt" idx="13"/>
           </p:nvPr>
         </p:nvSpPr>
         <p:spPr/>
@@ -3865,29 +3367,11 @@
             <a:pPr>
               <a:defRPr/>
             </a:pPr>
-            <a:endParaRPr lang="en-US"/>
-          </a:p>
-        </p:txBody>
-      </p:sp>
-      <p:sp>
-        <p:nvSpPr>
-          <p:cNvPr id="6" name="Footer Placeholder 5"/>
-          <p:cNvSpPr>
-            <a:spLocks noGrp="1"/>
-          </p:cNvSpPr>
-          <p:nvPr>
-            <p:ph type="ftr" sz="quarter" idx="12"/>
-          </p:nvPr>
-        </p:nvSpPr>
-        <p:spPr/>
-        <p:txBody>
-          <a:bodyPr/>
-          <a:lstStyle/>
-          <a:p>
-            <a:pPr>
-              <a:defRPr/>
-            </a:pPr>
-            <a:endParaRPr lang="en-US"/>
+            <a:r>
+              <a:rPr lang="en-US" smtClean="0"/>
+              <a:t>Chef Software, Inc.</a:t>
+            </a:r>
+            <a:endParaRPr lang="en-US" dirty="0"/>
           </a:p>
         </p:txBody>
       </p:sp>
@@ -3962,12 +3446,12 @@
       </p:sp>
       <p:sp>
         <p:nvSpPr>
-          <p:cNvPr id="4" name="Slide Number Placeholder 3"/>
-          <p:cNvSpPr>
-            <a:spLocks noGrp="1"/>
-          </p:cNvSpPr>
-          <p:nvPr>
-            <p:ph type="sldNum" sz="quarter" idx="10"/>
+          <p:cNvPr id="5" name="Header Placeholder 4"/>
+          <p:cNvSpPr>
+            <a:spLocks noGrp="1"/>
+          </p:cNvSpPr>
+          <p:nvPr>
+            <p:ph type="hdr" sz="quarter" idx="11"/>
           </p:nvPr>
         </p:nvSpPr>
         <p:spPr/>
@@ -3978,25 +3462,22 @@
             <a:pPr>
               <a:defRPr/>
             </a:pPr>
-            <a:fld id="{DC3734AA-3150-D947-AC52-2F5DF48BFCD5}" type="slidenum">
+            <a:r>
               <a:rPr lang="en-US" smtClean="0"/>
-              <a:pPr>
-                <a:defRPr/>
-              </a:pPr>
-              <a:t>4</a:t>
-            </a:fld>
-            <a:endParaRPr lang="en-US" dirty="0"/>
-          </a:p>
-        </p:txBody>
-      </p:sp>
-      <p:sp>
-        <p:nvSpPr>
-          <p:cNvPr id="5" name="Header Placeholder 4"/>
-          <p:cNvSpPr>
-            <a:spLocks noGrp="1"/>
-          </p:cNvSpPr>
-          <p:nvPr>
-            <p:ph type="hdr" sz="quarter" idx="11"/>
+              <a:t>Test Driven Cookbook Development</a:t>
+            </a:r>
+            <a:endParaRPr lang="en-US"/>
+          </a:p>
+        </p:txBody>
+      </p:sp>
+      <p:sp>
+        <p:nvSpPr>
+          <p:cNvPr id="7" name="Date Placeholder 6"/>
+          <p:cNvSpPr>
+            <a:spLocks noGrp="1"/>
+          </p:cNvSpPr>
+          <p:nvPr>
+            <p:ph type="dt" idx="13"/>
           </p:nvPr>
         </p:nvSpPr>
         <p:spPr/>
@@ -4007,29 +3488,11 @@
             <a:pPr>
               <a:defRPr/>
             </a:pPr>
-            <a:endParaRPr lang="en-US"/>
-          </a:p>
-        </p:txBody>
-      </p:sp>
-      <p:sp>
-        <p:nvSpPr>
-          <p:cNvPr id="6" name="Footer Placeholder 5"/>
-          <p:cNvSpPr>
-            <a:spLocks noGrp="1"/>
-          </p:cNvSpPr>
-          <p:nvPr>
-            <p:ph type="ftr" sz="quarter" idx="12"/>
-          </p:nvPr>
-        </p:nvSpPr>
-        <p:spPr/>
-        <p:txBody>
-          <a:bodyPr/>
-          <a:lstStyle/>
-          <a:p>
-            <a:pPr>
-              <a:defRPr/>
-            </a:pPr>
-            <a:endParaRPr lang="en-US"/>
+            <a:r>
+              <a:rPr lang="en-US" smtClean="0"/>
+              <a:t>Chef Software, Inc.</a:t>
+            </a:r>
+            <a:endParaRPr lang="en-US" dirty="0"/>
           </a:p>
         </p:txBody>
       </p:sp>
@@ -4112,12 +3575,12 @@
       </p:sp>
       <p:sp>
         <p:nvSpPr>
-          <p:cNvPr id="4" name="Slide Number Placeholder 3"/>
-          <p:cNvSpPr>
-            <a:spLocks noGrp="1"/>
-          </p:cNvSpPr>
-          <p:nvPr>
-            <p:ph type="sldNum" sz="quarter" idx="10"/>
+          <p:cNvPr id="5" name="Header Placeholder 4"/>
+          <p:cNvSpPr>
+            <a:spLocks noGrp="1"/>
+          </p:cNvSpPr>
+          <p:nvPr>
+            <p:ph type="hdr" sz="quarter" idx="11"/>
           </p:nvPr>
         </p:nvSpPr>
         <p:spPr/>
@@ -4128,25 +3591,22 @@
             <a:pPr>
               <a:defRPr/>
             </a:pPr>
-            <a:fld id="{DC3734AA-3150-D947-AC52-2F5DF48BFCD5}" type="slidenum">
+            <a:r>
               <a:rPr lang="en-US" smtClean="0"/>
-              <a:pPr>
-                <a:defRPr/>
-              </a:pPr>
-              <a:t>5</a:t>
-            </a:fld>
-            <a:endParaRPr lang="en-US" dirty="0"/>
-          </a:p>
-        </p:txBody>
-      </p:sp>
-      <p:sp>
-        <p:nvSpPr>
-          <p:cNvPr id="5" name="Header Placeholder 4"/>
-          <p:cNvSpPr>
-            <a:spLocks noGrp="1"/>
-          </p:cNvSpPr>
-          <p:nvPr>
-            <p:ph type="hdr" sz="quarter" idx="11"/>
+              <a:t>Test Driven Cookbook Development</a:t>
+            </a:r>
+            <a:endParaRPr lang="en-US"/>
+          </a:p>
+        </p:txBody>
+      </p:sp>
+      <p:sp>
+        <p:nvSpPr>
+          <p:cNvPr id="7" name="Date Placeholder 6"/>
+          <p:cNvSpPr>
+            <a:spLocks noGrp="1"/>
+          </p:cNvSpPr>
+          <p:nvPr>
+            <p:ph type="dt" idx="13"/>
           </p:nvPr>
         </p:nvSpPr>
         <p:spPr/>
@@ -4157,29 +3617,11 @@
             <a:pPr>
               <a:defRPr/>
             </a:pPr>
-            <a:endParaRPr lang="en-US"/>
-          </a:p>
-        </p:txBody>
-      </p:sp>
-      <p:sp>
-        <p:nvSpPr>
-          <p:cNvPr id="6" name="Footer Placeholder 5"/>
-          <p:cNvSpPr>
-            <a:spLocks noGrp="1"/>
-          </p:cNvSpPr>
-          <p:nvPr>
-            <p:ph type="ftr" sz="quarter" idx="12"/>
-          </p:nvPr>
-        </p:nvSpPr>
-        <p:spPr/>
-        <p:txBody>
-          <a:bodyPr/>
-          <a:lstStyle/>
-          <a:p>
-            <a:pPr>
-              <a:defRPr/>
-            </a:pPr>
-            <a:endParaRPr lang="en-US"/>
+            <a:r>
+              <a:rPr lang="en-US" smtClean="0"/>
+              <a:t>Chef Software, Inc.</a:t>
+            </a:r>
+            <a:endParaRPr lang="en-US" dirty="0"/>
           </a:p>
         </p:txBody>
       </p:sp>
@@ -4262,12 +3704,12 @@
       </p:sp>
       <p:sp>
         <p:nvSpPr>
-          <p:cNvPr id="4" name="Slide Number Placeholder 3"/>
-          <p:cNvSpPr>
-            <a:spLocks noGrp="1"/>
-          </p:cNvSpPr>
-          <p:nvPr>
-            <p:ph type="sldNum" sz="quarter" idx="10"/>
+          <p:cNvPr id="5" name="Header Placeholder 4"/>
+          <p:cNvSpPr>
+            <a:spLocks noGrp="1"/>
+          </p:cNvSpPr>
+          <p:nvPr>
+            <p:ph type="hdr" sz="quarter" idx="11"/>
           </p:nvPr>
         </p:nvSpPr>
         <p:spPr/>
@@ -4278,25 +3720,22 @@
             <a:pPr>
               <a:defRPr/>
             </a:pPr>
-            <a:fld id="{DC3734AA-3150-D947-AC52-2F5DF48BFCD5}" type="slidenum">
+            <a:r>
               <a:rPr lang="en-US" smtClean="0"/>
-              <a:pPr>
-                <a:defRPr/>
-              </a:pPr>
-              <a:t>6</a:t>
-            </a:fld>
-            <a:endParaRPr lang="en-US" dirty="0"/>
-          </a:p>
-        </p:txBody>
-      </p:sp>
-      <p:sp>
-        <p:nvSpPr>
-          <p:cNvPr id="5" name="Header Placeholder 4"/>
-          <p:cNvSpPr>
-            <a:spLocks noGrp="1"/>
-          </p:cNvSpPr>
-          <p:nvPr>
-            <p:ph type="hdr" sz="quarter" idx="11"/>
+              <a:t>Test Driven Cookbook Development</a:t>
+            </a:r>
+            <a:endParaRPr lang="en-US"/>
+          </a:p>
+        </p:txBody>
+      </p:sp>
+      <p:sp>
+        <p:nvSpPr>
+          <p:cNvPr id="7" name="Date Placeholder 6"/>
+          <p:cNvSpPr>
+            <a:spLocks noGrp="1"/>
+          </p:cNvSpPr>
+          <p:nvPr>
+            <p:ph type="dt" idx="13"/>
           </p:nvPr>
         </p:nvSpPr>
         <p:spPr/>
@@ -4307,29 +3746,11 @@
             <a:pPr>
               <a:defRPr/>
             </a:pPr>
-            <a:endParaRPr lang="en-US"/>
-          </a:p>
-        </p:txBody>
-      </p:sp>
-      <p:sp>
-        <p:nvSpPr>
-          <p:cNvPr id="6" name="Footer Placeholder 5"/>
-          <p:cNvSpPr>
-            <a:spLocks noGrp="1"/>
-          </p:cNvSpPr>
-          <p:nvPr>
-            <p:ph type="ftr" sz="quarter" idx="12"/>
-          </p:nvPr>
-        </p:nvSpPr>
-        <p:spPr/>
-        <p:txBody>
-          <a:bodyPr/>
-          <a:lstStyle/>
-          <a:p>
-            <a:pPr>
-              <a:defRPr/>
-            </a:pPr>
-            <a:endParaRPr lang="en-US"/>
+            <a:r>
+              <a:rPr lang="en-US" smtClean="0"/>
+              <a:t>Chef Software, Inc.</a:t>
+            </a:r>
+            <a:endParaRPr lang="en-US" dirty="0"/>
           </a:p>
         </p:txBody>
       </p:sp>
@@ -4412,12 +3833,12 @@
       </p:sp>
       <p:sp>
         <p:nvSpPr>
-          <p:cNvPr id="4" name="Slide Number Placeholder 3"/>
-          <p:cNvSpPr>
-            <a:spLocks noGrp="1"/>
-          </p:cNvSpPr>
-          <p:nvPr>
-            <p:ph type="sldNum" sz="quarter" idx="10"/>
+          <p:cNvPr id="5" name="Header Placeholder 4"/>
+          <p:cNvSpPr>
+            <a:spLocks noGrp="1"/>
+          </p:cNvSpPr>
+          <p:nvPr>
+            <p:ph type="hdr" sz="quarter" idx="11"/>
           </p:nvPr>
         </p:nvSpPr>
         <p:spPr/>
@@ -4428,25 +3849,22 @@
             <a:pPr>
               <a:defRPr/>
             </a:pPr>
-            <a:fld id="{DC3734AA-3150-D947-AC52-2F5DF48BFCD5}" type="slidenum">
+            <a:r>
               <a:rPr lang="en-US" smtClean="0"/>
-              <a:pPr>
-                <a:defRPr/>
-              </a:pPr>
-              <a:t>7</a:t>
-            </a:fld>
-            <a:endParaRPr lang="en-US" dirty="0"/>
-          </a:p>
-        </p:txBody>
-      </p:sp>
-      <p:sp>
-        <p:nvSpPr>
-          <p:cNvPr id="5" name="Header Placeholder 4"/>
-          <p:cNvSpPr>
-            <a:spLocks noGrp="1"/>
-          </p:cNvSpPr>
-          <p:nvPr>
-            <p:ph type="hdr" sz="quarter" idx="11"/>
+              <a:t>Test Driven Cookbook Development</a:t>
+            </a:r>
+            <a:endParaRPr lang="en-US"/>
+          </a:p>
+        </p:txBody>
+      </p:sp>
+      <p:sp>
+        <p:nvSpPr>
+          <p:cNvPr id="7" name="Date Placeholder 6"/>
+          <p:cNvSpPr>
+            <a:spLocks noGrp="1"/>
+          </p:cNvSpPr>
+          <p:nvPr>
+            <p:ph type="dt" idx="13"/>
           </p:nvPr>
         </p:nvSpPr>
         <p:spPr/>
@@ -4457,29 +3875,11 @@
             <a:pPr>
               <a:defRPr/>
             </a:pPr>
-            <a:endParaRPr lang="en-US"/>
-          </a:p>
-        </p:txBody>
-      </p:sp>
-      <p:sp>
-        <p:nvSpPr>
-          <p:cNvPr id="6" name="Footer Placeholder 5"/>
-          <p:cNvSpPr>
-            <a:spLocks noGrp="1"/>
-          </p:cNvSpPr>
-          <p:nvPr>
-            <p:ph type="ftr" sz="quarter" idx="12"/>
-          </p:nvPr>
-        </p:nvSpPr>
-        <p:spPr/>
-        <p:txBody>
-          <a:bodyPr/>
-          <a:lstStyle/>
-          <a:p>
-            <a:pPr>
-              <a:defRPr/>
-            </a:pPr>
-            <a:endParaRPr lang="en-US"/>
+            <a:r>
+              <a:rPr lang="en-US" smtClean="0"/>
+              <a:t>Chef Software, Inc.</a:t>
+            </a:r>
+            <a:endParaRPr lang="en-US" dirty="0"/>
           </a:p>
         </p:txBody>
       </p:sp>
@@ -4561,12 +3961,12 @@
       </p:sp>
       <p:sp>
         <p:nvSpPr>
-          <p:cNvPr id="4" name="Slide Number Placeholder 3"/>
-          <p:cNvSpPr>
-            <a:spLocks noGrp="1"/>
-          </p:cNvSpPr>
-          <p:nvPr>
-            <p:ph type="sldNum" sz="quarter" idx="10"/>
+          <p:cNvPr id="5" name="Header Placeholder 4"/>
+          <p:cNvSpPr>
+            <a:spLocks noGrp="1"/>
+          </p:cNvSpPr>
+          <p:nvPr>
+            <p:ph type="hdr" sz="quarter" idx="11"/>
           </p:nvPr>
         </p:nvSpPr>
         <p:spPr/>
@@ -4577,25 +3977,22 @@
             <a:pPr>
               <a:defRPr/>
             </a:pPr>
-            <a:fld id="{DC3734AA-3150-D947-AC52-2F5DF48BFCD5}" type="slidenum">
+            <a:r>
               <a:rPr lang="en-US" smtClean="0"/>
-              <a:pPr>
-                <a:defRPr/>
-              </a:pPr>
-              <a:t>8</a:t>
-            </a:fld>
-            <a:endParaRPr lang="en-US" dirty="0"/>
-          </a:p>
-        </p:txBody>
-      </p:sp>
-      <p:sp>
-        <p:nvSpPr>
-          <p:cNvPr id="5" name="Header Placeholder 4"/>
-          <p:cNvSpPr>
-            <a:spLocks noGrp="1"/>
-          </p:cNvSpPr>
-          <p:nvPr>
-            <p:ph type="hdr" sz="quarter" idx="11"/>
+              <a:t>Test Driven Cookbook Development</a:t>
+            </a:r>
+            <a:endParaRPr lang="en-US"/>
+          </a:p>
+        </p:txBody>
+      </p:sp>
+      <p:sp>
+        <p:nvSpPr>
+          <p:cNvPr id="7" name="Date Placeholder 6"/>
+          <p:cNvSpPr>
+            <a:spLocks noGrp="1"/>
+          </p:cNvSpPr>
+          <p:nvPr>
+            <p:ph type="dt" idx="13"/>
           </p:nvPr>
         </p:nvSpPr>
         <p:spPr/>
@@ -4606,29 +4003,11 @@
             <a:pPr>
               <a:defRPr/>
             </a:pPr>
-            <a:endParaRPr lang="en-US"/>
-          </a:p>
-        </p:txBody>
-      </p:sp>
-      <p:sp>
-        <p:nvSpPr>
-          <p:cNvPr id="6" name="Footer Placeholder 5"/>
-          <p:cNvSpPr>
-            <a:spLocks noGrp="1"/>
-          </p:cNvSpPr>
-          <p:nvPr>
-            <p:ph type="ftr" sz="quarter" idx="12"/>
-          </p:nvPr>
-        </p:nvSpPr>
-        <p:spPr/>
-        <p:txBody>
-          <a:bodyPr/>
-          <a:lstStyle/>
-          <a:p>
-            <a:pPr>
-              <a:defRPr/>
-            </a:pPr>
-            <a:endParaRPr lang="en-US"/>
+            <a:r>
+              <a:rPr lang="en-US" smtClean="0"/>
+              <a:t>Chef Software, Inc.</a:t>
+            </a:r>
+            <a:endParaRPr lang="en-US" dirty="0"/>
           </a:p>
         </p:txBody>
       </p:sp>
@@ -4724,12 +4103,12 @@
       </p:sp>
       <p:sp>
         <p:nvSpPr>
-          <p:cNvPr id="4" name="Slide Number Placeholder 3"/>
-          <p:cNvSpPr>
-            <a:spLocks noGrp="1"/>
-          </p:cNvSpPr>
-          <p:nvPr>
-            <p:ph type="sldNum" sz="quarter" idx="10"/>
+          <p:cNvPr id="5" name="Header Placeholder 4"/>
+          <p:cNvSpPr>
+            <a:spLocks noGrp="1"/>
+          </p:cNvSpPr>
+          <p:nvPr>
+            <p:ph type="hdr" sz="quarter" idx="11"/>
           </p:nvPr>
         </p:nvSpPr>
         <p:spPr/>
@@ -4740,25 +4119,22 @@
             <a:pPr>
               <a:defRPr/>
             </a:pPr>
-            <a:fld id="{DC3734AA-3150-D947-AC52-2F5DF48BFCD5}" type="slidenum">
+            <a:r>
               <a:rPr lang="en-US" smtClean="0"/>
-              <a:pPr>
-                <a:defRPr/>
-              </a:pPr>
-              <a:t>9</a:t>
-            </a:fld>
-            <a:endParaRPr lang="en-US" dirty="0"/>
-          </a:p>
-        </p:txBody>
-      </p:sp>
-      <p:sp>
-        <p:nvSpPr>
-          <p:cNvPr id="5" name="Header Placeholder 4"/>
-          <p:cNvSpPr>
-            <a:spLocks noGrp="1"/>
-          </p:cNvSpPr>
-          <p:nvPr>
-            <p:ph type="hdr" sz="quarter" idx="11"/>
+              <a:t>Test Driven Cookbook Development</a:t>
+            </a:r>
+            <a:endParaRPr lang="en-US"/>
+          </a:p>
+        </p:txBody>
+      </p:sp>
+      <p:sp>
+        <p:nvSpPr>
+          <p:cNvPr id="7" name="Date Placeholder 6"/>
+          <p:cNvSpPr>
+            <a:spLocks noGrp="1"/>
+          </p:cNvSpPr>
+          <p:nvPr>
+            <p:ph type="dt" idx="13"/>
           </p:nvPr>
         </p:nvSpPr>
         <p:spPr/>
@@ -4769,29 +4145,11 @@
             <a:pPr>
               <a:defRPr/>
             </a:pPr>
-            <a:endParaRPr lang="en-US"/>
-          </a:p>
-        </p:txBody>
-      </p:sp>
-      <p:sp>
-        <p:nvSpPr>
-          <p:cNvPr id="6" name="Footer Placeholder 5"/>
-          <p:cNvSpPr>
-            <a:spLocks noGrp="1"/>
-          </p:cNvSpPr>
-          <p:nvPr>
-            <p:ph type="ftr" sz="quarter" idx="12"/>
-          </p:nvPr>
-        </p:nvSpPr>
-        <p:spPr/>
-        <p:txBody>
-          <a:bodyPr/>
-          <a:lstStyle/>
-          <a:p>
-            <a:pPr>
-              <a:defRPr/>
-            </a:pPr>
-            <a:endParaRPr lang="en-US"/>
+            <a:r>
+              <a:rPr lang="en-US" smtClean="0"/>
+              <a:t>Chef Software, Inc.</a:t>
+            </a:r>
+            <a:endParaRPr lang="en-US" dirty="0"/>
           </a:p>
         </p:txBody>
       </p:sp>
@@ -4945,7 +4303,7 @@
   <p:clrMapOvr>
     <a:masterClrMapping/>
   </p:clrMapOvr>
-  <p:transition xmlns:p14="http://schemas.microsoft.com/office/powerpoint/2010/main" spd="med">
+  <p:transition spd="med">
     <p:fade/>
   </p:transition>
 </p:sldLayout>
@@ -5240,7 +4598,7 @@
   <p:clrMapOvr>
     <a:overrideClrMapping bg1="lt1" tx1="dk1" bg2="lt2" tx2="dk2" accent1="accent1" accent2="accent2" accent3="accent3" accent4="accent4" accent5="accent5" accent6="accent6" hlink="hlink" folHlink="folHlink"/>
   </p:clrMapOvr>
-  <p:transition xmlns:p14="http://schemas.microsoft.com/office/powerpoint/2010/main" spd="med">
+  <p:transition spd="med">
     <p:fade/>
   </p:transition>
 </p:sldLayout>
@@ -5373,14 +4731,14 @@
           </a:ln>
           <a:extLst>
             <a:ext uri="{909E8E84-426E-40dd-AFC4-6F175D3DCCD1}">
-              <a14:hiddenFill xmlns:a14="http://schemas.microsoft.com/office/drawing/2010/main">
+              <a14:hiddenFill xmlns:a14="http://schemas.microsoft.com/office/drawing/2010/main" xmlns="">
                 <a:solidFill>
                   <a:srgbClr val="FFFFFF"/>
                 </a:solidFill>
               </a14:hiddenFill>
             </a:ext>
             <a:ext uri="{91240B29-F687-4f45-9708-019B960494DF}">
-              <a14:hiddenLine xmlns:a14="http://schemas.microsoft.com/office/drawing/2010/main" w="9525">
+              <a14:hiddenLine xmlns:a14="http://schemas.microsoft.com/office/drawing/2010/main" xmlns="" w="9525">
                 <a:solidFill>
                   <a:srgbClr val="000000"/>
                 </a:solidFill>
@@ -5528,14 +4886,14 @@
           </a:ln>
           <a:extLst>
             <a:ext uri="{909E8E84-426E-40dd-AFC4-6F175D3DCCD1}">
-              <a14:hiddenFill xmlns:a14="http://schemas.microsoft.com/office/drawing/2010/main">
+              <a14:hiddenFill xmlns:a14="http://schemas.microsoft.com/office/drawing/2010/main" xmlns="">
                 <a:solidFill>
                   <a:srgbClr val="FFFFFF"/>
                 </a:solidFill>
               </a14:hiddenFill>
             </a:ext>
             <a:ext uri="{91240B29-F687-4f45-9708-019B960494DF}">
-              <a14:hiddenLine xmlns:a14="http://schemas.microsoft.com/office/drawing/2010/main" w="9525">
+              <a14:hiddenLine xmlns:a14="http://schemas.microsoft.com/office/drawing/2010/main" xmlns="" w="9525">
                 <a:solidFill>
                   <a:srgbClr val="000000"/>
                 </a:solidFill>
@@ -5933,7 +5291,7 @@
   <p:clrMapOvr>
     <a:overrideClrMapping bg1="lt1" tx1="dk1" bg2="lt2" tx2="dk2" accent1="accent1" accent2="accent2" accent3="accent3" accent4="accent4" accent5="accent5" accent6="accent6" hlink="hlink" folHlink="folHlink"/>
   </p:clrMapOvr>
-  <p:transition xmlns:p14="http://schemas.microsoft.com/office/powerpoint/2010/main" spd="med">
+  <p:transition spd="med">
     <p:fade/>
   </p:transition>
 </p:sldLayout>
@@ -6026,14 +5384,14 @@
           </a:ln>
           <a:extLst>
             <a:ext uri="{909E8E84-426E-40dd-AFC4-6F175D3DCCD1}">
-              <a14:hiddenFill xmlns:a14="http://schemas.microsoft.com/office/drawing/2010/main">
+              <a14:hiddenFill xmlns:a14="http://schemas.microsoft.com/office/drawing/2010/main" xmlns="">
                 <a:solidFill>
                   <a:srgbClr val="FFFFFF"/>
                 </a:solidFill>
               </a14:hiddenFill>
             </a:ext>
             <a:ext uri="{91240B29-F687-4f45-9708-019B960494DF}">
-              <a14:hiddenLine xmlns:a14="http://schemas.microsoft.com/office/drawing/2010/main" w="9525">
+              <a14:hiddenLine xmlns:a14="http://schemas.microsoft.com/office/drawing/2010/main" xmlns="" w="9525">
                 <a:solidFill>
                   <a:srgbClr val="000000"/>
                 </a:solidFill>
@@ -6055,7 +5413,7 @@
   <p:clrMapOvr>
     <a:masterClrMapping/>
   </p:clrMapOvr>
-  <p:transition xmlns:p14="http://schemas.microsoft.com/office/powerpoint/2010/main" spd="med">
+  <p:transition spd="med">
     <p:fade/>
   </p:transition>
 </p:sldLayout>
@@ -6342,7 +5700,7 @@
   <p:clrMapOvr>
     <a:masterClrMapping/>
   </p:clrMapOvr>
-  <p:transition xmlns:p14="http://schemas.microsoft.com/office/powerpoint/2010/main" spd="med">
+  <p:transition spd="med">
     <p:fade/>
   </p:transition>
 </p:sldLayout>
@@ -6629,7 +5987,7 @@
   <p:clrMapOvr>
     <a:masterClrMapping/>
   </p:clrMapOvr>
-  <p:transition xmlns:p14="http://schemas.microsoft.com/office/powerpoint/2010/main" spd="med">
+  <p:transition spd="med">
     <p:fade/>
   </p:transition>
 </p:sldLayout>
@@ -6978,7 +6336,7 @@
   <p:clrMapOvr>
     <a:masterClrMapping/>
   </p:clrMapOvr>
-  <p:transition xmlns:p14="http://schemas.microsoft.com/office/powerpoint/2010/main" spd="med">
+  <p:transition spd="med">
     <p:fade/>
   </p:transition>
 </p:sldLayout>
@@ -7265,7 +6623,7 @@
   <p:clrMapOvr>
     <a:masterClrMapping/>
   </p:clrMapOvr>
-  <p:transition xmlns:p14="http://schemas.microsoft.com/office/powerpoint/2010/main" spd="med">
+  <p:transition spd="med">
     <p:fade/>
   </p:transition>
 </p:sldLayout>
@@ -7482,14 +6840,14 @@
           </a:ln>
           <a:extLst>
             <a:ext uri="{909E8E84-426E-40dd-AFC4-6F175D3DCCD1}">
-              <a14:hiddenFill xmlns:a14="http://schemas.microsoft.com/office/drawing/2010/main">
+              <a14:hiddenFill xmlns:a14="http://schemas.microsoft.com/office/drawing/2010/main" xmlns="">
                 <a:solidFill>
                   <a:srgbClr val="FFFFFF"/>
                 </a:solidFill>
               </a14:hiddenFill>
             </a:ext>
             <a:ext uri="{91240B29-F687-4f45-9708-019B960494DF}">
-              <a14:hiddenLine xmlns:a14="http://schemas.microsoft.com/office/drawing/2010/main" w="9525">
+              <a14:hiddenLine xmlns:a14="http://schemas.microsoft.com/office/drawing/2010/main" xmlns="" w="9525">
                 <a:solidFill>
                   <a:srgbClr val="000000"/>
                 </a:solidFill>
@@ -7686,7 +7044,7 @@
   <p:clrMapOvr>
     <a:masterClrMapping/>
   </p:clrMapOvr>
-  <p:transition xmlns:p14="http://schemas.microsoft.com/office/powerpoint/2010/main" spd="med">
+  <p:transition spd="med">
     <p:fade/>
   </p:transition>
 </p:sldLayout>
@@ -7974,7 +7332,7 @@
   <p:clrMapOvr>
     <a:masterClrMapping/>
   </p:clrMapOvr>
-  <p:transition xmlns:p14="http://schemas.microsoft.com/office/powerpoint/2010/main" spd="med">
+  <p:transition spd="med">
     <p:fade/>
   </p:transition>
 </p:sldLayout>
@@ -8286,7 +7644,7 @@
   <p:clrMapOvr>
     <a:masterClrMapping/>
   </p:clrMapOvr>
-  <p:transition xmlns:p14="http://schemas.microsoft.com/office/powerpoint/2010/main" spd="med">
+  <p:transition spd="med">
     <p:fade/>
   </p:transition>
 </p:sldLayout>
@@ -8463,7 +7821,7 @@
   <p:clrMapOvr>
     <a:masterClrMapping/>
   </p:clrMapOvr>
-  <p:transition xmlns:p14="http://schemas.microsoft.com/office/powerpoint/2010/main" spd="med">
+  <p:transition spd="med">
     <p:fade/>
   </p:transition>
 </p:sldLayout>
@@ -8767,7 +8125,7 @@
   <p:clrMapOvr>
     <a:masterClrMapping/>
   </p:clrMapOvr>
-  <p:transition xmlns:p14="http://schemas.microsoft.com/office/powerpoint/2010/main" spd="med">
+  <p:transition spd="med">
     <p:fade/>
   </p:transition>
 </p:sldLayout>
@@ -8843,14 +8201,14 @@
           </a:ln>
           <a:extLst>
             <a:ext uri="{909E8E84-426E-40dd-AFC4-6F175D3DCCD1}">
-              <a14:hiddenFill xmlns:a14="http://schemas.microsoft.com/office/drawing/2010/main">
+              <a14:hiddenFill xmlns:a14="http://schemas.microsoft.com/office/drawing/2010/main" xmlns="">
                 <a:solidFill>
                   <a:srgbClr val="FFFFFF"/>
                 </a:solidFill>
               </a14:hiddenFill>
             </a:ext>
             <a:ext uri="{91240B29-F687-4f45-9708-019B960494DF}">
-              <a14:hiddenLine xmlns:a14="http://schemas.microsoft.com/office/drawing/2010/main" w="9525">
+              <a14:hiddenLine xmlns:a14="http://schemas.microsoft.com/office/drawing/2010/main" xmlns="" w="9525">
                 <a:solidFill>
                   <a:srgbClr val="000000"/>
                 </a:solidFill>
@@ -9126,7 +8484,7 @@
   <p:clrMapOvr>
     <a:overrideClrMapping bg1="lt1" tx1="dk1" bg2="lt2" tx2="dk2" accent1="accent1" accent2="accent2" accent3="accent3" accent4="accent4" accent5="accent5" accent6="accent6" hlink="hlink" folHlink="folHlink"/>
   </p:clrMapOvr>
-  <p:transition xmlns:p14="http://schemas.microsoft.com/office/powerpoint/2010/main" spd="med">
+  <p:transition spd="med">
     <p:fade/>
   </p:transition>
 </p:sldLayout>
@@ -9332,7 +8690,7 @@
   <p:clrMapOvr>
     <a:overrideClrMapping bg1="lt1" tx1="dk1" bg2="lt2" tx2="dk2" accent1="accent1" accent2="accent2" accent3="accent3" accent4="accent4" accent5="accent5" accent6="accent6" hlink="hlink" folHlink="folHlink"/>
   </p:clrMapOvr>
-  <p:transition xmlns:p14="http://schemas.microsoft.com/office/powerpoint/2010/main" spd="med">
+  <p:transition spd="med">
     <p:fade/>
   </p:transition>
 </p:sldLayout>
@@ -9408,14 +8766,14 @@
           </a:ln>
           <a:extLst>
             <a:ext uri="{909E8E84-426E-40dd-AFC4-6F175D3DCCD1}">
-              <a14:hiddenFill xmlns:a14="http://schemas.microsoft.com/office/drawing/2010/main">
+              <a14:hiddenFill xmlns:a14="http://schemas.microsoft.com/office/drawing/2010/main" xmlns="">
                 <a:solidFill>
                   <a:srgbClr val="FFFFFF"/>
                 </a:solidFill>
               </a14:hiddenFill>
             </a:ext>
             <a:ext uri="{91240B29-F687-4f45-9708-019B960494DF}">
-              <a14:hiddenLine xmlns:a14="http://schemas.microsoft.com/office/drawing/2010/main" w="9525">
+              <a14:hiddenLine xmlns:a14="http://schemas.microsoft.com/office/drawing/2010/main" xmlns="" w="9525">
                 <a:solidFill>
                   <a:srgbClr val="000000"/>
                 </a:solidFill>
@@ -9698,7 +9056,7 @@
   <p:clrMapOvr>
     <a:overrideClrMapping bg1="lt1" tx1="dk1" bg2="lt2" tx2="dk2" accent1="accent1" accent2="accent2" accent3="accent3" accent4="accent4" accent5="accent5" accent6="accent6" hlink="hlink" folHlink="folHlink"/>
   </p:clrMapOvr>
-  <p:transition xmlns:p14="http://schemas.microsoft.com/office/powerpoint/2010/main" spd="med">
+  <p:transition spd="med">
     <p:fade/>
   </p:transition>
 </p:sldLayout>
@@ -9906,7 +9264,7 @@
   <p:clrMapOvr>
     <a:overrideClrMapping bg1="lt1" tx1="dk1" bg2="lt2" tx2="dk2" accent1="accent1" accent2="accent2" accent3="accent3" accent4="accent4" accent5="accent5" accent6="accent6" hlink="hlink" folHlink="folHlink"/>
   </p:clrMapOvr>
-  <p:transition xmlns:p14="http://schemas.microsoft.com/office/powerpoint/2010/main" spd="med">
+  <p:transition spd="med">
     <p:fade/>
   </p:transition>
 </p:sldLayout>
@@ -9982,14 +9340,14 @@
           </a:ln>
           <a:extLst>
             <a:ext uri="{909E8E84-426E-40dd-AFC4-6F175D3DCCD1}">
-              <a14:hiddenFill xmlns:a14="http://schemas.microsoft.com/office/drawing/2010/main">
+              <a14:hiddenFill xmlns:a14="http://schemas.microsoft.com/office/drawing/2010/main" xmlns="">
                 <a:solidFill>
                   <a:srgbClr val="FFFFFF"/>
                 </a:solidFill>
               </a14:hiddenFill>
             </a:ext>
             <a:ext uri="{91240B29-F687-4f45-9708-019B960494DF}">
-              <a14:hiddenLine xmlns:a14="http://schemas.microsoft.com/office/drawing/2010/main" w="9525">
+              <a14:hiddenLine xmlns:a14="http://schemas.microsoft.com/office/drawing/2010/main" xmlns="" w="9525">
                 <a:solidFill>
                   <a:srgbClr val="000000"/>
                 </a:solidFill>
@@ -10257,7 +9615,7 @@
   <p:clrMapOvr>
     <a:overrideClrMapping bg1="lt1" tx1="dk1" bg2="lt2" tx2="dk2" accent1="accent1" accent2="accent2" accent3="accent3" accent4="accent4" accent5="accent5" accent6="accent6" hlink="hlink" folHlink="folHlink"/>
   </p:clrMapOvr>
-  <p:transition xmlns:p14="http://schemas.microsoft.com/office/powerpoint/2010/main" spd="med">
+  <p:transition spd="med">
     <p:fade/>
   </p:transition>
 </p:sldLayout>
@@ -10485,7 +9843,7 @@
   <p:clrMapOvr>
     <a:overrideClrMapping bg1="lt1" tx1="dk1" bg2="lt2" tx2="dk2" accent1="accent1" accent2="accent2" accent3="accent3" accent4="accent4" accent5="accent5" accent6="accent6" hlink="hlink" folHlink="folHlink"/>
   </p:clrMapOvr>
-  <p:transition xmlns:p14="http://schemas.microsoft.com/office/powerpoint/2010/main" spd="med">
+  <p:transition spd="med">
     <p:fade/>
   </p:transition>
 </p:sldLayout>
@@ -10773,7 +10131,7 @@
   <p:clrMapOvr>
     <a:overrideClrMapping bg1="lt1" tx1="dk1" bg2="lt2" tx2="dk2" accent1="accent1" accent2="accent2" accent3="accent3" accent4="accent4" accent5="accent5" accent6="accent6" hlink="hlink" folHlink="folHlink"/>
   </p:clrMapOvr>
-  <p:transition xmlns:p14="http://schemas.microsoft.com/office/powerpoint/2010/main" spd="med">
+  <p:transition spd="med">
     <p:fade/>
   </p:transition>
 </p:sldLayout>
@@ -10929,14 +10287,14 @@
           </a:ln>
           <a:extLst>
             <a:ext uri="{909E8E84-426E-40dd-AFC4-6F175D3DCCD1}">
-              <a14:hiddenFill xmlns:a14="http://schemas.microsoft.com/office/drawing/2010/main">
+              <a14:hiddenFill xmlns:a14="http://schemas.microsoft.com/office/drawing/2010/main" xmlns="">
                 <a:solidFill>
                   <a:srgbClr val="FFFFFF"/>
                 </a:solidFill>
               </a14:hiddenFill>
             </a:ext>
             <a:ext uri="{91240B29-F687-4f45-9708-019B960494DF}">
-              <a14:hiddenLine xmlns:a14="http://schemas.microsoft.com/office/drawing/2010/main" w="9525">
+              <a14:hiddenLine xmlns:a14="http://schemas.microsoft.com/office/drawing/2010/main" xmlns="" w="9525">
                 <a:solidFill>
                   <a:srgbClr val="000000"/>
                 </a:solidFill>
@@ -11035,7 +10393,7 @@
                 <a:ea typeface="+mn-ea"/>
                 <a:cs typeface="+mn-cs"/>
               </a:rPr>
-              <a:t>2016</a:t>
+              <a:t>2017</a:t>
             </a:r>
             <a:r>
               <a:rPr lang="en-US" dirty="0" smtClean="0">
@@ -11186,13 +10544,13 @@
     <p:sldLayoutId id="2147483841" r:id="rId11"/>
     <p:sldLayoutId id="2147483843" r:id="rId12"/>
   </p:sldLayoutIdLst>
-  <p:transition xmlns:p14="http://schemas.microsoft.com/office/powerpoint/2010/main" spd="med">
+  <p:transition spd="med">
     <p:fade/>
   </p:transition>
   <p:timing>
     <p:tnLst>
       <p:par>
-        <p:cTn xmlns:p14="http://schemas.microsoft.com/office/powerpoint/2010/main" id="1" dur="indefinite" restart="never" nodeType="tmRoot"/>
+        <p:cTn id="1" dur="indefinite" restart="never" nodeType="tmRoot"/>
       </p:par>
     </p:tnLst>
   </p:timing>
@@ -11720,14 +11078,14 @@
           </a:ln>
           <a:extLst>
             <a:ext uri="{909E8E84-426E-40dd-AFC4-6F175D3DCCD1}">
-              <a14:hiddenFill xmlns:a14="http://schemas.microsoft.com/office/drawing/2010/main">
+              <a14:hiddenFill xmlns:a14="http://schemas.microsoft.com/office/drawing/2010/main" xmlns="">
                 <a:solidFill>
                   <a:srgbClr val="FFFFFF"/>
                 </a:solidFill>
               </a14:hiddenFill>
             </a:ext>
             <a:ext uri="{91240B29-F687-4f45-9708-019B960494DF}">
-              <a14:hiddenLine xmlns:a14="http://schemas.microsoft.com/office/drawing/2010/main" w="9525">
+              <a14:hiddenLine xmlns:a14="http://schemas.microsoft.com/office/drawing/2010/main" xmlns="" w="9525">
                 <a:solidFill>
                   <a:srgbClr val="000000"/>
                 </a:solidFill>
@@ -11826,7 +11184,7 @@
                 <a:ea typeface="+mn-ea"/>
                 <a:cs typeface="+mn-cs"/>
               </a:rPr>
-              <a:t>2016</a:t>
+              <a:t>2017</a:t>
             </a:r>
             <a:r>
               <a:rPr lang="en-US" dirty="0" smtClean="0">
@@ -12048,13 +11406,13 @@
     <p:sldLayoutId id="2147483856" r:id="rId7"/>
     <p:sldLayoutId id="2147483866" r:id="rId8"/>
   </p:sldLayoutIdLst>
-  <p:transition xmlns:p14="http://schemas.microsoft.com/office/powerpoint/2010/main" spd="med">
+  <p:transition spd="med">
     <p:fade/>
   </p:transition>
   <p:timing>
     <p:tnLst>
       <p:par>
-        <p:cTn xmlns:p14="http://schemas.microsoft.com/office/powerpoint/2010/main" id="1" dur="indefinite" restart="never" nodeType="tmRoot"/>
+        <p:cTn id="1" dur="indefinite" restart="never" nodeType="tmRoot"/>
       </p:par>
     </p:tnLst>
   </p:timing>
@@ -12547,13 +11905,13 @@
   <p:clrMapOvr>
     <a:masterClrMapping/>
   </p:clrMapOvr>
-  <p:transition xmlns:p14="http://schemas.microsoft.com/office/powerpoint/2010/main" spd="med">
+  <p:transition spd="med">
     <p:fade/>
   </p:transition>
   <p:timing>
     <p:tnLst>
       <p:par>
-        <p:cTn xmlns:p14="http://schemas.microsoft.com/office/powerpoint/2010/main" id="1" dur="indefinite" restart="never" nodeType="tmRoot"/>
+        <p:cTn id="1" dur="indefinite" restart="never" nodeType="tmRoot"/>
       </p:par>
     </p:tnLst>
   </p:timing>
@@ -12706,13 +12064,13 @@
   <p:clrMapOvr>
     <a:masterClrMapping/>
   </p:clrMapOvr>
-  <p:transition xmlns:p14="http://schemas.microsoft.com/office/powerpoint/2010/main" spd="med">
+  <p:transition spd="med">
     <p:fade/>
   </p:transition>
   <p:timing>
     <p:tnLst>
       <p:par>
-        <p:cTn xmlns:p14="http://schemas.microsoft.com/office/powerpoint/2010/main" id="1" dur="indefinite" restart="never" nodeType="tmRoot"/>
+        <p:cTn id="1" dur="indefinite" restart="never" nodeType="tmRoot"/>
       </p:par>
     </p:tnLst>
   </p:timing>
@@ -12829,13 +12187,13 @@
   <p:clrMapOvr>
     <a:masterClrMapping/>
   </p:clrMapOvr>
-  <p:transition xmlns:p14="http://schemas.microsoft.com/office/powerpoint/2010/main" spd="med">
+  <p:transition spd="med">
     <p:fade/>
   </p:transition>
   <p:timing>
     <p:tnLst>
       <p:par>
-        <p:cTn xmlns:p14="http://schemas.microsoft.com/office/powerpoint/2010/main" id="1" dur="indefinite" restart="never" nodeType="tmRoot"/>
+        <p:cTn id="1" dur="indefinite" restart="never" nodeType="tmRoot"/>
       </p:par>
     </p:tnLst>
   </p:timing>
@@ -12917,13 +12275,13 @@
   <p:clrMapOvr>
     <a:masterClrMapping/>
   </p:clrMapOvr>
-  <p:transition xmlns:p14="http://schemas.microsoft.com/office/powerpoint/2010/main" spd="med">
+  <p:transition spd="med">
     <p:fade/>
   </p:transition>
   <p:timing>
     <p:tnLst>
       <p:par>
-        <p:cTn xmlns:p14="http://schemas.microsoft.com/office/powerpoint/2010/main" id="1" dur="indefinite" restart="never" nodeType="tmRoot"/>
+        <p:cTn id="1" dur="indefinite" restart="never" nodeType="tmRoot"/>
       </p:par>
     </p:tnLst>
   </p:timing>
@@ -13020,7 +12378,7 @@
             </a:r>
             <a:r>
               <a:rPr lang="is-IS" dirty="0" smtClean="0"/>
-              <a:t>2016</a:t>
+              <a:t>2017</a:t>
             </a:r>
             <a:r>
               <a:rPr lang="en-US" dirty="0" smtClean="0"/>
@@ -13120,13 +12478,13 @@
   <p:clrMapOvr>
     <a:masterClrMapping/>
   </p:clrMapOvr>
-  <p:transition xmlns:p14="http://schemas.microsoft.com/office/powerpoint/2010/main" spd="med">
+  <p:transition spd="med">
     <p:fade/>
   </p:transition>
   <p:timing>
     <p:tnLst>
       <p:par>
-        <p:cTn xmlns:p14="http://schemas.microsoft.com/office/powerpoint/2010/main" id="1" dur="indefinite" restart="never" nodeType="tmRoot"/>
+        <p:cTn id="1" dur="indefinite" restart="never" nodeType="tmRoot"/>
       </p:par>
     </p:tnLst>
   </p:timing>
@@ -13339,13 +12697,13 @@
   <p:clrMapOvr>
     <a:masterClrMapping/>
   </p:clrMapOvr>
-  <p:transition xmlns:p14="http://schemas.microsoft.com/office/powerpoint/2010/main" spd="med">
+  <p:transition spd="med">
     <p:fade/>
   </p:transition>
   <p:timing>
     <p:tnLst>
       <p:par>
-        <p:cTn xmlns:p14="http://schemas.microsoft.com/office/powerpoint/2010/main" id="1" dur="indefinite" restart="never" nodeType="tmRoot"/>
+        <p:cTn id="1" dur="indefinite" restart="never" nodeType="tmRoot"/>
       </p:par>
     </p:tnLst>
   </p:timing>
@@ -13442,7 +12800,7 @@
             </a:r>
             <a:r>
               <a:rPr lang="is-IS" dirty="0" smtClean="0"/>
-              <a:t>2016</a:t>
+              <a:t>2017</a:t>
             </a:r>
             <a:r>
               <a:rPr lang="en-US" dirty="0" smtClean="0"/>
@@ -13542,13 +12900,13 @@
   <p:clrMapOvr>
     <a:masterClrMapping/>
   </p:clrMapOvr>
-  <p:transition xmlns:p14="http://schemas.microsoft.com/office/powerpoint/2010/main" spd="med">
+  <p:transition spd="med">
     <p:fade/>
   </p:transition>
   <p:timing>
     <p:tnLst>
       <p:par>
-        <p:cTn xmlns:p14="http://schemas.microsoft.com/office/powerpoint/2010/main" id="1" dur="indefinite" restart="never" nodeType="tmRoot"/>
+        <p:cTn id="1" dur="indefinite" restart="never" nodeType="tmRoot"/>
       </p:par>
     </p:tnLst>
   </p:timing>
@@ -13701,13 +13059,13 @@
   <p:clrMapOvr>
     <a:masterClrMapping/>
   </p:clrMapOvr>
-  <p:transition xmlns:p14="http://schemas.microsoft.com/office/powerpoint/2010/main" spd="med">
+  <p:transition spd="med">
     <p:fade/>
   </p:transition>
   <p:timing>
     <p:tnLst>
       <p:par>
-        <p:cTn xmlns:p14="http://schemas.microsoft.com/office/powerpoint/2010/main" id="1" dur="indefinite" restart="never" nodeType="tmRoot"/>
+        <p:cTn id="1" dur="indefinite" restart="never" nodeType="tmRoot"/>
       </p:par>
     </p:tnLst>
   </p:timing>
@@ -13829,13 +13187,13 @@
   <p:clrMapOvr>
     <a:masterClrMapping/>
   </p:clrMapOvr>
-  <p:transition xmlns:p14="http://schemas.microsoft.com/office/powerpoint/2010/main" spd="med">
+  <p:transition spd="med">
     <p:fade/>
   </p:transition>
   <p:timing>
     <p:tnLst>
       <p:par>
-        <p:cTn xmlns:p14="http://schemas.microsoft.com/office/powerpoint/2010/main" id="1" dur="indefinite" restart="never" nodeType="tmRoot"/>
+        <p:cTn id="1" dur="indefinite" restart="never" nodeType="tmRoot"/>
       </p:par>
     </p:tnLst>
   </p:timing>
@@ -14039,13 +13397,13 @@
   <p:clrMapOvr>
     <a:masterClrMapping/>
   </p:clrMapOvr>
-  <p:transition xmlns:p14="http://schemas.microsoft.com/office/powerpoint/2010/main" spd="med">
+  <p:transition spd="med">
     <p:fade/>
   </p:transition>
   <p:timing>
     <p:tnLst>
       <p:par>
-        <p:cTn xmlns:p14="http://schemas.microsoft.com/office/powerpoint/2010/main" id="1" dur="indefinite" restart="never" nodeType="tmRoot"/>
+        <p:cTn id="1" dur="indefinite" restart="never" nodeType="tmRoot"/>
       </p:par>
     </p:tnLst>
   </p:timing>
@@ -14296,13 +13654,13 @@
   <p:clrMapOvr>
     <a:masterClrMapping/>
   </p:clrMapOvr>
-  <p:transition xmlns:p14="http://schemas.microsoft.com/office/powerpoint/2010/main" spd="med">
+  <p:transition spd="med">
     <p:fade/>
   </p:transition>
   <p:timing>
     <p:tnLst>
       <p:par>
-        <p:cTn xmlns:p14="http://schemas.microsoft.com/office/powerpoint/2010/main" id="1" dur="indefinite" restart="never" nodeType="tmRoot"/>
+        <p:cTn id="1" dur="indefinite" restart="never" nodeType="tmRoot"/>
       </p:par>
     </p:tnLst>
   </p:timing>
@@ -14399,13 +13757,13 @@
   <p:clrMapOvr>
     <a:masterClrMapping/>
   </p:clrMapOvr>
-  <p:transition xmlns:p14="http://schemas.microsoft.com/office/powerpoint/2010/main" spd="med">
+  <p:transition spd="med">
     <p:fade/>
   </p:transition>
   <p:timing>
     <p:tnLst>
       <p:par>
-        <p:cTn xmlns:p14="http://schemas.microsoft.com/office/powerpoint/2010/main" id="1" dur="indefinite" restart="never" nodeType="tmRoot"/>
+        <p:cTn id="1" dur="indefinite" restart="never" nodeType="tmRoot"/>
       </p:par>
     </p:tnLst>
   </p:timing>
@@ -14566,13 +13924,13 @@
   <p:clrMapOvr>
     <a:masterClrMapping/>
   </p:clrMapOvr>
-  <p:transition xmlns:p14="http://schemas.microsoft.com/office/powerpoint/2010/main" spd="med">
+  <p:transition spd="med">
     <p:fade/>
   </p:transition>
   <p:timing>
     <p:tnLst>
       <p:par>
-        <p:cTn xmlns:p14="http://schemas.microsoft.com/office/powerpoint/2010/main" id="1" dur="indefinite" restart="never" nodeType="tmRoot"/>
+        <p:cTn id="1" dur="indefinite" restart="never" nodeType="tmRoot"/>
       </p:par>
     </p:tnLst>
   </p:timing>
@@ -14783,13 +14141,13 @@
   <p:clrMapOvr>
     <a:masterClrMapping/>
   </p:clrMapOvr>
-  <p:transition xmlns:p14="http://schemas.microsoft.com/office/powerpoint/2010/main" spd="med">
+  <p:transition spd="med">
     <p:fade/>
   </p:transition>
   <p:timing>
     <p:tnLst>
       <p:par>
-        <p:cTn xmlns:p14="http://schemas.microsoft.com/office/powerpoint/2010/main" id="1" dur="indefinite" restart="never" nodeType="tmRoot"/>
+        <p:cTn id="1" dur="indefinite" restart="never" nodeType="tmRoot"/>
       </p:par>
     </p:tnLst>
   </p:timing>
@@ -14906,13 +14264,13 @@
   <p:clrMapOvr>
     <a:masterClrMapping/>
   </p:clrMapOvr>
-  <p:transition xmlns:p14="http://schemas.microsoft.com/office/powerpoint/2010/main" spd="med">
+  <p:transition spd="med">
     <p:fade/>
   </p:transition>
   <p:timing>
     <p:tnLst>
       <p:par>
-        <p:cTn xmlns:p14="http://schemas.microsoft.com/office/powerpoint/2010/main" id="1" dur="indefinite" restart="never" nodeType="tmRoot"/>
+        <p:cTn id="1" dur="indefinite" restart="never" nodeType="tmRoot"/>
       </p:par>
     </p:tnLst>
   </p:timing>
@@ -15063,13 +14421,13 @@
   <p:clrMapOvr>
     <a:masterClrMapping/>
   </p:clrMapOvr>
-  <p:transition xmlns:p14="http://schemas.microsoft.com/office/powerpoint/2010/main" spd="med">
+  <p:transition spd="med">
     <p:fade/>
   </p:transition>
   <p:timing>
     <p:tnLst>
       <p:par>
-        <p:cTn xmlns:p14="http://schemas.microsoft.com/office/powerpoint/2010/main" id="1" dur="indefinite" restart="never" nodeType="tmRoot"/>
+        <p:cTn id="1" dur="indefinite" restart="never" nodeType="tmRoot"/>
       </p:par>
     </p:tnLst>
   </p:timing>
@@ -15151,13 +14509,13 @@
   <p:clrMapOvr>
     <a:masterClrMapping/>
   </p:clrMapOvr>
-  <p:transition xmlns:p14="http://schemas.microsoft.com/office/powerpoint/2010/main" spd="med">
+  <p:transition spd="med">
     <p:fade/>
   </p:transition>
   <p:timing>
     <p:tnLst>
       <p:par>
-        <p:cTn xmlns:p14="http://schemas.microsoft.com/office/powerpoint/2010/main" id="1" dur="indefinite" restart="never" nodeType="tmRoot"/>
+        <p:cTn id="1" dur="indefinite" restart="never" nodeType="tmRoot"/>
       </p:par>
     </p:tnLst>
   </p:timing>
@@ -15239,13 +14597,13 @@
   <p:clrMapOvr>
     <a:masterClrMapping/>
   </p:clrMapOvr>
-  <p:transition xmlns:p14="http://schemas.microsoft.com/office/powerpoint/2010/main" spd="med">
+  <p:transition spd="med">
     <p:fade/>
   </p:transition>
   <p:timing>
     <p:tnLst>
       <p:par>
-        <p:cTn xmlns:p14="http://schemas.microsoft.com/office/powerpoint/2010/main" id="1" dur="indefinite" restart="never" nodeType="tmRoot"/>
+        <p:cTn id="1" dur="indefinite" restart="never" nodeType="tmRoot"/>
       </p:par>
     </p:tnLst>
   </p:timing>
@@ -15409,13 +14767,13 @@
   <p:clrMapOvr>
     <a:masterClrMapping/>
   </p:clrMapOvr>
-  <p:transition xmlns:p14="http://schemas.microsoft.com/office/powerpoint/2010/main" spd="med">
+  <p:transition spd="med">
     <p:fade/>
   </p:transition>
   <p:timing>
     <p:tnLst>
       <p:par>
-        <p:cTn xmlns:p14="http://schemas.microsoft.com/office/powerpoint/2010/main" id="1" dur="indefinite" restart="never" nodeType="tmRoot"/>
+        <p:cTn id="1" dur="indefinite" restart="never" nodeType="tmRoot"/>
       </p:par>
     </p:tnLst>
   </p:timing>
@@ -15449,13 +14807,13 @@
   <p:clrMapOvr>
     <a:masterClrMapping/>
   </p:clrMapOvr>
-  <p:transition xmlns:p14="http://schemas.microsoft.com/office/powerpoint/2010/main" spd="med">
+  <p:transition spd="med">
     <p:fade/>
   </p:transition>
   <p:timing>
     <p:tnLst>
       <p:par>
-        <p:cTn xmlns:p14="http://schemas.microsoft.com/office/powerpoint/2010/main" id="1" dur="indefinite" restart="never" nodeType="tmRoot"/>
+        <p:cTn id="1" dur="indefinite" restart="never" nodeType="tmRoot"/>
       </p:par>
     </p:tnLst>
   </p:timing>
@@ -15572,13 +14930,13 @@
   <p:clrMapOvr>
     <a:masterClrMapping/>
   </p:clrMapOvr>
-  <p:transition xmlns:p14="http://schemas.microsoft.com/office/powerpoint/2010/main" spd="med">
+  <p:transition spd="med">
     <p:fade/>
   </p:transition>
   <p:timing>
     <p:tnLst>
       <p:par>
-        <p:cTn xmlns:p14="http://schemas.microsoft.com/office/powerpoint/2010/main" id="1" dur="indefinite" restart="never" nodeType="tmRoot"/>
+        <p:cTn id="1" dur="indefinite" restart="never" nodeType="tmRoot"/>
       </p:par>
     </p:tnLst>
   </p:timing>
@@ -15779,13 +15137,13 @@
   <p:clrMapOvr>
     <a:masterClrMapping/>
   </p:clrMapOvr>
-  <p:transition xmlns:p14="http://schemas.microsoft.com/office/powerpoint/2010/main" spd="med">
+  <p:transition spd="med">
     <p:fade/>
   </p:transition>
   <p:timing>
     <p:tnLst>
       <p:par>
-        <p:cTn xmlns:p14="http://schemas.microsoft.com/office/powerpoint/2010/main" id="1" dur="indefinite" restart="never" nodeType="tmRoot"/>
+        <p:cTn id="1" dur="indefinite" restart="never" nodeType="tmRoot"/>
       </p:par>
     </p:tnLst>
   </p:timing>
@@ -15939,13 +15297,13 @@
   <p:clrMapOvr>
     <a:masterClrMapping/>
   </p:clrMapOvr>
-  <p:transition xmlns:p14="http://schemas.microsoft.com/office/powerpoint/2010/main" spd="med">
+  <p:transition spd="med">
     <p:fade/>
   </p:transition>
   <p:timing>
     <p:tnLst>
       <p:par>
-        <p:cTn xmlns:p14="http://schemas.microsoft.com/office/powerpoint/2010/main" id="1" dur="indefinite" restart="never" nodeType="tmRoot"/>
+        <p:cTn id="1" dur="indefinite" restart="never" nodeType="tmRoot"/>
       </p:par>
     </p:tnLst>
   </p:timing>
@@ -16165,13 +15523,13 @@
   <p:clrMapOvr>
     <a:masterClrMapping/>
   </p:clrMapOvr>
-  <p:transition xmlns:p14="http://schemas.microsoft.com/office/powerpoint/2010/main" spd="med">
+  <p:transition spd="med">
     <p:fade/>
   </p:transition>
   <p:timing>
     <p:tnLst>
       <p:par>
-        <p:cTn xmlns:p14="http://schemas.microsoft.com/office/powerpoint/2010/main" id="1" dur="indefinite" restart="never" nodeType="tmRoot"/>
+        <p:cTn id="1" dur="indefinite" restart="never" nodeType="tmRoot"/>
       </p:par>
     </p:tnLst>
   </p:timing>
@@ -16308,13 +15666,13 @@
   <p:clrMapOvr>
     <a:masterClrMapping/>
   </p:clrMapOvr>
-  <p:transition xmlns:p14="http://schemas.microsoft.com/office/powerpoint/2010/main" spd="med">
+  <p:transition spd="med">
     <p:fade/>
   </p:transition>
   <p:timing>
     <p:tnLst>
       <p:par>
-        <p:cTn xmlns:p14="http://schemas.microsoft.com/office/powerpoint/2010/main" id="1" dur="indefinite" restart="never" nodeType="tmRoot"/>
+        <p:cTn id="1" dur="indefinite" restart="never" nodeType="tmRoot"/>
       </p:par>
     </p:tnLst>
   </p:timing>
@@ -16563,13 +15921,13 @@
   <p:clrMapOvr>
     <a:masterClrMapping/>
   </p:clrMapOvr>
-  <p:transition xmlns:p14="http://schemas.microsoft.com/office/powerpoint/2010/main" spd="med">
+  <p:transition spd="med">
     <p:fade/>
   </p:transition>
   <p:timing>
     <p:tnLst>
       <p:par>
-        <p:cTn xmlns:p14="http://schemas.microsoft.com/office/powerpoint/2010/main" id="1" dur="indefinite" restart="never" nodeType="tmRoot"/>
+        <p:cTn id="1" dur="indefinite" restart="never" nodeType="tmRoot"/>
       </p:par>
     </p:tnLst>
   </p:timing>
@@ -17856,13 +17214,13 @@
   <p:clrMapOvr>
     <a:masterClrMapping/>
   </p:clrMapOvr>
-  <p:transition xmlns:p14="http://schemas.microsoft.com/office/powerpoint/2010/main" spd="med">
+  <p:transition spd="med">
     <p:fade/>
   </p:transition>
   <p:timing>
     <p:tnLst>
       <p:par>
-        <p:cTn xmlns:p14="http://schemas.microsoft.com/office/powerpoint/2010/main" id="1" dur="indefinite" restart="never" nodeType="tmRoot"/>
+        <p:cTn id="1" dur="indefinite" restart="never" nodeType="tmRoot"/>
       </p:par>
     </p:tnLst>
   </p:timing>
@@ -18245,7 +17603,7 @@
   <a:extraClrSchemeLst/>
   <a:extLst>
     <a:ext uri="{05A4C25C-085E-4340-85A3-A5531E510DB2}">
-      <thm15:themeFamily xmlns:thm15="http://schemas.microsoft.com/office/thememl/2012/main" xmlns="" name="Chef-TemplateComps_v09-16x9-Light.potx" id="{078CEFDB-FA7A-4E36-9964-13EF367585CB}" vid="{8B87B0F3-7308-43D5-8388-E1B49EA02652}"/>
+      <thm15:themeFamily xmlns:thm15="http://schemas.microsoft.com/office/thememl/2012/main" name="Chef-TemplateComps_v09-16x9-Light.potx" id="{078CEFDB-FA7A-4E36-9964-13EF367585CB}" vid="{8B87B0F3-7308-43D5-8388-E1B49EA02652}"/>
     </a:ext>
   </a:extLst>
 </a:theme>
@@ -18627,7 +17985,7 @@
   <a:extraClrSchemeLst/>
   <a:extLst>
     <a:ext uri="{05A4C25C-085E-4340-85A3-A5531E510DB2}">
-      <thm15:themeFamily xmlns:thm15="http://schemas.microsoft.com/office/thememl/2012/main" xmlns="" name="Chef-TemplateComps_v09-16x9-Light.potx" id="{078CEFDB-FA7A-4E36-9964-13EF367585CB}" vid="{8B87B0F3-7308-43D5-8388-E1B49EA02652}"/>
+      <thm15:themeFamily xmlns:thm15="http://schemas.microsoft.com/office/thememl/2012/main" name="Chef-TemplateComps_v09-16x9-Light.potx" id="{078CEFDB-FA7A-4E36-9964-13EF367585CB}" vid="{8B87B0F3-7308-43D5-8388-E1B49EA02652}"/>
     </a:ext>
   </a:extLst>
 </a:theme>
